--- a/Docker-Network-Diagrams.pptx
+++ b/Docker-Network-Diagrams.pptx
@@ -16304,4339 +16304,4319 @@
       </p:sp>
       <p:grpSp>
         <p:nvGrpSpPr>
-          <p:cNvPr id="518" name="Group"/>
+          <p:cNvPr id="437" name="Group 378"/>
           <p:cNvGrpSpPr/>
           <p:nvPr/>
         </p:nvGrpSpPr>
         <p:grpSpPr>
           <a:xfrm>
-            <a:off x="1531888" y="1655004"/>
-            <a:ext cx="9814719" cy="5681062"/>
-            <a:chOff x="-99493" y="0"/>
-            <a:chExt cx="9814717" cy="5681060"/>
+            <a:off x="3776688" y="2292025"/>
+            <a:ext cx="1617882" cy="769121"/>
+            <a:chOff x="0" y="0"/>
+            <a:chExt cx="1617881" cy="769119"/>
           </a:xfrm>
         </p:grpSpPr>
         <p:grpSp>
           <p:nvGrpSpPr>
-            <p:cNvPr id="437" name="Group 378"/>
+            <p:cNvPr id="428" name="Freeform 379"/>
             <p:cNvGrpSpPr/>
             <p:nvPr/>
           </p:nvGrpSpPr>
           <p:grpSpPr>
             <a:xfrm>
-              <a:off x="2145306" y="637020"/>
-              <a:ext cx="1617882" cy="769121"/>
+              <a:off x="0" y="245806"/>
+              <a:ext cx="1617882" cy="523314"/>
               <a:chOff x="0" y="0"/>
-              <a:chExt cx="1617881" cy="769119"/>
+              <a:chExt cx="1617881" cy="523312"/>
             </a:xfrm>
           </p:grpSpPr>
-          <p:grpSp>
-            <p:nvGrpSpPr>
-              <p:cNvPr id="428" name="Freeform 379"/>
-              <p:cNvGrpSpPr/>
+          <p:sp>
+            <p:nvSpPr>
+              <p:cNvPr id="426" name="Shape"/>
+              <p:cNvSpPr/>
               <p:nvPr/>
-            </p:nvGrpSpPr>
-            <p:grpSpPr>
+            </p:nvSpPr>
+            <p:spPr>
               <a:xfrm>
-                <a:off x="0" y="245806"/>
-                <a:ext cx="1617882" cy="523314"/>
-                <a:chOff x="0" y="0"/>
-                <a:chExt cx="1617881" cy="523312"/>
+                <a:off x="-1" y="31655"/>
+                <a:ext cx="1617883" cy="460004"/>
               </a:xfrm>
-            </p:grpSpPr>
-            <p:sp>
-              <p:nvSpPr>
-                <p:cNvPr id="426" name="Shape"/>
-                <p:cNvSpPr/>
-                <p:nvPr/>
-              </p:nvSpPr>
-              <p:spPr>
-                <a:xfrm>
-                  <a:off x="-1" y="31655"/>
-                  <a:ext cx="1617883" cy="460004"/>
-                </a:xfrm>
-                <a:custGeom>
-                  <a:avLst/>
-                  <a:gdLst/>
-                  <a:ahLst/>
-                  <a:cxnLst>
-                    <a:cxn ang="0">
-                      <a:pos x="wd2" y="hd2"/>
-                    </a:cxn>
-                    <a:cxn ang="5400000">
-                      <a:pos x="wd2" y="hd2"/>
-                    </a:cxn>
-                    <a:cxn ang="10800000">
-                      <a:pos x="wd2" y="hd2"/>
-                    </a:cxn>
-                    <a:cxn ang="16200000">
-                      <a:pos x="wd2" y="hd2"/>
-                    </a:cxn>
-                  </a:cxnLst>
-                  <a:rect l="0" t="0" r="r" b="b"/>
-                  <a:pathLst>
-                    <a:path w="21593" h="21598" fill="norm" stroke="1" extrusionOk="0">
-                      <a:moveTo>
-                        <a:pt x="21591" y="51"/>
-                      </a:moveTo>
-                      <a:lnTo>
-                        <a:pt x="21593" y="11403"/>
-                      </a:lnTo>
-                      <a:cubicBezTo>
-                        <a:pt x="20935" y="19011"/>
-                        <a:pt x="14479" y="21600"/>
-                        <a:pt x="10884" y="21598"/>
-                      </a:cubicBezTo>
-                      <a:cubicBezTo>
-                        <a:pt x="7289" y="21596"/>
-                        <a:pt x="649" y="19123"/>
-                        <a:pt x="23" y="11390"/>
-                      </a:cubicBezTo>
-                      <a:cubicBezTo>
-                        <a:pt x="32" y="8472"/>
-                        <a:pt x="-7" y="2919"/>
-                        <a:pt x="1" y="0"/>
-                      </a:cubicBezTo>
-                      <a:cubicBezTo>
-                        <a:pt x="1019" y="6646"/>
-                        <a:pt x="7140" y="10014"/>
-                        <a:pt x="10738" y="10023"/>
-                      </a:cubicBezTo>
-                      <a:cubicBezTo>
-                        <a:pt x="14336" y="10031"/>
-                        <a:pt x="20606" y="7591"/>
-                        <a:pt x="21591" y="51"/>
-                      </a:cubicBezTo>
-                      <a:close/>
-                    </a:path>
-                  </a:pathLst>
-                </a:custGeom>
-                <a:gradFill flip="none" rotWithShape="1">
-                  <a:gsLst>
-                    <a:gs pos="0">
-                      <a:srgbClr val="B8C2C9"/>
-                    </a:gs>
-                    <a:gs pos="21000">
+              <a:custGeom>
+                <a:avLst/>
+                <a:gdLst/>
+                <a:ahLst/>
+                <a:cxnLst>
+                  <a:cxn ang="0">
+                    <a:pos x="wd2" y="hd2"/>
+                  </a:cxn>
+                  <a:cxn ang="5400000">
+                    <a:pos x="wd2" y="hd2"/>
+                  </a:cxn>
+                  <a:cxn ang="10800000">
+                    <a:pos x="wd2" y="hd2"/>
+                  </a:cxn>
+                  <a:cxn ang="16200000">
+                    <a:pos x="wd2" y="hd2"/>
+                  </a:cxn>
+                </a:cxnLst>
+                <a:rect l="0" t="0" r="r" b="b"/>
+                <a:pathLst>
+                  <a:path w="21593" h="21598" fill="norm" stroke="1" extrusionOk="0">
+                    <a:moveTo>
+                      <a:pt x="21591" y="51"/>
+                    </a:moveTo>
+                    <a:lnTo>
+                      <a:pt x="21593" y="11403"/>
+                    </a:lnTo>
+                    <a:cubicBezTo>
+                      <a:pt x="20935" y="19011"/>
+                      <a:pt x="14479" y="21600"/>
+                      <a:pt x="10884" y="21598"/>
+                    </a:cubicBezTo>
+                    <a:cubicBezTo>
+                      <a:pt x="7289" y="21596"/>
+                      <a:pt x="649" y="19123"/>
+                      <a:pt x="23" y="11390"/>
+                    </a:cubicBezTo>
+                    <a:cubicBezTo>
+                      <a:pt x="32" y="8472"/>
+                      <a:pt x="-7" y="2919"/>
+                      <a:pt x="1" y="0"/>
+                    </a:cubicBezTo>
+                    <a:cubicBezTo>
+                      <a:pt x="1019" y="6646"/>
+                      <a:pt x="7140" y="10014"/>
+                      <a:pt x="10738" y="10023"/>
+                    </a:cubicBezTo>
+                    <a:cubicBezTo>
+                      <a:pt x="14336" y="10031"/>
+                      <a:pt x="20606" y="7591"/>
+                      <a:pt x="21591" y="51"/>
+                    </a:cubicBezTo>
+                    <a:close/>
+                  </a:path>
+                </a:pathLst>
+              </a:custGeom>
+              <a:gradFill flip="none" rotWithShape="1">
+                <a:gsLst>
+                  <a:gs pos="0">
+                    <a:srgbClr val="B8C2C9"/>
+                  </a:gs>
+                  <a:gs pos="21000">
+                    <a:srgbClr val="FFFFFF"/>
+                  </a:gs>
+                  <a:gs pos="60000">
+                    <a:srgbClr val="D6DCE0"/>
+                  </a:gs>
+                  <a:gs pos="100000">
+                    <a:srgbClr val="B8C2C9"/>
+                  </a:gs>
+                </a:gsLst>
+                <a:lin ang="0" scaled="0"/>
+              </a:gradFill>
+              <a:ln w="6350" cap="flat">
+                <a:solidFill>
+                  <a:srgbClr val="000000"/>
+                </a:solidFill>
+                <a:prstDash val="solid"/>
+                <a:miter lim="800000"/>
+              </a:ln>
+              <a:effectLst/>
+            </p:spPr>
+            <p:txBody>
+              <a:bodyPr wrap="square" lIns="45719" tIns="45719" rIns="45719" bIns="45719" numCol="1" anchor="ctr">
+                <a:noAutofit/>
+              </a:bodyPr>
+              <a:lstStyle/>
+              <a:p>
+                <a:pPr defTabSz="914400">
+                  <a:defRPr sz="1800">
+                    <a:solidFill>
                       <a:srgbClr val="FFFFFF"/>
-                    </a:gs>
-                    <a:gs pos="60000">
-                      <a:srgbClr val="D6DCE0"/>
-                    </a:gs>
-                    <a:gs pos="100000">
-                      <a:srgbClr val="B8C2C9"/>
-                    </a:gs>
-                  </a:gsLst>
-                  <a:lin ang="0" scaled="0"/>
-                </a:gradFill>
-                <a:ln w="6350" cap="flat">
-                  <a:solidFill>
-                    <a:srgbClr val="000000"/>
-                  </a:solidFill>
-                  <a:prstDash val="solid"/>
-                  <a:miter lim="800000"/>
-                </a:ln>
-                <a:effectLst/>
-              </p:spPr>
-              <p:txBody>
-                <a:bodyPr wrap="square" lIns="45719" tIns="45719" rIns="45719" bIns="45719" numCol="1" anchor="ctr">
-                  <a:noAutofit/>
-                </a:bodyPr>
-                <a:lstStyle/>
-                <a:p>
-                  <a:pPr defTabSz="914400">
-                    <a:defRPr sz="1800">
-                      <a:solidFill>
-                        <a:srgbClr val="FFFFFF"/>
-                      </a:solidFill>
-                      <a:latin typeface="Calibri"/>
-                      <a:ea typeface="Calibri"/>
-                      <a:cs typeface="Calibri"/>
-                      <a:sym typeface="Calibri"/>
-                    </a:defRPr>
-                  </a:pPr>
-                </a:p>
-              </p:txBody>
-            </p:sp>
-            <p:sp>
-              <p:nvSpPr>
-                <p:cNvPr id="427" name="Rectangle"/>
-                <p:cNvSpPr txBox="1"/>
-                <p:nvPr/>
-              </p:nvSpPr>
-              <p:spPr>
-                <a:xfrm>
-                  <a:off x="68998" y="0"/>
-                  <a:ext cx="1479885" cy="523313"/>
-                </a:xfrm>
-                <a:prstGeom prst="rect">
-                  <a:avLst/>
-                </a:prstGeom>
+                    </a:solidFill>
+                    <a:latin typeface="Calibri"/>
+                    <a:ea typeface="Calibri"/>
+                    <a:cs typeface="Calibri"/>
+                    <a:sym typeface="Calibri"/>
+                  </a:defRPr>
+                </a:pPr>
+              </a:p>
+            </p:txBody>
+          </p:sp>
+          <p:sp>
+            <p:nvSpPr>
+              <p:cNvPr id="427" name="Rectangle"/>
+              <p:cNvSpPr txBox="1"/>
+              <p:nvPr/>
+            </p:nvSpPr>
+            <p:spPr>
+              <a:xfrm>
+                <a:off x="68998" y="0"/>
+                <a:ext cx="1479885" cy="523313"/>
+              </a:xfrm>
+              <a:prstGeom prst="rect">
+                <a:avLst/>
+              </a:prstGeom>
+              <a:noFill/>
+              <a:ln w="3175" cap="flat">
                 <a:noFill/>
-                <a:ln w="3175" cap="flat">
-                  <a:noFill/>
-                  <a:miter lim="400000"/>
-                </a:ln>
-                <a:effectLst/>
-                <a:extLst>
-                  <a:ext uri="{C572A759-6A51-4108-AA02-DFA0A04FC94B}">
-                    <ma14:wrappingTextBoxFlag xmlns:ma14="http://schemas.microsoft.com/office/mac/drawingml/2011/main" val="1"/>
-                  </a:ext>
-                </a:extLst>
-              </p:spPr>
-              <p:txBody>
-                <a:bodyPr wrap="square" lIns="45719" tIns="45719" rIns="45719" bIns="45719" numCol="1" anchor="ctr">
-                  <a:noAutofit/>
-                </a:bodyPr>
-                <a:lstStyle>
-                  <a:lvl1pPr defTabSz="914400">
-                    <a:defRPr sz="1800">
-                      <a:solidFill>
-                        <a:srgbClr val="FFFFFF"/>
-                      </a:solidFill>
-                      <a:latin typeface="Calibri"/>
-                      <a:ea typeface="Calibri"/>
-                      <a:cs typeface="Calibri"/>
-                      <a:sym typeface="Calibri"/>
-                    </a:defRPr>
-                  </a:lvl1pPr>
-                </a:lstStyle>
-                <a:p>
-                  <a:pPr/>
-                  <a:r>
-                    <a:t>                   </a:t>
-                  </a:r>
-                </a:p>
-              </p:txBody>
-            </p:sp>
-          </p:grpSp>
-          <p:grpSp>
-            <p:nvGrpSpPr>
-              <p:cNvPr id="431" name="Oval 380"/>
-              <p:cNvGrpSpPr/>
-              <p:nvPr/>
-            </p:nvGrpSpPr>
-            <p:grpSpPr>
-              <a:xfrm>
-                <a:off x="931" y="-1"/>
-                <a:ext cx="1615923" cy="523314"/>
-                <a:chOff x="0" y="0"/>
-                <a:chExt cx="1615922" cy="523312"/>
-              </a:xfrm>
-            </p:grpSpPr>
-            <p:sp>
-              <p:nvSpPr>
-                <p:cNvPr id="429" name="Oval"/>
-                <p:cNvSpPr/>
-                <p:nvPr/>
-              </p:nvSpPr>
-              <p:spPr>
-                <a:xfrm>
-                  <a:off x="0" y="33941"/>
-                  <a:ext cx="1615923" cy="455431"/>
-                </a:xfrm>
-                <a:prstGeom prst="ellipse">
-                  <a:avLst/>
-                </a:prstGeom>
-                <a:solidFill>
-                  <a:srgbClr val="B8C2C9"/>
-                </a:solidFill>
-                <a:ln w="6350" cap="flat">
-                  <a:solidFill>
-                    <a:srgbClr val="000000"/>
-                  </a:solidFill>
-                  <a:prstDash val="solid"/>
-                  <a:miter lim="800000"/>
-                </a:ln>
-                <a:effectLst/>
-              </p:spPr>
-              <p:txBody>
-                <a:bodyPr wrap="square" lIns="45719" tIns="45719" rIns="45719" bIns="45719" numCol="1" anchor="ctr">
-                  <a:noAutofit/>
-                </a:bodyPr>
-                <a:lstStyle/>
-                <a:p>
-                  <a:pPr defTabSz="914400">
-                    <a:defRPr sz="1800">
-                      <a:solidFill>
-                        <a:srgbClr val="FFFFFF"/>
-                      </a:solidFill>
-                      <a:latin typeface="Calibri"/>
-                      <a:ea typeface="Calibri"/>
-                      <a:cs typeface="Calibri"/>
-                      <a:sym typeface="Calibri"/>
-                    </a:defRPr>
-                  </a:pPr>
-                </a:p>
-              </p:txBody>
-            </p:sp>
-            <p:sp>
-              <p:nvSpPr>
-                <p:cNvPr id="430" name="Rectangle"/>
-                <p:cNvSpPr txBox="1"/>
-                <p:nvPr/>
-              </p:nvSpPr>
-              <p:spPr>
-                <a:xfrm>
-                  <a:off x="305645" y="-1"/>
-                  <a:ext cx="1004632" cy="523314"/>
-                </a:xfrm>
-                <a:prstGeom prst="rect">
-                  <a:avLst/>
-                </a:prstGeom>
-                <a:noFill/>
-                <a:ln w="3175" cap="flat">
-                  <a:noFill/>
-                  <a:miter lim="400000"/>
-                </a:ln>
-                <a:effectLst/>
-                <a:extLst>
-                  <a:ext uri="{C572A759-6A51-4108-AA02-DFA0A04FC94B}">
-                    <ma14:wrappingTextBoxFlag xmlns:ma14="http://schemas.microsoft.com/office/mac/drawingml/2011/main" val="1"/>
-                  </a:ext>
-                </a:extLst>
-              </p:spPr>
-              <p:txBody>
-                <a:bodyPr wrap="square" lIns="45719" tIns="45719" rIns="45719" bIns="45719" numCol="1" anchor="ctr">
-                  <a:noAutofit/>
-                </a:bodyPr>
-                <a:lstStyle>
-                  <a:lvl1pPr defTabSz="914400">
-                    <a:defRPr sz="1800">
-                      <a:solidFill>
-                        <a:srgbClr val="FFFFFF"/>
-                      </a:solidFill>
-                      <a:latin typeface="Calibri"/>
-                      <a:ea typeface="Calibri"/>
-                      <a:cs typeface="Calibri"/>
-                      <a:sym typeface="Calibri"/>
-                    </a:defRPr>
-                  </a:lvl1pPr>
-                </a:lstStyle>
-                <a:p>
-                  <a:pPr/>
-                  <a:r>
-                    <a:t>              </a:t>
-                  </a:r>
-                </a:p>
-              </p:txBody>
-            </p:sp>
-          </p:grpSp>
-          <p:grpSp>
-            <p:nvGrpSpPr>
-              <p:cNvPr id="436" name="Group 381"/>
-              <p:cNvGrpSpPr/>
-              <p:nvPr/>
-            </p:nvGrpSpPr>
-            <p:grpSpPr>
-              <a:xfrm>
-                <a:off x="239945" y="91825"/>
-                <a:ext cx="1137689" cy="334646"/>
-                <a:chOff x="0" y="0"/>
-                <a:chExt cx="1137687" cy="334644"/>
-              </a:xfrm>
-            </p:grpSpPr>
-            <p:sp>
-              <p:nvSpPr>
-                <p:cNvPr id="432" name="Freeform 382"/>
-                <p:cNvSpPr/>
-                <p:nvPr/>
-              </p:nvSpPr>
-              <p:spPr>
-                <a:xfrm>
-                  <a:off x="31468" y="0"/>
-                  <a:ext cx="1076231" cy="187326"/>
-                </a:xfrm>
-                <a:custGeom>
-                  <a:avLst/>
-                  <a:gdLst/>
-                  <a:ahLst/>
-                  <a:cxnLst>
-                    <a:cxn ang="0">
-                      <a:pos x="wd2" y="hd2"/>
-                    </a:cxn>
-                    <a:cxn ang="5400000">
-                      <a:pos x="wd2" y="hd2"/>
-                    </a:cxn>
-                    <a:cxn ang="10800000">
-                      <a:pos x="wd2" y="hd2"/>
-                    </a:cxn>
-                    <a:cxn ang="16200000">
-                      <a:pos x="wd2" y="hd2"/>
-                    </a:cxn>
-                  </a:cxnLst>
-                  <a:rect l="0" t="0" r="r" b="b"/>
-                  <a:pathLst>
-                    <a:path w="21600" h="21600" fill="norm" stroke="1" extrusionOk="0">
-                      <a:moveTo>
-                        <a:pt x="17365" y="0"/>
-                      </a:moveTo>
-                      <a:lnTo>
-                        <a:pt x="21600" y="4925"/>
-                      </a:lnTo>
-                      <a:lnTo>
-                        <a:pt x="18461" y="11148"/>
-                      </a:lnTo>
-                      <a:lnTo>
-                        <a:pt x="17638" y="9623"/>
-                      </a:lnTo>
-                      <a:lnTo>
-                        <a:pt x="10634" y="21600"/>
-                      </a:lnTo>
-                      <a:lnTo>
-                        <a:pt x="4216" y="9406"/>
-                      </a:lnTo>
-                      <a:lnTo>
-                        <a:pt x="2885" y="11148"/>
-                      </a:lnTo>
-                      <a:lnTo>
-                        <a:pt x="0" y="5658"/>
-                      </a:lnTo>
-                      <a:lnTo>
-                        <a:pt x="4216" y="348"/>
-                      </a:lnTo>
-                      <a:lnTo>
-                        <a:pt x="10742" y="12674"/>
-                      </a:lnTo>
-                      <a:lnTo>
-                        <a:pt x="17365" y="0"/>
-                      </a:lnTo>
-                      <a:close/>
-                    </a:path>
-                  </a:pathLst>
-                </a:custGeom>
-                <a:solidFill>
-                  <a:srgbClr val="0000A3"/>
-                </a:solidFill>
-                <a:ln w="3175" cap="flat">
-                  <a:noFill/>
-                  <a:miter lim="400000"/>
-                </a:ln>
-                <a:effectLst/>
-              </p:spPr>
-              <p:txBody>
-                <a:bodyPr wrap="square" lIns="45719" tIns="45719" rIns="45719" bIns="45719" numCol="1" anchor="ctr">
-                  <a:noAutofit/>
-                </a:bodyPr>
-                <a:lstStyle/>
-                <a:p>
-                  <a:pPr defTabSz="914400">
-                    <a:defRPr sz="1800">
-                      <a:solidFill>
-                        <a:srgbClr val="FFFFFF"/>
-                      </a:solidFill>
-                      <a:latin typeface="Calibri"/>
-                      <a:ea typeface="Calibri"/>
-                      <a:cs typeface="Calibri"/>
-                      <a:sym typeface="Calibri"/>
-                    </a:defRPr>
-                  </a:pPr>
-                </a:p>
-              </p:txBody>
-            </p:sp>
-            <p:sp>
-              <p:nvSpPr>
-                <p:cNvPr id="433" name="Freeform 383"/>
-                <p:cNvSpPr/>
-                <p:nvPr/>
-              </p:nvSpPr>
-              <p:spPr>
-                <a:xfrm>
-                  <a:off x="735866" y="160236"/>
-                  <a:ext cx="401822" cy="161281"/>
-                </a:xfrm>
-                <a:custGeom>
-                  <a:avLst/>
-                  <a:gdLst/>
-                  <a:ahLst/>
-                  <a:cxnLst>
-                    <a:cxn ang="0">
-                      <a:pos x="wd2" y="hd2"/>
-                    </a:cxn>
-                    <a:cxn ang="5400000">
-                      <a:pos x="wd2" y="hd2"/>
-                    </a:cxn>
-                    <a:cxn ang="10800000">
-                      <a:pos x="wd2" y="hd2"/>
-                    </a:cxn>
-                    <a:cxn ang="16200000">
-                      <a:pos x="wd2" y="hd2"/>
-                    </a:cxn>
-                  </a:cxnLst>
-                  <a:rect l="0" t="0" r="r" b="b"/>
-                  <a:pathLst>
-                    <a:path w="21600" h="21600" fill="norm" stroke="1" extrusionOk="0">
-                      <a:moveTo>
-                        <a:pt x="260" y="0"/>
-                      </a:moveTo>
-                      <a:lnTo>
-                        <a:pt x="21600" y="16577"/>
-                      </a:lnTo>
-                      <a:lnTo>
-                        <a:pt x="14183" y="21600"/>
-                      </a:lnTo>
-                      <a:lnTo>
-                        <a:pt x="0" y="10800"/>
-                      </a:lnTo>
-                      <a:lnTo>
-                        <a:pt x="260" y="0"/>
-                      </a:lnTo>
-                      <a:close/>
-                    </a:path>
-                  </a:pathLst>
-                </a:custGeom>
-                <a:solidFill>
-                  <a:srgbClr val="0000A3"/>
-                </a:solidFill>
-                <a:ln w="3175" cap="flat">
-                  <a:noFill/>
-                  <a:miter lim="400000"/>
-                </a:ln>
-                <a:effectLst/>
-              </p:spPr>
-              <p:txBody>
-                <a:bodyPr wrap="square" lIns="45719" tIns="45719" rIns="45719" bIns="45719" numCol="1" anchor="ctr">
-                  <a:noAutofit/>
-                </a:bodyPr>
-                <a:lstStyle/>
-                <a:p>
-                  <a:pPr defTabSz="914400">
-                    <a:defRPr sz="1800">
-                      <a:solidFill>
-                        <a:srgbClr val="FFFFFF"/>
-                      </a:solidFill>
-                      <a:latin typeface="Calibri"/>
-                      <a:ea typeface="Calibri"/>
-                      <a:cs typeface="Calibri"/>
-                      <a:sym typeface="Calibri"/>
-                    </a:defRPr>
-                  </a:pPr>
-                </a:p>
-              </p:txBody>
-            </p:sp>
-            <p:sp>
-              <p:nvSpPr>
-                <p:cNvPr id="434" name="Freeform 384"/>
-                <p:cNvSpPr/>
-                <p:nvPr/>
-              </p:nvSpPr>
-              <p:spPr>
-                <a:xfrm>
-                  <a:off x="-1" y="160236"/>
-                  <a:ext cx="394561" cy="159405"/>
-                </a:xfrm>
-                <a:custGeom>
-                  <a:avLst/>
-                  <a:gdLst/>
-                  <a:ahLst/>
-                  <a:cxnLst>
-                    <a:cxn ang="0">
-                      <a:pos x="wd2" y="hd2"/>
-                    </a:cxn>
-                    <a:cxn ang="5400000">
-                      <a:pos x="wd2" y="hd2"/>
-                    </a:cxn>
-                    <a:cxn ang="10800000">
-                      <a:pos x="wd2" y="hd2"/>
-                    </a:cxn>
-                    <a:cxn ang="16200000">
-                      <a:pos x="wd2" y="hd2"/>
-                    </a:cxn>
-                  </a:cxnLst>
-                  <a:rect l="0" t="0" r="r" b="b"/>
-                  <a:pathLst>
-                    <a:path w="21600" h="21600" fill="norm" stroke="1" extrusionOk="0">
-                      <a:moveTo>
-                        <a:pt x="21467" y="0"/>
-                      </a:moveTo>
-                      <a:lnTo>
-                        <a:pt x="21600" y="11435"/>
-                      </a:lnTo>
-                      <a:lnTo>
-                        <a:pt x="7288" y="21600"/>
-                      </a:lnTo>
-                      <a:lnTo>
-                        <a:pt x="0" y="16772"/>
-                      </a:lnTo>
-                      <a:lnTo>
-                        <a:pt x="21467" y="0"/>
-                      </a:lnTo>
-                      <a:close/>
-                    </a:path>
-                  </a:pathLst>
-                </a:custGeom>
-                <a:solidFill>
-                  <a:srgbClr val="0000A8"/>
-                </a:solidFill>
-                <a:ln w="3175" cap="flat">
-                  <a:noFill/>
-                  <a:miter lim="400000"/>
-                </a:ln>
-                <a:effectLst/>
-              </p:spPr>
-              <p:txBody>
-                <a:bodyPr wrap="square" lIns="45719" tIns="45719" rIns="45719" bIns="45719" numCol="1" anchor="ctr">
-                  <a:noAutofit/>
-                </a:bodyPr>
-                <a:lstStyle/>
-                <a:p>
-                  <a:pPr defTabSz="914400">
-                    <a:defRPr sz="1800">
-                      <a:solidFill>
-                        <a:srgbClr val="FFFFFF"/>
-                      </a:solidFill>
-                      <a:latin typeface="Calibri"/>
-                      <a:ea typeface="Calibri"/>
-                      <a:cs typeface="Calibri"/>
-                      <a:sym typeface="Calibri"/>
-                    </a:defRPr>
-                  </a:pPr>
-                </a:p>
-              </p:txBody>
-            </p:sp>
-            <p:sp>
-              <p:nvSpPr>
-                <p:cNvPr id="435" name="Freeform 385"/>
-                <p:cNvSpPr/>
-                <p:nvPr/>
-              </p:nvSpPr>
-              <p:spPr>
-                <a:xfrm>
-                  <a:off x="136971" y="81473"/>
-                  <a:ext cx="857899" cy="253172"/>
-                </a:xfrm>
-                <a:custGeom>
-                  <a:avLst/>
-                  <a:gdLst/>
-                  <a:ahLst/>
-                  <a:cxnLst>
-                    <a:cxn ang="0">
-                      <a:pos x="wd2" y="hd2"/>
-                    </a:cxn>
-                    <a:cxn ang="5400000">
-                      <a:pos x="wd2" y="hd2"/>
-                    </a:cxn>
-                    <a:cxn ang="10800000">
-                      <a:pos x="wd2" y="hd2"/>
-                    </a:cxn>
-                    <a:cxn ang="16200000">
-                      <a:pos x="wd2" y="hd2"/>
-                    </a:cxn>
-                  </a:cxnLst>
-                  <a:rect l="0" t="0" r="r" b="b"/>
-                  <a:pathLst>
-                    <a:path w="21600" h="21600" fill="norm" stroke="1" extrusionOk="0">
-                      <a:moveTo>
-                        <a:pt x="939" y="1120"/>
-                      </a:moveTo>
-                      <a:lnTo>
-                        <a:pt x="2585" y="0"/>
-                      </a:lnTo>
-                      <a:lnTo>
-                        <a:pt x="10744" y="9007"/>
-                      </a:lnTo>
-                      <a:lnTo>
-                        <a:pt x="19467" y="0"/>
-                      </a:lnTo>
-                      <a:lnTo>
-                        <a:pt x="20747" y="1120"/>
-                      </a:lnTo>
-                      <a:lnTo>
-                        <a:pt x="15265" y="6833"/>
-                      </a:lnTo>
-                      <a:lnTo>
-                        <a:pt x="15222" y="13740"/>
-                      </a:lnTo>
-                      <a:lnTo>
-                        <a:pt x="21600" y="20480"/>
-                      </a:lnTo>
-                      <a:lnTo>
-                        <a:pt x="19954" y="21440"/>
-                      </a:lnTo>
-                      <a:lnTo>
-                        <a:pt x="10813" y="11360"/>
-                      </a:lnTo>
-                      <a:lnTo>
-                        <a:pt x="1488" y="21600"/>
-                      </a:lnTo>
-                      <a:lnTo>
-                        <a:pt x="0" y="20263"/>
-                      </a:lnTo>
-                      <a:lnTo>
-                        <a:pt x="6457" y="13760"/>
-                      </a:lnTo>
-                      <a:cubicBezTo>
-                        <a:pt x="6457" y="11573"/>
-                        <a:pt x="6392" y="9067"/>
-                        <a:pt x="6392" y="6880"/>
-                      </a:cubicBezTo>
-                      <a:lnTo>
-                        <a:pt x="1061" y="1280"/>
-                      </a:lnTo>
-                      <a:cubicBezTo>
-                        <a:pt x="153" y="320"/>
-                        <a:pt x="980" y="1173"/>
-                        <a:pt x="939" y="1120"/>
-                      </a:cubicBezTo>
-                      <a:close/>
-                    </a:path>
-                  </a:pathLst>
-                </a:custGeom>
-                <a:solidFill>
-                  <a:srgbClr val="8FAADC"/>
-                </a:solidFill>
-                <a:ln w="3175" cap="flat">
-                  <a:noFill/>
-                  <a:miter lim="400000"/>
-                </a:ln>
-                <a:effectLst/>
-              </p:spPr>
-              <p:txBody>
-                <a:bodyPr wrap="square" lIns="45719" tIns="45719" rIns="45719" bIns="45719" numCol="1" anchor="ctr">
-                  <a:noAutofit/>
-                </a:bodyPr>
-                <a:lstStyle/>
-                <a:p>
-                  <a:pPr defTabSz="914400">
-                    <a:defRPr sz="1800">
-                      <a:solidFill>
-                        <a:srgbClr val="FFFFFF"/>
-                      </a:solidFill>
-                      <a:latin typeface="Calibri"/>
-                      <a:ea typeface="Calibri"/>
-                      <a:cs typeface="Calibri"/>
-                      <a:sym typeface="Calibri"/>
-                    </a:defRPr>
-                  </a:pPr>
-                </a:p>
-              </p:txBody>
-            </p:sp>
-          </p:grpSp>
+                <a:miter lim="400000"/>
+              </a:ln>
+              <a:effectLst/>
+              <a:extLst>
+                <a:ext uri="{C572A759-6A51-4108-AA02-DFA0A04FC94B}">
+                  <ma14:wrappingTextBoxFlag xmlns:ma14="http://schemas.microsoft.com/office/mac/drawingml/2011/main" val="1"/>
+                </a:ext>
+              </a:extLst>
+            </p:spPr>
+            <p:txBody>
+              <a:bodyPr wrap="square" lIns="45719" tIns="45719" rIns="45719" bIns="45719" numCol="1" anchor="ctr">
+                <a:noAutofit/>
+              </a:bodyPr>
+              <a:lstStyle>
+                <a:lvl1pPr defTabSz="914400">
+                  <a:defRPr sz="1800">
+                    <a:solidFill>
+                      <a:srgbClr val="FFFFFF"/>
+                    </a:solidFill>
+                    <a:latin typeface="Calibri"/>
+                    <a:ea typeface="Calibri"/>
+                    <a:cs typeface="Calibri"/>
+                    <a:sym typeface="Calibri"/>
+                  </a:defRPr>
+                </a:lvl1pPr>
+              </a:lstStyle>
+              <a:p>
+                <a:pPr/>
+                <a:r>
+                  <a:t>                   </a:t>
+                </a:r>
+              </a:p>
+            </p:txBody>
+          </p:sp>
         </p:grpSp>
         <p:grpSp>
           <p:nvGrpSpPr>
-            <p:cNvPr id="449" name="Group 378"/>
+            <p:cNvPr id="431" name="Oval 380"/>
             <p:cNvGrpSpPr/>
             <p:nvPr/>
           </p:nvGrpSpPr>
           <p:grpSpPr>
             <a:xfrm>
-              <a:off x="5685108" y="637020"/>
-              <a:ext cx="1617882" cy="769121"/>
+              <a:off x="931" y="-1"/>
+              <a:ext cx="1615923" cy="523314"/>
               <a:chOff x="0" y="0"/>
-              <a:chExt cx="1617881" cy="769119"/>
+              <a:chExt cx="1615922" cy="523312"/>
             </a:xfrm>
           </p:grpSpPr>
-          <p:grpSp>
-            <p:nvGrpSpPr>
-              <p:cNvPr id="440" name="Freeform 379"/>
-              <p:cNvGrpSpPr/>
+          <p:sp>
+            <p:nvSpPr>
+              <p:cNvPr id="429" name="Oval"/>
+              <p:cNvSpPr/>
               <p:nvPr/>
-            </p:nvGrpSpPr>
-            <p:grpSpPr>
+            </p:nvSpPr>
+            <p:spPr>
               <a:xfrm>
-                <a:off x="0" y="245806"/>
-                <a:ext cx="1617882" cy="523314"/>
-                <a:chOff x="0" y="0"/>
-                <a:chExt cx="1617881" cy="523312"/>
+                <a:off x="0" y="33941"/>
+                <a:ext cx="1615923" cy="455431"/>
               </a:xfrm>
-            </p:grpSpPr>
-            <p:sp>
-              <p:nvSpPr>
-                <p:cNvPr id="438" name="Shape"/>
-                <p:cNvSpPr/>
-                <p:nvPr/>
-              </p:nvSpPr>
-              <p:spPr>
-                <a:xfrm>
-                  <a:off x="-1" y="31655"/>
-                  <a:ext cx="1617883" cy="460004"/>
-                </a:xfrm>
-                <a:custGeom>
-                  <a:avLst/>
-                  <a:gdLst/>
-                  <a:ahLst/>
-                  <a:cxnLst>
-                    <a:cxn ang="0">
-                      <a:pos x="wd2" y="hd2"/>
-                    </a:cxn>
-                    <a:cxn ang="5400000">
-                      <a:pos x="wd2" y="hd2"/>
-                    </a:cxn>
-                    <a:cxn ang="10800000">
-                      <a:pos x="wd2" y="hd2"/>
-                    </a:cxn>
-                    <a:cxn ang="16200000">
-                      <a:pos x="wd2" y="hd2"/>
-                    </a:cxn>
-                  </a:cxnLst>
-                  <a:rect l="0" t="0" r="r" b="b"/>
-                  <a:pathLst>
-                    <a:path w="21593" h="21598" fill="norm" stroke="1" extrusionOk="0">
-                      <a:moveTo>
-                        <a:pt x="21591" y="51"/>
-                      </a:moveTo>
-                      <a:lnTo>
-                        <a:pt x="21593" y="11403"/>
-                      </a:lnTo>
-                      <a:cubicBezTo>
-                        <a:pt x="20935" y="19011"/>
-                        <a:pt x="14479" y="21600"/>
-                        <a:pt x="10884" y="21598"/>
-                      </a:cubicBezTo>
-                      <a:cubicBezTo>
-                        <a:pt x="7289" y="21596"/>
-                        <a:pt x="649" y="19123"/>
-                        <a:pt x="23" y="11390"/>
-                      </a:cubicBezTo>
-                      <a:cubicBezTo>
-                        <a:pt x="32" y="8472"/>
-                        <a:pt x="-7" y="2919"/>
-                        <a:pt x="1" y="0"/>
-                      </a:cubicBezTo>
-                      <a:cubicBezTo>
-                        <a:pt x="1019" y="6646"/>
-                        <a:pt x="7140" y="10014"/>
-                        <a:pt x="10738" y="10023"/>
-                      </a:cubicBezTo>
-                      <a:cubicBezTo>
-                        <a:pt x="14336" y="10031"/>
-                        <a:pt x="20606" y="7591"/>
-                        <a:pt x="21591" y="51"/>
-                      </a:cubicBezTo>
-                      <a:close/>
-                    </a:path>
-                  </a:pathLst>
-                </a:custGeom>
-                <a:gradFill flip="none" rotWithShape="1">
-                  <a:gsLst>
-                    <a:gs pos="0">
-                      <a:srgbClr val="B8C2C9"/>
-                    </a:gs>
-                    <a:gs pos="21000">
+              <a:prstGeom prst="ellipse">
+                <a:avLst/>
+              </a:prstGeom>
+              <a:solidFill>
+                <a:srgbClr val="B8C2C9"/>
+              </a:solidFill>
+              <a:ln w="6350" cap="flat">
+                <a:solidFill>
+                  <a:srgbClr val="000000"/>
+                </a:solidFill>
+                <a:prstDash val="solid"/>
+                <a:miter lim="800000"/>
+              </a:ln>
+              <a:effectLst/>
+            </p:spPr>
+            <p:txBody>
+              <a:bodyPr wrap="square" lIns="45719" tIns="45719" rIns="45719" bIns="45719" numCol="1" anchor="ctr">
+                <a:noAutofit/>
+              </a:bodyPr>
+              <a:lstStyle/>
+              <a:p>
+                <a:pPr defTabSz="914400">
+                  <a:defRPr sz="1800">
+                    <a:solidFill>
                       <a:srgbClr val="FFFFFF"/>
-                    </a:gs>
-                    <a:gs pos="60000">
-                      <a:srgbClr val="D6DCE0"/>
-                    </a:gs>
-                    <a:gs pos="100000">
-                      <a:srgbClr val="B8C2C9"/>
-                    </a:gs>
-                  </a:gsLst>
-                  <a:lin ang="0" scaled="0"/>
-                </a:gradFill>
-                <a:ln w="6350" cap="flat">
-                  <a:solidFill>
-                    <a:srgbClr val="000000"/>
-                  </a:solidFill>
-                  <a:prstDash val="solid"/>
-                  <a:miter lim="800000"/>
-                </a:ln>
-                <a:effectLst/>
-              </p:spPr>
-              <p:txBody>
-                <a:bodyPr wrap="square" lIns="45719" tIns="45719" rIns="45719" bIns="45719" numCol="1" anchor="ctr">
-                  <a:noAutofit/>
-                </a:bodyPr>
-                <a:lstStyle/>
-                <a:p>
-                  <a:pPr defTabSz="914400">
-                    <a:defRPr sz="1800">
-                      <a:solidFill>
-                        <a:srgbClr val="FFFFFF"/>
-                      </a:solidFill>
-                      <a:latin typeface="Calibri"/>
-                      <a:ea typeface="Calibri"/>
-                      <a:cs typeface="Calibri"/>
-                      <a:sym typeface="Calibri"/>
-                    </a:defRPr>
-                  </a:pPr>
-                </a:p>
-              </p:txBody>
-            </p:sp>
-            <p:sp>
-              <p:nvSpPr>
-                <p:cNvPr id="439" name="Rectangle"/>
-                <p:cNvSpPr txBox="1"/>
-                <p:nvPr/>
-              </p:nvSpPr>
-              <p:spPr>
-                <a:xfrm>
-                  <a:off x="68998" y="0"/>
-                  <a:ext cx="1479885" cy="523313"/>
-                </a:xfrm>
-                <a:prstGeom prst="rect">
-                  <a:avLst/>
-                </a:prstGeom>
+                    </a:solidFill>
+                    <a:latin typeface="Calibri"/>
+                    <a:ea typeface="Calibri"/>
+                    <a:cs typeface="Calibri"/>
+                    <a:sym typeface="Calibri"/>
+                  </a:defRPr>
+                </a:pPr>
+              </a:p>
+            </p:txBody>
+          </p:sp>
+          <p:sp>
+            <p:nvSpPr>
+              <p:cNvPr id="430" name="Rectangle"/>
+              <p:cNvSpPr txBox="1"/>
+              <p:nvPr/>
+            </p:nvSpPr>
+            <p:spPr>
+              <a:xfrm>
+                <a:off x="305645" y="-1"/>
+                <a:ext cx="1004632" cy="523314"/>
+              </a:xfrm>
+              <a:prstGeom prst="rect">
+                <a:avLst/>
+              </a:prstGeom>
+              <a:noFill/>
+              <a:ln w="3175" cap="flat">
                 <a:noFill/>
-                <a:ln w="3175" cap="flat">
-                  <a:noFill/>
-                  <a:miter lim="400000"/>
-                </a:ln>
-                <a:effectLst/>
-                <a:extLst>
-                  <a:ext uri="{C572A759-6A51-4108-AA02-DFA0A04FC94B}">
-                    <ma14:wrappingTextBoxFlag xmlns:ma14="http://schemas.microsoft.com/office/mac/drawingml/2011/main" val="1"/>
-                  </a:ext>
-                </a:extLst>
-              </p:spPr>
-              <p:txBody>
-                <a:bodyPr wrap="square" lIns="45719" tIns="45719" rIns="45719" bIns="45719" numCol="1" anchor="ctr">
-                  <a:noAutofit/>
-                </a:bodyPr>
-                <a:lstStyle>
-                  <a:lvl1pPr defTabSz="914400">
-                    <a:defRPr sz="1800">
-                      <a:solidFill>
-                        <a:srgbClr val="FFFFFF"/>
-                      </a:solidFill>
-                      <a:latin typeface="Calibri"/>
-                      <a:ea typeface="Calibri"/>
-                      <a:cs typeface="Calibri"/>
-                      <a:sym typeface="Calibri"/>
-                    </a:defRPr>
-                  </a:lvl1pPr>
-                </a:lstStyle>
-                <a:p>
-                  <a:pPr/>
-                  <a:r>
-                    <a:t>                   </a:t>
-                  </a:r>
-                </a:p>
-              </p:txBody>
-            </p:sp>
-          </p:grpSp>
-          <p:grpSp>
-            <p:nvGrpSpPr>
-              <p:cNvPr id="443" name="Oval 380"/>
-              <p:cNvGrpSpPr/>
-              <p:nvPr/>
-            </p:nvGrpSpPr>
-            <p:grpSpPr>
-              <a:xfrm>
-                <a:off x="931" y="-1"/>
-                <a:ext cx="1615923" cy="523314"/>
-                <a:chOff x="0" y="0"/>
-                <a:chExt cx="1615922" cy="523312"/>
-              </a:xfrm>
-            </p:grpSpPr>
-            <p:sp>
-              <p:nvSpPr>
-                <p:cNvPr id="441" name="Oval"/>
-                <p:cNvSpPr/>
-                <p:nvPr/>
-              </p:nvSpPr>
-              <p:spPr>
-                <a:xfrm>
-                  <a:off x="0" y="33941"/>
-                  <a:ext cx="1615923" cy="455431"/>
-                </a:xfrm>
-                <a:prstGeom prst="ellipse">
-                  <a:avLst/>
-                </a:prstGeom>
-                <a:solidFill>
-                  <a:srgbClr val="B8C2C9"/>
-                </a:solidFill>
-                <a:ln w="6350" cap="flat">
-                  <a:solidFill>
-                    <a:srgbClr val="000000"/>
-                  </a:solidFill>
-                  <a:prstDash val="solid"/>
-                  <a:miter lim="800000"/>
-                </a:ln>
-                <a:effectLst/>
-              </p:spPr>
-              <p:txBody>
-                <a:bodyPr wrap="square" lIns="45719" tIns="45719" rIns="45719" bIns="45719" numCol="1" anchor="ctr">
-                  <a:noAutofit/>
-                </a:bodyPr>
-                <a:lstStyle/>
-                <a:p>
-                  <a:pPr defTabSz="914400">
-                    <a:defRPr sz="1800">
-                      <a:solidFill>
-                        <a:srgbClr val="FFFFFF"/>
-                      </a:solidFill>
-                      <a:latin typeface="Calibri"/>
-                      <a:ea typeface="Calibri"/>
-                      <a:cs typeface="Calibri"/>
-                      <a:sym typeface="Calibri"/>
-                    </a:defRPr>
-                  </a:pPr>
-                </a:p>
-              </p:txBody>
-            </p:sp>
-            <p:sp>
-              <p:nvSpPr>
-                <p:cNvPr id="442" name="Rectangle"/>
-                <p:cNvSpPr txBox="1"/>
-                <p:nvPr/>
-              </p:nvSpPr>
-              <p:spPr>
-                <a:xfrm>
-                  <a:off x="305645" y="-1"/>
-                  <a:ext cx="1004632" cy="523314"/>
-                </a:xfrm>
-                <a:prstGeom prst="rect">
-                  <a:avLst/>
-                </a:prstGeom>
-                <a:noFill/>
-                <a:ln w="3175" cap="flat">
-                  <a:noFill/>
-                  <a:miter lim="400000"/>
-                </a:ln>
-                <a:effectLst/>
-                <a:extLst>
-                  <a:ext uri="{C572A759-6A51-4108-AA02-DFA0A04FC94B}">
-                    <ma14:wrappingTextBoxFlag xmlns:ma14="http://schemas.microsoft.com/office/mac/drawingml/2011/main" val="1"/>
-                  </a:ext>
-                </a:extLst>
-              </p:spPr>
-              <p:txBody>
-                <a:bodyPr wrap="square" lIns="45719" tIns="45719" rIns="45719" bIns="45719" numCol="1" anchor="ctr">
-                  <a:noAutofit/>
-                </a:bodyPr>
-                <a:lstStyle>
-                  <a:lvl1pPr defTabSz="914400">
-                    <a:defRPr sz="1800">
-                      <a:solidFill>
-                        <a:srgbClr val="FFFFFF"/>
-                      </a:solidFill>
-                      <a:latin typeface="Calibri"/>
-                      <a:ea typeface="Calibri"/>
-                      <a:cs typeface="Calibri"/>
-                      <a:sym typeface="Calibri"/>
-                    </a:defRPr>
-                  </a:lvl1pPr>
-                </a:lstStyle>
-                <a:p>
-                  <a:pPr/>
-                  <a:r>
-                    <a:t>              </a:t>
-                  </a:r>
-                </a:p>
-              </p:txBody>
-            </p:sp>
-          </p:grpSp>
-          <p:grpSp>
-            <p:nvGrpSpPr>
-              <p:cNvPr id="448" name="Group 381"/>
-              <p:cNvGrpSpPr/>
-              <p:nvPr/>
-            </p:nvGrpSpPr>
-            <p:grpSpPr>
-              <a:xfrm>
-                <a:off x="239945" y="91825"/>
-                <a:ext cx="1137689" cy="334646"/>
-                <a:chOff x="0" y="0"/>
-                <a:chExt cx="1137687" cy="334644"/>
-              </a:xfrm>
-            </p:grpSpPr>
-            <p:sp>
-              <p:nvSpPr>
-                <p:cNvPr id="444" name="Freeform 382"/>
-                <p:cNvSpPr/>
-                <p:nvPr/>
-              </p:nvSpPr>
-              <p:spPr>
-                <a:xfrm>
-                  <a:off x="31468" y="0"/>
-                  <a:ext cx="1076231" cy="187326"/>
-                </a:xfrm>
-                <a:custGeom>
-                  <a:avLst/>
-                  <a:gdLst/>
-                  <a:ahLst/>
-                  <a:cxnLst>
-                    <a:cxn ang="0">
-                      <a:pos x="wd2" y="hd2"/>
-                    </a:cxn>
-                    <a:cxn ang="5400000">
-                      <a:pos x="wd2" y="hd2"/>
-                    </a:cxn>
-                    <a:cxn ang="10800000">
-                      <a:pos x="wd2" y="hd2"/>
-                    </a:cxn>
-                    <a:cxn ang="16200000">
-                      <a:pos x="wd2" y="hd2"/>
-                    </a:cxn>
-                  </a:cxnLst>
-                  <a:rect l="0" t="0" r="r" b="b"/>
-                  <a:pathLst>
-                    <a:path w="21600" h="21600" fill="norm" stroke="1" extrusionOk="0">
-                      <a:moveTo>
-                        <a:pt x="17365" y="0"/>
-                      </a:moveTo>
-                      <a:lnTo>
-                        <a:pt x="21600" y="4925"/>
-                      </a:lnTo>
-                      <a:lnTo>
-                        <a:pt x="18461" y="11148"/>
-                      </a:lnTo>
-                      <a:lnTo>
-                        <a:pt x="17638" y="9623"/>
-                      </a:lnTo>
-                      <a:lnTo>
-                        <a:pt x="10634" y="21600"/>
-                      </a:lnTo>
-                      <a:lnTo>
-                        <a:pt x="4216" y="9406"/>
-                      </a:lnTo>
-                      <a:lnTo>
-                        <a:pt x="2885" y="11148"/>
-                      </a:lnTo>
-                      <a:lnTo>
-                        <a:pt x="0" y="5658"/>
-                      </a:lnTo>
-                      <a:lnTo>
-                        <a:pt x="4216" y="348"/>
-                      </a:lnTo>
-                      <a:lnTo>
-                        <a:pt x="10742" y="12674"/>
-                      </a:lnTo>
-                      <a:lnTo>
-                        <a:pt x="17365" y="0"/>
-                      </a:lnTo>
-                      <a:close/>
-                    </a:path>
-                  </a:pathLst>
-                </a:custGeom>
-                <a:solidFill>
-                  <a:srgbClr val="0000A3"/>
-                </a:solidFill>
-                <a:ln w="3175" cap="flat">
-                  <a:noFill/>
-                  <a:miter lim="400000"/>
-                </a:ln>
-                <a:effectLst/>
-              </p:spPr>
-              <p:txBody>
-                <a:bodyPr wrap="square" lIns="45719" tIns="45719" rIns="45719" bIns="45719" numCol="1" anchor="ctr">
-                  <a:noAutofit/>
-                </a:bodyPr>
-                <a:lstStyle/>
-                <a:p>
-                  <a:pPr defTabSz="914400">
-                    <a:defRPr sz="1800">
-                      <a:solidFill>
-                        <a:srgbClr val="FFFFFF"/>
-                      </a:solidFill>
-                      <a:latin typeface="Calibri"/>
-                      <a:ea typeface="Calibri"/>
-                      <a:cs typeface="Calibri"/>
-                      <a:sym typeface="Calibri"/>
-                    </a:defRPr>
-                  </a:pPr>
-                </a:p>
-              </p:txBody>
-            </p:sp>
-            <p:sp>
-              <p:nvSpPr>
-                <p:cNvPr id="445" name="Freeform 383"/>
-                <p:cNvSpPr/>
-                <p:nvPr/>
-              </p:nvSpPr>
-              <p:spPr>
-                <a:xfrm>
-                  <a:off x="735866" y="160236"/>
-                  <a:ext cx="401822" cy="161281"/>
-                </a:xfrm>
-                <a:custGeom>
-                  <a:avLst/>
-                  <a:gdLst/>
-                  <a:ahLst/>
-                  <a:cxnLst>
-                    <a:cxn ang="0">
-                      <a:pos x="wd2" y="hd2"/>
-                    </a:cxn>
-                    <a:cxn ang="5400000">
-                      <a:pos x="wd2" y="hd2"/>
-                    </a:cxn>
-                    <a:cxn ang="10800000">
-                      <a:pos x="wd2" y="hd2"/>
-                    </a:cxn>
-                    <a:cxn ang="16200000">
-                      <a:pos x="wd2" y="hd2"/>
-                    </a:cxn>
-                  </a:cxnLst>
-                  <a:rect l="0" t="0" r="r" b="b"/>
-                  <a:pathLst>
-                    <a:path w="21600" h="21600" fill="norm" stroke="1" extrusionOk="0">
-                      <a:moveTo>
-                        <a:pt x="260" y="0"/>
-                      </a:moveTo>
-                      <a:lnTo>
-                        <a:pt x="21600" y="16577"/>
-                      </a:lnTo>
-                      <a:lnTo>
-                        <a:pt x="14183" y="21600"/>
-                      </a:lnTo>
-                      <a:lnTo>
-                        <a:pt x="0" y="10800"/>
-                      </a:lnTo>
-                      <a:lnTo>
-                        <a:pt x="260" y="0"/>
-                      </a:lnTo>
-                      <a:close/>
-                    </a:path>
-                  </a:pathLst>
-                </a:custGeom>
-                <a:solidFill>
-                  <a:srgbClr val="0000A3"/>
-                </a:solidFill>
-                <a:ln w="3175" cap="flat">
-                  <a:noFill/>
-                  <a:miter lim="400000"/>
-                </a:ln>
-                <a:effectLst/>
-              </p:spPr>
-              <p:txBody>
-                <a:bodyPr wrap="square" lIns="45719" tIns="45719" rIns="45719" bIns="45719" numCol="1" anchor="ctr">
-                  <a:noAutofit/>
-                </a:bodyPr>
-                <a:lstStyle/>
-                <a:p>
-                  <a:pPr defTabSz="914400">
-                    <a:defRPr sz="1800">
-                      <a:solidFill>
-                        <a:srgbClr val="FFFFFF"/>
-                      </a:solidFill>
-                      <a:latin typeface="Calibri"/>
-                      <a:ea typeface="Calibri"/>
-                      <a:cs typeface="Calibri"/>
-                      <a:sym typeface="Calibri"/>
-                    </a:defRPr>
-                  </a:pPr>
-                </a:p>
-              </p:txBody>
-            </p:sp>
-            <p:sp>
-              <p:nvSpPr>
-                <p:cNvPr id="446" name="Freeform 384"/>
-                <p:cNvSpPr/>
-                <p:nvPr/>
-              </p:nvSpPr>
-              <p:spPr>
-                <a:xfrm>
-                  <a:off x="-1" y="160236"/>
-                  <a:ext cx="394561" cy="159405"/>
-                </a:xfrm>
-                <a:custGeom>
-                  <a:avLst/>
-                  <a:gdLst/>
-                  <a:ahLst/>
-                  <a:cxnLst>
-                    <a:cxn ang="0">
-                      <a:pos x="wd2" y="hd2"/>
-                    </a:cxn>
-                    <a:cxn ang="5400000">
-                      <a:pos x="wd2" y="hd2"/>
-                    </a:cxn>
-                    <a:cxn ang="10800000">
-                      <a:pos x="wd2" y="hd2"/>
-                    </a:cxn>
-                    <a:cxn ang="16200000">
-                      <a:pos x="wd2" y="hd2"/>
-                    </a:cxn>
-                  </a:cxnLst>
-                  <a:rect l="0" t="0" r="r" b="b"/>
-                  <a:pathLst>
-                    <a:path w="21600" h="21600" fill="norm" stroke="1" extrusionOk="0">
-                      <a:moveTo>
-                        <a:pt x="21467" y="0"/>
-                      </a:moveTo>
-                      <a:lnTo>
-                        <a:pt x="21600" y="11435"/>
-                      </a:lnTo>
-                      <a:lnTo>
-                        <a:pt x="7288" y="21600"/>
-                      </a:lnTo>
-                      <a:lnTo>
-                        <a:pt x="0" y="16772"/>
-                      </a:lnTo>
-                      <a:lnTo>
-                        <a:pt x="21467" y="0"/>
-                      </a:lnTo>
-                      <a:close/>
-                    </a:path>
-                  </a:pathLst>
-                </a:custGeom>
-                <a:solidFill>
-                  <a:srgbClr val="0000A8"/>
-                </a:solidFill>
-                <a:ln w="3175" cap="flat">
-                  <a:noFill/>
-                  <a:miter lim="400000"/>
-                </a:ln>
-                <a:effectLst/>
-              </p:spPr>
-              <p:txBody>
-                <a:bodyPr wrap="square" lIns="45719" tIns="45719" rIns="45719" bIns="45719" numCol="1" anchor="ctr">
-                  <a:noAutofit/>
-                </a:bodyPr>
-                <a:lstStyle/>
-                <a:p>
-                  <a:pPr defTabSz="914400">
-                    <a:defRPr sz="1800">
-                      <a:solidFill>
-                        <a:srgbClr val="FFFFFF"/>
-                      </a:solidFill>
-                      <a:latin typeface="Calibri"/>
-                      <a:ea typeface="Calibri"/>
-                      <a:cs typeface="Calibri"/>
-                      <a:sym typeface="Calibri"/>
-                    </a:defRPr>
-                  </a:pPr>
-                </a:p>
-              </p:txBody>
-            </p:sp>
-            <p:sp>
-              <p:nvSpPr>
-                <p:cNvPr id="447" name="Freeform 385"/>
-                <p:cNvSpPr/>
-                <p:nvPr/>
-              </p:nvSpPr>
-              <p:spPr>
-                <a:xfrm>
-                  <a:off x="136971" y="81473"/>
-                  <a:ext cx="857899" cy="253172"/>
-                </a:xfrm>
-                <a:custGeom>
-                  <a:avLst/>
-                  <a:gdLst/>
-                  <a:ahLst/>
-                  <a:cxnLst>
-                    <a:cxn ang="0">
-                      <a:pos x="wd2" y="hd2"/>
-                    </a:cxn>
-                    <a:cxn ang="5400000">
-                      <a:pos x="wd2" y="hd2"/>
-                    </a:cxn>
-                    <a:cxn ang="10800000">
-                      <a:pos x="wd2" y="hd2"/>
-                    </a:cxn>
-                    <a:cxn ang="16200000">
-                      <a:pos x="wd2" y="hd2"/>
-                    </a:cxn>
-                  </a:cxnLst>
-                  <a:rect l="0" t="0" r="r" b="b"/>
-                  <a:pathLst>
-                    <a:path w="21600" h="21600" fill="norm" stroke="1" extrusionOk="0">
-                      <a:moveTo>
-                        <a:pt x="939" y="1120"/>
-                      </a:moveTo>
-                      <a:lnTo>
-                        <a:pt x="2585" y="0"/>
-                      </a:lnTo>
-                      <a:lnTo>
-                        <a:pt x="10744" y="9007"/>
-                      </a:lnTo>
-                      <a:lnTo>
-                        <a:pt x="19467" y="0"/>
-                      </a:lnTo>
-                      <a:lnTo>
-                        <a:pt x="20747" y="1120"/>
-                      </a:lnTo>
-                      <a:lnTo>
-                        <a:pt x="15265" y="6833"/>
-                      </a:lnTo>
-                      <a:lnTo>
-                        <a:pt x="15222" y="13740"/>
-                      </a:lnTo>
-                      <a:lnTo>
-                        <a:pt x="21600" y="20480"/>
-                      </a:lnTo>
-                      <a:lnTo>
-                        <a:pt x="19954" y="21440"/>
-                      </a:lnTo>
-                      <a:lnTo>
-                        <a:pt x="10813" y="11360"/>
-                      </a:lnTo>
-                      <a:lnTo>
-                        <a:pt x="1488" y="21600"/>
-                      </a:lnTo>
-                      <a:lnTo>
-                        <a:pt x="0" y="20263"/>
-                      </a:lnTo>
-                      <a:lnTo>
-                        <a:pt x="6457" y="13760"/>
-                      </a:lnTo>
-                      <a:cubicBezTo>
-                        <a:pt x="6457" y="11573"/>
-                        <a:pt x="6392" y="9067"/>
-                        <a:pt x="6392" y="6880"/>
-                      </a:cubicBezTo>
-                      <a:lnTo>
-                        <a:pt x="1061" y="1280"/>
-                      </a:lnTo>
-                      <a:cubicBezTo>
-                        <a:pt x="153" y="320"/>
-                        <a:pt x="980" y="1173"/>
-                        <a:pt x="939" y="1120"/>
-                      </a:cubicBezTo>
-                      <a:close/>
-                    </a:path>
-                  </a:pathLst>
-                </a:custGeom>
-                <a:solidFill>
-                  <a:srgbClr val="8FAADC"/>
-                </a:solidFill>
-                <a:ln w="3175" cap="flat">
-                  <a:noFill/>
-                  <a:miter lim="400000"/>
-                </a:ln>
-                <a:effectLst/>
-              </p:spPr>
-              <p:txBody>
-                <a:bodyPr wrap="square" lIns="45719" tIns="45719" rIns="45719" bIns="45719" numCol="1" anchor="ctr">
-                  <a:noAutofit/>
-                </a:bodyPr>
-                <a:lstStyle/>
-                <a:p>
-                  <a:pPr defTabSz="914400">
-                    <a:defRPr sz="1800">
-                      <a:solidFill>
-                        <a:srgbClr val="FFFFFF"/>
-                      </a:solidFill>
-                      <a:latin typeface="Calibri"/>
-                      <a:ea typeface="Calibri"/>
-                      <a:cs typeface="Calibri"/>
-                      <a:sym typeface="Calibri"/>
-                    </a:defRPr>
-                  </a:pPr>
-                </a:p>
-              </p:txBody>
-            </p:sp>
-          </p:grpSp>
+                <a:miter lim="400000"/>
+              </a:ln>
+              <a:effectLst/>
+              <a:extLst>
+                <a:ext uri="{C572A759-6A51-4108-AA02-DFA0A04FC94B}">
+                  <ma14:wrappingTextBoxFlag xmlns:ma14="http://schemas.microsoft.com/office/mac/drawingml/2011/main" val="1"/>
+                </a:ext>
+              </a:extLst>
+            </p:spPr>
+            <p:txBody>
+              <a:bodyPr wrap="square" lIns="45719" tIns="45719" rIns="45719" bIns="45719" numCol="1" anchor="ctr">
+                <a:noAutofit/>
+              </a:bodyPr>
+              <a:lstStyle>
+                <a:lvl1pPr defTabSz="914400">
+                  <a:defRPr sz="1800">
+                    <a:solidFill>
+                      <a:srgbClr val="FFFFFF"/>
+                    </a:solidFill>
+                    <a:latin typeface="Calibri"/>
+                    <a:ea typeface="Calibri"/>
+                    <a:cs typeface="Calibri"/>
+                    <a:sym typeface="Calibri"/>
+                  </a:defRPr>
+                </a:lvl1pPr>
+              </a:lstStyle>
+              <a:p>
+                <a:pPr/>
+                <a:r>
+                  <a:t>              </a:t>
+                </a:r>
+              </a:p>
+            </p:txBody>
+          </p:sp>
         </p:grpSp>
-        <p:sp>
-          <p:nvSpPr>
-            <p:cNvPr id="450" name="HB"/>
-            <p:cNvSpPr txBox="1"/>
-            <p:nvPr/>
-          </p:nvSpPr>
-          <p:spPr>
-            <a:xfrm>
-              <a:off x="8973564" y="110296"/>
-              <a:ext cx="561966" cy="583719"/>
-            </a:xfrm>
-            <a:prstGeom prst="rect">
-              <a:avLst/>
-            </a:prstGeom>
-            <a:noFill/>
-            <a:ln w="3175" cap="flat">
-              <a:noFill/>
-              <a:miter lim="400000"/>
-            </a:ln>
-            <a:effectLst/>
-            <a:extLst>
-              <a:ext uri="{C572A759-6A51-4108-AA02-DFA0A04FC94B}">
-                <ma14:wrappingTextBoxFlag xmlns:ma14="http://schemas.microsoft.com/office/mac/drawingml/2011/main" val="1"/>
-              </a:ext>
-            </a:extLst>
-          </p:spPr>
-          <p:txBody>
-            <a:bodyPr wrap="square" lIns="27093" tIns="27093" rIns="27093" bIns="27093" numCol="1" anchor="ctr">
-              <a:noAutofit/>
-            </a:bodyPr>
-            <a:lstStyle>
-              <a:lvl1pPr>
-                <a:defRPr b="1" sz="2400"/>
-              </a:lvl1pPr>
-            </a:lstStyle>
-            <a:p>
-              <a:pPr/>
-              <a:r>
-                <a:t>HB</a:t>
-              </a:r>
-            </a:p>
-          </p:txBody>
-        </p:sp>
-        <p:sp>
-          <p:nvSpPr>
-            <p:cNvPr id="451" name="HA"/>
-            <p:cNvSpPr txBox="1"/>
-            <p:nvPr/>
-          </p:nvSpPr>
-          <p:spPr>
-            <a:xfrm>
-              <a:off x="-99494" y="351355"/>
-              <a:ext cx="568681" cy="583719"/>
-            </a:xfrm>
-            <a:prstGeom prst="rect">
-              <a:avLst/>
-            </a:prstGeom>
-            <a:noFill/>
-            <a:ln w="3175" cap="flat">
-              <a:noFill/>
-              <a:miter lim="400000"/>
-            </a:ln>
-            <a:effectLst/>
-            <a:extLst>
-              <a:ext uri="{C572A759-6A51-4108-AA02-DFA0A04FC94B}">
-                <ma14:wrappingTextBoxFlag xmlns:ma14="http://schemas.microsoft.com/office/mac/drawingml/2011/main" val="1"/>
-              </a:ext>
-            </a:extLst>
-          </p:spPr>
-          <p:txBody>
-            <a:bodyPr wrap="square" lIns="27093" tIns="27093" rIns="27093" bIns="27093" numCol="1" anchor="ctr">
-              <a:noAutofit/>
-            </a:bodyPr>
-            <a:lstStyle>
-              <a:lvl1pPr>
-                <a:defRPr b="1" sz="2400"/>
-              </a:lvl1pPr>
-            </a:lstStyle>
-            <a:p>
-              <a:pPr/>
-              <a:r>
-                <a:t>HA</a:t>
-              </a:r>
-            </a:p>
-          </p:txBody>
-        </p:sp>
-        <p:sp>
-          <p:nvSpPr>
-            <p:cNvPr id="452" name="R1"/>
-            <p:cNvSpPr txBox="1"/>
-            <p:nvPr/>
-          </p:nvSpPr>
-          <p:spPr>
-            <a:xfrm>
-              <a:off x="2706153" y="917267"/>
-              <a:ext cx="564367" cy="583719"/>
-            </a:xfrm>
-            <a:prstGeom prst="rect">
-              <a:avLst/>
-            </a:prstGeom>
-            <a:noFill/>
-            <a:ln w="3175" cap="flat">
-              <a:noFill/>
-              <a:miter lim="400000"/>
-            </a:ln>
-            <a:effectLst/>
-            <a:extLst>
-              <a:ext uri="{C572A759-6A51-4108-AA02-DFA0A04FC94B}">
-                <ma14:wrappingTextBoxFlag xmlns:ma14="http://schemas.microsoft.com/office/mac/drawingml/2011/main" val="1"/>
-              </a:ext>
-            </a:extLst>
-          </p:spPr>
-          <p:txBody>
-            <a:bodyPr wrap="square" lIns="27093" tIns="27093" rIns="27093" bIns="27093" numCol="1" anchor="ctr">
-              <a:noAutofit/>
-            </a:bodyPr>
-            <a:lstStyle/>
-            <a:p>
-              <a:pPr>
-                <a:defRPr b="1" sz="2400"/>
-              </a:pPr>
-              <a:r>
-                <a:t>R</a:t>
-              </a:r>
-              <a:r>
-                <a:rPr baseline="-5999"/>
-                <a:t>1</a:t>
-              </a:r>
-            </a:p>
-          </p:txBody>
-        </p:sp>
-        <p:sp>
-          <p:nvSpPr>
-            <p:cNvPr id="453" name="R2"/>
-            <p:cNvSpPr txBox="1"/>
-            <p:nvPr/>
-          </p:nvSpPr>
-          <p:spPr>
-            <a:xfrm>
-              <a:off x="6239171" y="917267"/>
-              <a:ext cx="564366" cy="583719"/>
-            </a:xfrm>
-            <a:prstGeom prst="rect">
-              <a:avLst/>
-            </a:prstGeom>
-            <a:noFill/>
-            <a:ln w="3175" cap="flat">
-              <a:noFill/>
-              <a:miter lim="400000"/>
-            </a:ln>
-            <a:effectLst/>
-            <a:extLst>
-              <a:ext uri="{C572A759-6A51-4108-AA02-DFA0A04FC94B}">
-                <ma14:wrappingTextBoxFlag xmlns:ma14="http://schemas.microsoft.com/office/mac/drawingml/2011/main" val="1"/>
-              </a:ext>
-            </a:extLst>
-          </p:spPr>
-          <p:txBody>
-            <a:bodyPr wrap="square" lIns="27093" tIns="27093" rIns="27093" bIns="27093" numCol="1" anchor="ctr">
-              <a:noAutofit/>
-            </a:bodyPr>
-            <a:lstStyle/>
-            <a:p>
-              <a:pPr>
-                <a:defRPr b="1" sz="2400"/>
-              </a:pPr>
-              <a:r>
-                <a:t>R</a:t>
-              </a:r>
-              <a:r>
-                <a:rPr baseline="-5999"/>
-                <a:t>2</a:t>
-              </a:r>
-            </a:p>
-          </p:txBody>
-        </p:sp>
-        <p:sp>
-          <p:nvSpPr>
-            <p:cNvPr id="454" name="Line"/>
-            <p:cNvSpPr/>
-            <p:nvPr/>
-          </p:nvSpPr>
-          <p:spPr>
-            <a:xfrm>
-              <a:off x="3781108" y="1048462"/>
-              <a:ext cx="1856021" cy="1"/>
-            </a:xfrm>
-            <a:prstGeom prst="line">
-              <a:avLst/>
-            </a:prstGeom>
-            <a:noFill/>
-            <a:ln w="38100" cap="flat">
-              <a:solidFill>
-                <a:srgbClr val="000000"/>
-              </a:solidFill>
-              <a:prstDash val="solid"/>
-              <a:miter lim="400000"/>
-            </a:ln>
-            <a:effectLst/>
-          </p:spPr>
-          <p:txBody>
-            <a:bodyPr wrap="square" lIns="27093" tIns="27093" rIns="27093" bIns="27093" numCol="1" anchor="ctr">
-              <a:noAutofit/>
-            </a:bodyPr>
-            <a:lstStyle/>
-            <a:p>
-              <a:pPr/>
-            </a:p>
-          </p:txBody>
-        </p:sp>
-        <p:sp>
-          <p:nvSpPr>
-            <p:cNvPr id="455" name="Line"/>
-            <p:cNvSpPr/>
-            <p:nvPr/>
-          </p:nvSpPr>
-          <p:spPr>
-            <a:xfrm>
-              <a:off x="7254201" y="846344"/>
-              <a:ext cx="1856020" cy="1"/>
-            </a:xfrm>
-            <a:prstGeom prst="line">
-              <a:avLst/>
-            </a:prstGeom>
-            <a:noFill/>
-            <a:ln w="38100" cap="flat">
-              <a:solidFill>
-                <a:srgbClr val="000000"/>
-              </a:solidFill>
-              <a:prstDash val="solid"/>
-              <a:miter lim="400000"/>
-            </a:ln>
-            <a:effectLst/>
-          </p:spPr>
-          <p:txBody>
-            <a:bodyPr wrap="square" lIns="27093" tIns="27093" rIns="27093" bIns="27093" numCol="1" anchor="ctr">
-              <a:noAutofit/>
-            </a:bodyPr>
-            <a:lstStyle/>
-            <a:p>
-              <a:pPr/>
-            </a:p>
-          </p:txBody>
-        </p:sp>
-        <p:sp>
-          <p:nvSpPr>
-            <p:cNvPr id="456" name="Line"/>
-            <p:cNvSpPr/>
-            <p:nvPr/>
-          </p:nvSpPr>
-          <p:spPr>
-            <a:xfrm>
-              <a:off x="461524" y="1048462"/>
-              <a:ext cx="1617882" cy="1"/>
-            </a:xfrm>
-            <a:prstGeom prst="line">
-              <a:avLst/>
-            </a:prstGeom>
-            <a:noFill/>
-            <a:ln w="38100" cap="flat">
-              <a:solidFill>
-                <a:srgbClr val="000000"/>
-              </a:solidFill>
-              <a:prstDash val="solid"/>
-              <a:miter lim="400000"/>
-            </a:ln>
-            <a:effectLst/>
-          </p:spPr>
-          <p:txBody>
-            <a:bodyPr wrap="square" lIns="27093" tIns="27093" rIns="27093" bIns="27093" numCol="1" anchor="ctr">
-              <a:noAutofit/>
-            </a:bodyPr>
-            <a:lstStyle/>
-            <a:p>
-              <a:pPr/>
-            </a:p>
-          </p:txBody>
-        </p:sp>
-        <p:sp>
-          <p:nvSpPr>
-            <p:cNvPr id="457" name="Network-1…"/>
-            <p:cNvSpPr txBox="1"/>
-            <p:nvPr/>
-          </p:nvSpPr>
-          <p:spPr>
-            <a:xfrm>
-              <a:off x="519829" y="289327"/>
-              <a:ext cx="1320835" cy="505698"/>
-            </a:xfrm>
-            <a:prstGeom prst="rect">
-              <a:avLst/>
-            </a:prstGeom>
-            <a:noFill/>
-            <a:ln w="3175" cap="flat">
-              <a:noFill/>
-              <a:miter lim="400000"/>
-            </a:ln>
-            <a:effectLst/>
-            <a:extLst>
-              <a:ext uri="{C572A759-6A51-4108-AA02-DFA0A04FC94B}">
-                <ma14:wrappingTextBoxFlag xmlns:ma14="http://schemas.microsoft.com/office/mac/drawingml/2011/main" val="1"/>
-              </a:ext>
-            </a:extLst>
-          </p:spPr>
-          <p:txBody>
-            <a:bodyPr wrap="none" lIns="27093" tIns="27093" rIns="27093" bIns="27093" numCol="1" anchor="ctr">
-              <a:spAutoFit/>
-            </a:bodyPr>
-            <a:lstStyle/>
-            <a:p>
-              <a:pPr/>
-              <a:r>
-                <a:t>Network-1</a:t>
-              </a:r>
-            </a:p>
-            <a:p>
-              <a:pPr/>
-              <a:r>
-                <a:t>172.21.4.0/24</a:t>
-              </a:r>
-            </a:p>
-          </p:txBody>
-        </p:sp>
-        <p:sp>
-          <p:nvSpPr>
-            <p:cNvPr id="458" name="Network-5…"/>
-            <p:cNvSpPr txBox="1"/>
-            <p:nvPr/>
-          </p:nvSpPr>
-          <p:spPr>
-            <a:xfrm>
-              <a:off x="3767284" y="429376"/>
-              <a:ext cx="1320835" cy="505698"/>
-            </a:xfrm>
-            <a:prstGeom prst="rect">
-              <a:avLst/>
-            </a:prstGeom>
-            <a:noFill/>
-            <a:ln w="3175" cap="flat">
-              <a:noFill/>
-              <a:miter lim="400000"/>
-            </a:ln>
-            <a:effectLst/>
-            <a:extLst>
-              <a:ext uri="{C572A759-6A51-4108-AA02-DFA0A04FC94B}">
-                <ma14:wrappingTextBoxFlag xmlns:ma14="http://schemas.microsoft.com/office/mac/drawingml/2011/main" val="1"/>
-              </a:ext>
-            </a:extLst>
-          </p:spPr>
-          <p:txBody>
-            <a:bodyPr wrap="none" lIns="27093" tIns="27093" rIns="27093" bIns="27093" numCol="1" anchor="ctr">
-              <a:spAutoFit/>
-            </a:bodyPr>
-            <a:lstStyle/>
-            <a:p>
-              <a:pPr/>
-              <a:r>
-                <a:t>Network-5</a:t>
-              </a:r>
-            </a:p>
-            <a:p>
-              <a:pPr/>
-              <a:r>
-                <a:t>172.21.1.8/29</a:t>
-              </a:r>
-            </a:p>
-          </p:txBody>
-        </p:sp>
-        <p:sp>
-          <p:nvSpPr>
-            <p:cNvPr id="459" name="Network-2…"/>
-            <p:cNvSpPr txBox="1"/>
-            <p:nvPr/>
-          </p:nvSpPr>
-          <p:spPr>
-            <a:xfrm>
-              <a:off x="7521794" y="0"/>
-              <a:ext cx="1320835" cy="505698"/>
-            </a:xfrm>
-            <a:prstGeom prst="rect">
-              <a:avLst/>
-            </a:prstGeom>
-            <a:noFill/>
-            <a:ln w="3175" cap="flat">
-              <a:noFill/>
-              <a:miter lim="400000"/>
-            </a:ln>
-            <a:effectLst/>
-            <a:extLst>
-              <a:ext uri="{C572A759-6A51-4108-AA02-DFA0A04FC94B}">
-                <ma14:wrappingTextBoxFlag xmlns:ma14="http://schemas.microsoft.com/office/mac/drawingml/2011/main" val="1"/>
-              </a:ext>
-            </a:extLst>
-          </p:spPr>
-          <p:txBody>
-            <a:bodyPr wrap="none" lIns="27093" tIns="27093" rIns="27093" bIns="27093" numCol="1" anchor="ctr">
-              <a:spAutoFit/>
-            </a:bodyPr>
-            <a:lstStyle/>
-            <a:p>
-              <a:pPr/>
-              <a:r>
-                <a:t>Network-2</a:t>
-              </a:r>
-            </a:p>
-            <a:p>
-              <a:pPr/>
-              <a:r>
-                <a:t>172.21.5.0/24</a:t>
-              </a:r>
-            </a:p>
-          </p:txBody>
-        </p:sp>
-        <p:sp>
-          <p:nvSpPr>
-            <p:cNvPr id="460" name="172.21.4.5"/>
-            <p:cNvSpPr txBox="1"/>
-            <p:nvPr/>
-          </p:nvSpPr>
-          <p:spPr>
-            <a:xfrm>
-              <a:off x="95822" y="1340628"/>
-              <a:ext cx="1027211" cy="277098"/>
-            </a:xfrm>
-            <a:prstGeom prst="rect">
-              <a:avLst/>
-            </a:prstGeom>
-            <a:noFill/>
-            <a:ln w="3175" cap="flat">
-              <a:noFill/>
-              <a:miter lim="400000"/>
-            </a:ln>
-            <a:effectLst/>
-            <a:extLst>
-              <a:ext uri="{C572A759-6A51-4108-AA02-DFA0A04FC94B}">
-                <ma14:wrappingTextBoxFlag xmlns:ma14="http://schemas.microsoft.com/office/mac/drawingml/2011/main" val="1"/>
-              </a:ext>
-            </a:extLst>
-          </p:spPr>
-          <p:txBody>
-            <a:bodyPr wrap="none" lIns="27093" tIns="27093" rIns="27093" bIns="27093" numCol="1" anchor="ctr">
-              <a:spAutoFit/>
-            </a:bodyPr>
-            <a:lstStyle/>
-            <a:p>
-              <a:pPr/>
-              <a:r>
-                <a:t>172.21.4.5</a:t>
-              </a:r>
-            </a:p>
-          </p:txBody>
-        </p:sp>
-        <p:sp>
-          <p:nvSpPr>
-            <p:cNvPr id="461" name="eth0"/>
-            <p:cNvSpPr txBox="1"/>
-            <p:nvPr/>
-          </p:nvSpPr>
-          <p:spPr>
-            <a:xfrm>
-              <a:off x="2389082" y="1305345"/>
-              <a:ext cx="428313" cy="277098"/>
-            </a:xfrm>
-            <a:prstGeom prst="rect">
-              <a:avLst/>
-            </a:prstGeom>
-            <a:noFill/>
-            <a:ln w="3175" cap="flat">
-              <a:noFill/>
-              <a:miter lim="400000"/>
-            </a:ln>
-            <a:effectLst/>
-            <a:extLst>
-              <a:ext uri="{C572A759-6A51-4108-AA02-DFA0A04FC94B}">
-                <ma14:wrappingTextBoxFlag xmlns:ma14="http://schemas.microsoft.com/office/mac/drawingml/2011/main" val="1"/>
-              </a:ext>
-            </a:extLst>
-          </p:spPr>
-          <p:txBody>
-            <a:bodyPr wrap="none" lIns="27093" tIns="27093" rIns="27093" bIns="27093" numCol="1" anchor="ctr">
-              <a:spAutoFit/>
-            </a:bodyPr>
-            <a:lstStyle/>
-            <a:p>
-              <a:pPr/>
-              <a:r>
-                <a:t>eth</a:t>
-              </a:r>
-              <a:r>
-                <a:rPr baseline="-5999"/>
-                <a:t>0</a:t>
-              </a:r>
-            </a:p>
-          </p:txBody>
-        </p:sp>
-        <p:sp>
-          <p:nvSpPr>
-            <p:cNvPr id="462" name="172.21.1.2"/>
-            <p:cNvSpPr txBox="1"/>
-            <p:nvPr/>
-          </p:nvSpPr>
-          <p:spPr>
-            <a:xfrm>
-              <a:off x="1840381" y="1538018"/>
-              <a:ext cx="1027210" cy="277098"/>
-            </a:xfrm>
-            <a:prstGeom prst="rect">
-              <a:avLst/>
-            </a:prstGeom>
-            <a:noFill/>
-            <a:ln w="3175" cap="flat">
-              <a:noFill/>
-              <a:miter lim="400000"/>
-            </a:ln>
-            <a:effectLst/>
-            <a:extLst>
-              <a:ext uri="{C572A759-6A51-4108-AA02-DFA0A04FC94B}">
-                <ma14:wrappingTextBoxFlag xmlns:ma14="http://schemas.microsoft.com/office/mac/drawingml/2011/main" val="1"/>
-              </a:ext>
-            </a:extLst>
-          </p:spPr>
-          <p:txBody>
-            <a:bodyPr wrap="none" lIns="27093" tIns="27093" rIns="27093" bIns="27093" numCol="1" anchor="ctr">
-              <a:spAutoFit/>
-            </a:bodyPr>
-            <a:lstStyle/>
-            <a:p>
-              <a:pPr/>
-              <a:r>
-                <a:t>172.21.1.2</a:t>
-              </a:r>
-            </a:p>
-          </p:txBody>
-        </p:sp>
-        <p:sp>
-          <p:nvSpPr>
-            <p:cNvPr id="463" name="172.21.1.10"/>
-            <p:cNvSpPr txBox="1"/>
-            <p:nvPr/>
-          </p:nvSpPr>
-          <p:spPr>
-            <a:xfrm>
-              <a:off x="3383592" y="1248136"/>
-              <a:ext cx="1140190" cy="277098"/>
-            </a:xfrm>
-            <a:prstGeom prst="rect">
-              <a:avLst/>
-            </a:prstGeom>
-            <a:noFill/>
-            <a:ln w="3175" cap="flat">
-              <a:noFill/>
-              <a:miter lim="400000"/>
-            </a:ln>
-            <a:effectLst/>
-            <a:extLst>
-              <a:ext uri="{C572A759-6A51-4108-AA02-DFA0A04FC94B}">
-                <ma14:wrappingTextBoxFlag xmlns:ma14="http://schemas.microsoft.com/office/mac/drawingml/2011/main" val="1"/>
-              </a:ext>
-            </a:extLst>
-          </p:spPr>
-          <p:txBody>
-            <a:bodyPr wrap="none" lIns="27093" tIns="27093" rIns="27093" bIns="27093" numCol="1" anchor="ctr">
-              <a:spAutoFit/>
-            </a:bodyPr>
-            <a:lstStyle/>
-            <a:p>
-              <a:pPr/>
-              <a:r>
-                <a:t>172.21.1.10</a:t>
-              </a:r>
-            </a:p>
-          </p:txBody>
-        </p:sp>
-        <p:sp>
-          <p:nvSpPr>
-            <p:cNvPr id="464" name="172.21.1.14"/>
-            <p:cNvSpPr txBox="1"/>
-            <p:nvPr/>
-          </p:nvSpPr>
-          <p:spPr>
-            <a:xfrm>
-              <a:off x="4558334" y="1047521"/>
-              <a:ext cx="1140190" cy="277098"/>
-            </a:xfrm>
-            <a:prstGeom prst="rect">
-              <a:avLst/>
-            </a:prstGeom>
-            <a:noFill/>
-            <a:ln w="3175" cap="flat">
-              <a:noFill/>
-              <a:miter lim="400000"/>
-            </a:ln>
-            <a:effectLst/>
-            <a:extLst>
-              <a:ext uri="{C572A759-6A51-4108-AA02-DFA0A04FC94B}">
-                <ma14:wrappingTextBoxFlag xmlns:ma14="http://schemas.microsoft.com/office/mac/drawingml/2011/main" val="1"/>
-              </a:ext>
-            </a:extLst>
-          </p:spPr>
-          <p:txBody>
-            <a:bodyPr wrap="none" lIns="27093" tIns="27093" rIns="27093" bIns="27093" numCol="1" anchor="ctr">
-              <a:spAutoFit/>
-            </a:bodyPr>
-            <a:lstStyle/>
-            <a:p>
-              <a:pPr/>
-              <a:r>
-                <a:t>172.21.1.14</a:t>
-              </a:r>
-            </a:p>
-          </p:txBody>
-        </p:sp>
-        <p:sp>
-          <p:nvSpPr>
-            <p:cNvPr id="465" name="172.21.5.2"/>
-            <p:cNvSpPr txBox="1"/>
-            <p:nvPr/>
-          </p:nvSpPr>
-          <p:spPr>
-            <a:xfrm>
-              <a:off x="7277795" y="830004"/>
-              <a:ext cx="1027211" cy="277098"/>
-            </a:xfrm>
-            <a:prstGeom prst="rect">
-              <a:avLst/>
-            </a:prstGeom>
-            <a:noFill/>
-            <a:ln w="3175" cap="flat">
-              <a:noFill/>
-              <a:miter lim="400000"/>
-            </a:ln>
-            <a:effectLst/>
-            <a:extLst>
-              <a:ext uri="{C572A759-6A51-4108-AA02-DFA0A04FC94B}">
-                <ma14:wrappingTextBoxFlag xmlns:ma14="http://schemas.microsoft.com/office/mac/drawingml/2011/main" val="1"/>
-              </a:ext>
-            </a:extLst>
-          </p:spPr>
-          <p:txBody>
-            <a:bodyPr wrap="none" lIns="27093" tIns="27093" rIns="27093" bIns="27093" numCol="1" anchor="ctr">
-              <a:spAutoFit/>
-            </a:bodyPr>
-            <a:lstStyle/>
-            <a:p>
-              <a:pPr/>
-              <a:r>
-                <a:t>172.21.5.2</a:t>
-              </a:r>
-            </a:p>
-          </p:txBody>
-        </p:sp>
-        <p:sp>
-          <p:nvSpPr>
-            <p:cNvPr id="466" name="eth1"/>
-            <p:cNvSpPr txBox="1"/>
-            <p:nvPr/>
-          </p:nvSpPr>
-          <p:spPr>
-            <a:xfrm>
-              <a:off x="3732166" y="1022906"/>
-              <a:ext cx="428312" cy="277098"/>
-            </a:xfrm>
-            <a:prstGeom prst="rect">
-              <a:avLst/>
-            </a:prstGeom>
-            <a:noFill/>
-            <a:ln w="3175" cap="flat">
-              <a:noFill/>
-              <a:miter lim="400000"/>
-            </a:ln>
-            <a:effectLst/>
-            <a:extLst>
-              <a:ext uri="{C572A759-6A51-4108-AA02-DFA0A04FC94B}">
-                <ma14:wrappingTextBoxFlag xmlns:ma14="http://schemas.microsoft.com/office/mac/drawingml/2011/main" val="1"/>
-              </a:ext>
-            </a:extLst>
-          </p:spPr>
-          <p:txBody>
-            <a:bodyPr wrap="none" lIns="27093" tIns="27093" rIns="27093" bIns="27093" numCol="1" anchor="ctr">
-              <a:spAutoFit/>
-            </a:bodyPr>
-            <a:lstStyle/>
-            <a:p>
-              <a:pPr/>
-              <a:r>
-                <a:t>eth</a:t>
-              </a:r>
-              <a:r>
-                <a:rPr baseline="-5999"/>
-                <a:t>1</a:t>
-              </a:r>
-            </a:p>
-          </p:txBody>
-        </p:sp>
-        <p:sp>
-          <p:nvSpPr>
-            <p:cNvPr id="467" name="eth2"/>
-            <p:cNvSpPr txBox="1"/>
-            <p:nvPr/>
-          </p:nvSpPr>
-          <p:spPr>
-            <a:xfrm>
-              <a:off x="5229676" y="795994"/>
-              <a:ext cx="428312" cy="277098"/>
-            </a:xfrm>
-            <a:prstGeom prst="rect">
-              <a:avLst/>
-            </a:prstGeom>
-            <a:noFill/>
-            <a:ln w="3175" cap="flat">
-              <a:noFill/>
-              <a:miter lim="400000"/>
-            </a:ln>
-            <a:effectLst/>
-            <a:extLst>
-              <a:ext uri="{C572A759-6A51-4108-AA02-DFA0A04FC94B}">
-                <ma14:wrappingTextBoxFlag xmlns:ma14="http://schemas.microsoft.com/office/mac/drawingml/2011/main" val="1"/>
-              </a:ext>
-            </a:extLst>
-          </p:spPr>
-          <p:txBody>
-            <a:bodyPr wrap="none" lIns="27093" tIns="27093" rIns="27093" bIns="27093" numCol="1" anchor="ctr">
-              <a:spAutoFit/>
-            </a:bodyPr>
-            <a:lstStyle/>
-            <a:p>
-              <a:pPr/>
-              <a:r>
-                <a:t>eth</a:t>
-              </a:r>
-              <a:r>
-                <a:rPr baseline="-5999"/>
-                <a:t>2</a:t>
-              </a:r>
-            </a:p>
-          </p:txBody>
-        </p:sp>
-        <p:sp>
-          <p:nvSpPr>
-            <p:cNvPr id="468" name="eth3"/>
-            <p:cNvSpPr txBox="1"/>
-            <p:nvPr/>
-          </p:nvSpPr>
-          <p:spPr>
-            <a:xfrm>
-              <a:off x="7277795" y="550197"/>
-              <a:ext cx="428313" cy="277098"/>
-            </a:xfrm>
-            <a:prstGeom prst="rect">
-              <a:avLst/>
-            </a:prstGeom>
-            <a:noFill/>
-            <a:ln w="3175" cap="flat">
-              <a:noFill/>
-              <a:miter lim="400000"/>
-            </a:ln>
-            <a:effectLst/>
-            <a:extLst>
-              <a:ext uri="{C572A759-6A51-4108-AA02-DFA0A04FC94B}">
-                <ma14:wrappingTextBoxFlag xmlns:ma14="http://schemas.microsoft.com/office/mac/drawingml/2011/main" val="1"/>
-              </a:ext>
-            </a:extLst>
-          </p:spPr>
-          <p:txBody>
-            <a:bodyPr wrap="none" lIns="27093" tIns="27093" rIns="27093" bIns="27093" numCol="1" anchor="ctr">
-              <a:spAutoFit/>
-            </a:bodyPr>
-            <a:lstStyle/>
-            <a:p>
-              <a:pPr/>
-              <a:r>
-                <a:t>eth</a:t>
-              </a:r>
-              <a:r>
-                <a:rPr baseline="-5999"/>
-                <a:t>3</a:t>
-              </a:r>
-            </a:p>
-          </p:txBody>
-        </p:sp>
         <p:grpSp>
           <p:nvGrpSpPr>
-            <p:cNvPr id="480" name="Group 378"/>
+            <p:cNvPr id="436" name="Group 381"/>
             <p:cNvGrpSpPr/>
             <p:nvPr/>
           </p:nvGrpSpPr>
           <p:grpSpPr>
             <a:xfrm>
-              <a:off x="4037304" y="3031229"/>
-              <a:ext cx="1617882" cy="769121"/>
+              <a:off x="239945" y="91825"/>
+              <a:ext cx="1137689" cy="334646"/>
               <a:chOff x="0" y="0"/>
-              <a:chExt cx="1617881" cy="769119"/>
+              <a:chExt cx="1137687" cy="334644"/>
             </a:xfrm>
           </p:grpSpPr>
-          <p:grpSp>
-            <p:nvGrpSpPr>
-              <p:cNvPr id="471" name="Freeform 379"/>
-              <p:cNvGrpSpPr/>
+          <p:sp>
+            <p:nvSpPr>
+              <p:cNvPr id="432" name="Freeform 382"/>
+              <p:cNvSpPr/>
               <p:nvPr/>
-            </p:nvGrpSpPr>
-            <p:grpSpPr>
+            </p:nvSpPr>
+            <p:spPr>
               <a:xfrm>
-                <a:off x="0" y="245806"/>
-                <a:ext cx="1617882" cy="523314"/>
-                <a:chOff x="0" y="0"/>
-                <a:chExt cx="1617881" cy="523312"/>
+                <a:off x="31468" y="0"/>
+                <a:ext cx="1076231" cy="187326"/>
               </a:xfrm>
-            </p:grpSpPr>
-            <p:sp>
-              <p:nvSpPr>
-                <p:cNvPr id="469" name="Shape"/>
-                <p:cNvSpPr/>
-                <p:nvPr/>
-              </p:nvSpPr>
-              <p:spPr>
-                <a:xfrm>
-                  <a:off x="-1" y="31655"/>
-                  <a:ext cx="1617883" cy="460004"/>
-                </a:xfrm>
-                <a:custGeom>
-                  <a:avLst/>
-                  <a:gdLst/>
-                  <a:ahLst/>
-                  <a:cxnLst>
-                    <a:cxn ang="0">
-                      <a:pos x="wd2" y="hd2"/>
-                    </a:cxn>
-                    <a:cxn ang="5400000">
-                      <a:pos x="wd2" y="hd2"/>
-                    </a:cxn>
-                    <a:cxn ang="10800000">
-                      <a:pos x="wd2" y="hd2"/>
-                    </a:cxn>
-                    <a:cxn ang="16200000">
-                      <a:pos x="wd2" y="hd2"/>
-                    </a:cxn>
-                  </a:cxnLst>
-                  <a:rect l="0" t="0" r="r" b="b"/>
-                  <a:pathLst>
-                    <a:path w="21593" h="21598" fill="norm" stroke="1" extrusionOk="0">
-                      <a:moveTo>
-                        <a:pt x="21591" y="51"/>
-                      </a:moveTo>
-                      <a:lnTo>
-                        <a:pt x="21593" y="11403"/>
-                      </a:lnTo>
-                      <a:cubicBezTo>
-                        <a:pt x="20935" y="19011"/>
-                        <a:pt x="14479" y="21600"/>
-                        <a:pt x="10884" y="21598"/>
-                      </a:cubicBezTo>
-                      <a:cubicBezTo>
-                        <a:pt x="7289" y="21596"/>
-                        <a:pt x="649" y="19123"/>
-                        <a:pt x="23" y="11390"/>
-                      </a:cubicBezTo>
-                      <a:cubicBezTo>
-                        <a:pt x="32" y="8472"/>
-                        <a:pt x="-7" y="2919"/>
-                        <a:pt x="1" y="0"/>
-                      </a:cubicBezTo>
-                      <a:cubicBezTo>
-                        <a:pt x="1019" y="6646"/>
-                        <a:pt x="7140" y="10014"/>
-                        <a:pt x="10738" y="10023"/>
-                      </a:cubicBezTo>
-                      <a:cubicBezTo>
-                        <a:pt x="14336" y="10031"/>
-                        <a:pt x="20606" y="7591"/>
-                        <a:pt x="21591" y="51"/>
-                      </a:cubicBezTo>
-                      <a:close/>
-                    </a:path>
-                  </a:pathLst>
-                </a:custGeom>
-                <a:gradFill flip="none" rotWithShape="1">
-                  <a:gsLst>
-                    <a:gs pos="0">
-                      <a:srgbClr val="B8C2C9"/>
-                    </a:gs>
-                    <a:gs pos="21000">
+              <a:custGeom>
+                <a:avLst/>
+                <a:gdLst/>
+                <a:ahLst/>
+                <a:cxnLst>
+                  <a:cxn ang="0">
+                    <a:pos x="wd2" y="hd2"/>
+                  </a:cxn>
+                  <a:cxn ang="5400000">
+                    <a:pos x="wd2" y="hd2"/>
+                  </a:cxn>
+                  <a:cxn ang="10800000">
+                    <a:pos x="wd2" y="hd2"/>
+                  </a:cxn>
+                  <a:cxn ang="16200000">
+                    <a:pos x="wd2" y="hd2"/>
+                  </a:cxn>
+                </a:cxnLst>
+                <a:rect l="0" t="0" r="r" b="b"/>
+                <a:pathLst>
+                  <a:path w="21600" h="21600" fill="norm" stroke="1" extrusionOk="0">
+                    <a:moveTo>
+                      <a:pt x="17365" y="0"/>
+                    </a:moveTo>
+                    <a:lnTo>
+                      <a:pt x="21600" y="4925"/>
+                    </a:lnTo>
+                    <a:lnTo>
+                      <a:pt x="18461" y="11148"/>
+                    </a:lnTo>
+                    <a:lnTo>
+                      <a:pt x="17638" y="9623"/>
+                    </a:lnTo>
+                    <a:lnTo>
+                      <a:pt x="10634" y="21600"/>
+                    </a:lnTo>
+                    <a:lnTo>
+                      <a:pt x="4216" y="9406"/>
+                    </a:lnTo>
+                    <a:lnTo>
+                      <a:pt x="2885" y="11148"/>
+                    </a:lnTo>
+                    <a:lnTo>
+                      <a:pt x="0" y="5658"/>
+                    </a:lnTo>
+                    <a:lnTo>
+                      <a:pt x="4216" y="348"/>
+                    </a:lnTo>
+                    <a:lnTo>
+                      <a:pt x="10742" y="12674"/>
+                    </a:lnTo>
+                    <a:lnTo>
+                      <a:pt x="17365" y="0"/>
+                    </a:lnTo>
+                    <a:close/>
+                  </a:path>
+                </a:pathLst>
+              </a:custGeom>
+              <a:solidFill>
+                <a:srgbClr val="0000A3"/>
+              </a:solidFill>
+              <a:ln w="3175" cap="flat">
+                <a:noFill/>
+                <a:miter lim="400000"/>
+              </a:ln>
+              <a:effectLst/>
+            </p:spPr>
+            <p:txBody>
+              <a:bodyPr wrap="square" lIns="45719" tIns="45719" rIns="45719" bIns="45719" numCol="1" anchor="ctr">
+                <a:noAutofit/>
+              </a:bodyPr>
+              <a:lstStyle/>
+              <a:p>
+                <a:pPr defTabSz="914400">
+                  <a:defRPr sz="1800">
+                    <a:solidFill>
                       <a:srgbClr val="FFFFFF"/>
-                    </a:gs>
-                    <a:gs pos="60000">
-                      <a:srgbClr val="D6DCE0"/>
-                    </a:gs>
-                    <a:gs pos="100000">
-                      <a:srgbClr val="B8C2C9"/>
-                    </a:gs>
-                  </a:gsLst>
-                  <a:lin ang="0" scaled="0"/>
-                </a:gradFill>
-                <a:ln w="6350" cap="flat">
-                  <a:solidFill>
-                    <a:srgbClr val="000000"/>
-                  </a:solidFill>
-                  <a:prstDash val="solid"/>
-                  <a:miter lim="800000"/>
-                </a:ln>
-                <a:effectLst/>
-              </p:spPr>
-              <p:txBody>
-                <a:bodyPr wrap="square" lIns="45719" tIns="45719" rIns="45719" bIns="45719" numCol="1" anchor="ctr">
-                  <a:noAutofit/>
-                </a:bodyPr>
-                <a:lstStyle/>
-                <a:p>
-                  <a:pPr defTabSz="914400">
-                    <a:defRPr sz="1800">
-                      <a:solidFill>
-                        <a:srgbClr val="FFFFFF"/>
-                      </a:solidFill>
-                      <a:latin typeface="Calibri"/>
-                      <a:ea typeface="Calibri"/>
-                      <a:cs typeface="Calibri"/>
-                      <a:sym typeface="Calibri"/>
-                    </a:defRPr>
-                  </a:pPr>
-                </a:p>
-              </p:txBody>
-            </p:sp>
-            <p:sp>
-              <p:nvSpPr>
-                <p:cNvPr id="470" name="Rectangle"/>
-                <p:cNvSpPr txBox="1"/>
-                <p:nvPr/>
-              </p:nvSpPr>
-              <p:spPr>
-                <a:xfrm>
-                  <a:off x="68998" y="0"/>
-                  <a:ext cx="1479885" cy="523313"/>
-                </a:xfrm>
-                <a:prstGeom prst="rect">
-                  <a:avLst/>
-                </a:prstGeom>
+                    </a:solidFill>
+                    <a:latin typeface="Calibri"/>
+                    <a:ea typeface="Calibri"/>
+                    <a:cs typeface="Calibri"/>
+                    <a:sym typeface="Calibri"/>
+                  </a:defRPr>
+                </a:pPr>
+              </a:p>
+            </p:txBody>
+          </p:sp>
+          <p:sp>
+            <p:nvSpPr>
+              <p:cNvPr id="433" name="Freeform 383"/>
+              <p:cNvSpPr/>
+              <p:nvPr/>
+            </p:nvSpPr>
+            <p:spPr>
+              <a:xfrm>
+                <a:off x="735866" y="160236"/>
+                <a:ext cx="401822" cy="161281"/>
+              </a:xfrm>
+              <a:custGeom>
+                <a:avLst/>
+                <a:gdLst/>
+                <a:ahLst/>
+                <a:cxnLst>
+                  <a:cxn ang="0">
+                    <a:pos x="wd2" y="hd2"/>
+                  </a:cxn>
+                  <a:cxn ang="5400000">
+                    <a:pos x="wd2" y="hd2"/>
+                  </a:cxn>
+                  <a:cxn ang="10800000">
+                    <a:pos x="wd2" y="hd2"/>
+                  </a:cxn>
+                  <a:cxn ang="16200000">
+                    <a:pos x="wd2" y="hd2"/>
+                  </a:cxn>
+                </a:cxnLst>
+                <a:rect l="0" t="0" r="r" b="b"/>
+                <a:pathLst>
+                  <a:path w="21600" h="21600" fill="norm" stroke="1" extrusionOk="0">
+                    <a:moveTo>
+                      <a:pt x="260" y="0"/>
+                    </a:moveTo>
+                    <a:lnTo>
+                      <a:pt x="21600" y="16577"/>
+                    </a:lnTo>
+                    <a:lnTo>
+                      <a:pt x="14183" y="21600"/>
+                    </a:lnTo>
+                    <a:lnTo>
+                      <a:pt x="0" y="10800"/>
+                    </a:lnTo>
+                    <a:lnTo>
+                      <a:pt x="260" y="0"/>
+                    </a:lnTo>
+                    <a:close/>
+                  </a:path>
+                </a:pathLst>
+              </a:custGeom>
+              <a:solidFill>
+                <a:srgbClr val="0000A3"/>
+              </a:solidFill>
+              <a:ln w="3175" cap="flat">
                 <a:noFill/>
-                <a:ln w="3175" cap="flat">
-                  <a:noFill/>
-                  <a:miter lim="400000"/>
-                </a:ln>
-                <a:effectLst/>
-                <a:extLst>
-                  <a:ext uri="{C572A759-6A51-4108-AA02-DFA0A04FC94B}">
-                    <ma14:wrappingTextBoxFlag xmlns:ma14="http://schemas.microsoft.com/office/mac/drawingml/2011/main" val="1"/>
-                  </a:ext>
-                </a:extLst>
-              </p:spPr>
-              <p:txBody>
-                <a:bodyPr wrap="square" lIns="45719" tIns="45719" rIns="45719" bIns="45719" numCol="1" anchor="ctr">
-                  <a:noAutofit/>
-                </a:bodyPr>
-                <a:lstStyle>
-                  <a:lvl1pPr defTabSz="914400">
-                    <a:defRPr sz="1800">
-                      <a:solidFill>
-                        <a:srgbClr val="FFFFFF"/>
-                      </a:solidFill>
-                      <a:latin typeface="Calibri"/>
-                      <a:ea typeface="Calibri"/>
-                      <a:cs typeface="Calibri"/>
-                      <a:sym typeface="Calibri"/>
-                    </a:defRPr>
-                  </a:lvl1pPr>
-                </a:lstStyle>
-                <a:p>
-                  <a:pPr/>
-                  <a:r>
-                    <a:t>                   </a:t>
-                  </a:r>
-                </a:p>
-              </p:txBody>
-            </p:sp>
-          </p:grpSp>
-          <p:grpSp>
-            <p:nvGrpSpPr>
-              <p:cNvPr id="474" name="Oval 380"/>
-              <p:cNvGrpSpPr/>
+                <a:miter lim="400000"/>
+              </a:ln>
+              <a:effectLst/>
+            </p:spPr>
+            <p:txBody>
+              <a:bodyPr wrap="square" lIns="45719" tIns="45719" rIns="45719" bIns="45719" numCol="1" anchor="ctr">
+                <a:noAutofit/>
+              </a:bodyPr>
+              <a:lstStyle/>
+              <a:p>
+                <a:pPr defTabSz="914400">
+                  <a:defRPr sz="1800">
+                    <a:solidFill>
+                      <a:srgbClr val="FFFFFF"/>
+                    </a:solidFill>
+                    <a:latin typeface="Calibri"/>
+                    <a:ea typeface="Calibri"/>
+                    <a:cs typeface="Calibri"/>
+                    <a:sym typeface="Calibri"/>
+                  </a:defRPr>
+                </a:pPr>
+              </a:p>
+            </p:txBody>
+          </p:sp>
+          <p:sp>
+            <p:nvSpPr>
+              <p:cNvPr id="434" name="Freeform 384"/>
+              <p:cNvSpPr/>
               <p:nvPr/>
-            </p:nvGrpSpPr>
-            <p:grpSpPr>
+            </p:nvSpPr>
+            <p:spPr>
               <a:xfrm>
-                <a:off x="931" y="-1"/>
-                <a:ext cx="1615923" cy="523314"/>
-                <a:chOff x="0" y="0"/>
-                <a:chExt cx="1615922" cy="523312"/>
+                <a:off x="-1" y="160236"/>
+                <a:ext cx="394561" cy="159405"/>
               </a:xfrm>
-            </p:grpSpPr>
-            <p:sp>
-              <p:nvSpPr>
-                <p:cNvPr id="472" name="Oval"/>
-                <p:cNvSpPr/>
-                <p:nvPr/>
-              </p:nvSpPr>
-              <p:spPr>
-                <a:xfrm>
-                  <a:off x="0" y="33941"/>
-                  <a:ext cx="1615923" cy="455431"/>
-                </a:xfrm>
-                <a:prstGeom prst="ellipse">
-                  <a:avLst/>
-                </a:prstGeom>
+              <a:custGeom>
+                <a:avLst/>
+                <a:gdLst/>
+                <a:ahLst/>
+                <a:cxnLst>
+                  <a:cxn ang="0">
+                    <a:pos x="wd2" y="hd2"/>
+                  </a:cxn>
+                  <a:cxn ang="5400000">
+                    <a:pos x="wd2" y="hd2"/>
+                  </a:cxn>
+                  <a:cxn ang="10800000">
+                    <a:pos x="wd2" y="hd2"/>
+                  </a:cxn>
+                  <a:cxn ang="16200000">
+                    <a:pos x="wd2" y="hd2"/>
+                  </a:cxn>
+                </a:cxnLst>
+                <a:rect l="0" t="0" r="r" b="b"/>
+                <a:pathLst>
+                  <a:path w="21600" h="21600" fill="norm" stroke="1" extrusionOk="0">
+                    <a:moveTo>
+                      <a:pt x="21467" y="0"/>
+                    </a:moveTo>
+                    <a:lnTo>
+                      <a:pt x="21600" y="11435"/>
+                    </a:lnTo>
+                    <a:lnTo>
+                      <a:pt x="7288" y="21600"/>
+                    </a:lnTo>
+                    <a:lnTo>
+                      <a:pt x="0" y="16772"/>
+                    </a:lnTo>
+                    <a:lnTo>
+                      <a:pt x="21467" y="0"/>
+                    </a:lnTo>
+                    <a:close/>
+                  </a:path>
+                </a:pathLst>
+              </a:custGeom>
+              <a:solidFill>
+                <a:srgbClr val="0000A8"/>
+              </a:solidFill>
+              <a:ln w="3175" cap="flat">
+                <a:noFill/>
+                <a:miter lim="400000"/>
+              </a:ln>
+              <a:effectLst/>
+            </p:spPr>
+            <p:txBody>
+              <a:bodyPr wrap="square" lIns="45719" tIns="45719" rIns="45719" bIns="45719" numCol="1" anchor="ctr">
+                <a:noAutofit/>
+              </a:bodyPr>
+              <a:lstStyle/>
+              <a:p>
+                <a:pPr defTabSz="914400">
+                  <a:defRPr sz="1800">
+                    <a:solidFill>
+                      <a:srgbClr val="FFFFFF"/>
+                    </a:solidFill>
+                    <a:latin typeface="Calibri"/>
+                    <a:ea typeface="Calibri"/>
+                    <a:cs typeface="Calibri"/>
+                    <a:sym typeface="Calibri"/>
+                  </a:defRPr>
+                </a:pPr>
+              </a:p>
+            </p:txBody>
+          </p:sp>
+          <p:sp>
+            <p:nvSpPr>
+              <p:cNvPr id="435" name="Freeform 385"/>
+              <p:cNvSpPr/>
+              <p:nvPr/>
+            </p:nvSpPr>
+            <p:spPr>
+              <a:xfrm>
+                <a:off x="136971" y="81473"/>
+                <a:ext cx="857899" cy="253172"/>
+              </a:xfrm>
+              <a:custGeom>
+                <a:avLst/>
+                <a:gdLst/>
+                <a:ahLst/>
+                <a:cxnLst>
+                  <a:cxn ang="0">
+                    <a:pos x="wd2" y="hd2"/>
+                  </a:cxn>
+                  <a:cxn ang="5400000">
+                    <a:pos x="wd2" y="hd2"/>
+                  </a:cxn>
+                  <a:cxn ang="10800000">
+                    <a:pos x="wd2" y="hd2"/>
+                  </a:cxn>
+                  <a:cxn ang="16200000">
+                    <a:pos x="wd2" y="hd2"/>
+                  </a:cxn>
+                </a:cxnLst>
+                <a:rect l="0" t="0" r="r" b="b"/>
+                <a:pathLst>
+                  <a:path w="21600" h="21600" fill="norm" stroke="1" extrusionOk="0">
+                    <a:moveTo>
+                      <a:pt x="939" y="1120"/>
+                    </a:moveTo>
+                    <a:lnTo>
+                      <a:pt x="2585" y="0"/>
+                    </a:lnTo>
+                    <a:lnTo>
+                      <a:pt x="10744" y="9007"/>
+                    </a:lnTo>
+                    <a:lnTo>
+                      <a:pt x="19467" y="0"/>
+                    </a:lnTo>
+                    <a:lnTo>
+                      <a:pt x="20747" y="1120"/>
+                    </a:lnTo>
+                    <a:lnTo>
+                      <a:pt x="15265" y="6833"/>
+                    </a:lnTo>
+                    <a:lnTo>
+                      <a:pt x="15222" y="13740"/>
+                    </a:lnTo>
+                    <a:lnTo>
+                      <a:pt x="21600" y="20480"/>
+                    </a:lnTo>
+                    <a:lnTo>
+                      <a:pt x="19954" y="21440"/>
+                    </a:lnTo>
+                    <a:lnTo>
+                      <a:pt x="10813" y="11360"/>
+                    </a:lnTo>
+                    <a:lnTo>
+                      <a:pt x="1488" y="21600"/>
+                    </a:lnTo>
+                    <a:lnTo>
+                      <a:pt x="0" y="20263"/>
+                    </a:lnTo>
+                    <a:lnTo>
+                      <a:pt x="6457" y="13760"/>
+                    </a:lnTo>
+                    <a:cubicBezTo>
+                      <a:pt x="6457" y="11573"/>
+                      <a:pt x="6392" y="9067"/>
+                      <a:pt x="6392" y="6880"/>
+                    </a:cubicBezTo>
+                    <a:lnTo>
+                      <a:pt x="1061" y="1280"/>
+                    </a:lnTo>
+                    <a:cubicBezTo>
+                      <a:pt x="153" y="320"/>
+                      <a:pt x="980" y="1173"/>
+                      <a:pt x="939" y="1120"/>
+                    </a:cubicBezTo>
+                    <a:close/>
+                  </a:path>
+                </a:pathLst>
+              </a:custGeom>
+              <a:solidFill>
+                <a:srgbClr val="8FAADC"/>
+              </a:solidFill>
+              <a:ln w="3175" cap="flat">
+                <a:noFill/>
+                <a:miter lim="400000"/>
+              </a:ln>
+              <a:effectLst/>
+            </p:spPr>
+            <p:txBody>
+              <a:bodyPr wrap="square" lIns="45719" tIns="45719" rIns="45719" bIns="45719" numCol="1" anchor="ctr">
+                <a:noAutofit/>
+              </a:bodyPr>
+              <a:lstStyle/>
+              <a:p>
+                <a:pPr defTabSz="914400">
+                  <a:defRPr sz="1800">
+                    <a:solidFill>
+                      <a:srgbClr val="FFFFFF"/>
+                    </a:solidFill>
+                    <a:latin typeface="Calibri"/>
+                    <a:ea typeface="Calibri"/>
+                    <a:cs typeface="Calibri"/>
+                    <a:sym typeface="Calibri"/>
+                  </a:defRPr>
+                </a:pPr>
+              </a:p>
+            </p:txBody>
+          </p:sp>
+        </p:grpSp>
+      </p:grpSp>
+      <p:grpSp>
+        <p:nvGrpSpPr>
+          <p:cNvPr id="449" name="Group 378"/>
+          <p:cNvGrpSpPr/>
+          <p:nvPr/>
+        </p:nvGrpSpPr>
+        <p:grpSpPr>
+          <a:xfrm>
+            <a:off x="7316490" y="2292025"/>
+            <a:ext cx="1617882" cy="769121"/>
+            <a:chOff x="0" y="0"/>
+            <a:chExt cx="1617881" cy="769119"/>
+          </a:xfrm>
+        </p:grpSpPr>
+        <p:grpSp>
+          <p:nvGrpSpPr>
+            <p:cNvPr id="440" name="Freeform 379"/>
+            <p:cNvGrpSpPr/>
+            <p:nvPr/>
+          </p:nvGrpSpPr>
+          <p:grpSpPr>
+            <a:xfrm>
+              <a:off x="0" y="245806"/>
+              <a:ext cx="1617882" cy="523314"/>
+              <a:chOff x="0" y="0"/>
+              <a:chExt cx="1617881" cy="523312"/>
+            </a:xfrm>
+          </p:grpSpPr>
+          <p:sp>
+            <p:nvSpPr>
+              <p:cNvPr id="438" name="Shape"/>
+              <p:cNvSpPr/>
+              <p:nvPr/>
+            </p:nvSpPr>
+            <p:spPr>
+              <a:xfrm>
+                <a:off x="-1" y="31655"/>
+                <a:ext cx="1617883" cy="460004"/>
+              </a:xfrm>
+              <a:custGeom>
+                <a:avLst/>
+                <a:gdLst/>
+                <a:ahLst/>
+                <a:cxnLst>
+                  <a:cxn ang="0">
+                    <a:pos x="wd2" y="hd2"/>
+                  </a:cxn>
+                  <a:cxn ang="5400000">
+                    <a:pos x="wd2" y="hd2"/>
+                  </a:cxn>
+                  <a:cxn ang="10800000">
+                    <a:pos x="wd2" y="hd2"/>
+                  </a:cxn>
+                  <a:cxn ang="16200000">
+                    <a:pos x="wd2" y="hd2"/>
+                  </a:cxn>
+                </a:cxnLst>
+                <a:rect l="0" t="0" r="r" b="b"/>
+                <a:pathLst>
+                  <a:path w="21593" h="21598" fill="norm" stroke="1" extrusionOk="0">
+                    <a:moveTo>
+                      <a:pt x="21591" y="51"/>
+                    </a:moveTo>
+                    <a:lnTo>
+                      <a:pt x="21593" y="11403"/>
+                    </a:lnTo>
+                    <a:cubicBezTo>
+                      <a:pt x="20935" y="19011"/>
+                      <a:pt x="14479" y="21600"/>
+                      <a:pt x="10884" y="21598"/>
+                    </a:cubicBezTo>
+                    <a:cubicBezTo>
+                      <a:pt x="7289" y="21596"/>
+                      <a:pt x="649" y="19123"/>
+                      <a:pt x="23" y="11390"/>
+                    </a:cubicBezTo>
+                    <a:cubicBezTo>
+                      <a:pt x="32" y="8472"/>
+                      <a:pt x="-7" y="2919"/>
+                      <a:pt x="1" y="0"/>
+                    </a:cubicBezTo>
+                    <a:cubicBezTo>
+                      <a:pt x="1019" y="6646"/>
+                      <a:pt x="7140" y="10014"/>
+                      <a:pt x="10738" y="10023"/>
+                    </a:cubicBezTo>
+                    <a:cubicBezTo>
+                      <a:pt x="14336" y="10031"/>
+                      <a:pt x="20606" y="7591"/>
+                      <a:pt x="21591" y="51"/>
+                    </a:cubicBezTo>
+                    <a:close/>
+                  </a:path>
+                </a:pathLst>
+              </a:custGeom>
+              <a:gradFill flip="none" rotWithShape="1">
+                <a:gsLst>
+                  <a:gs pos="0">
+                    <a:srgbClr val="B8C2C9"/>
+                  </a:gs>
+                  <a:gs pos="21000">
+                    <a:srgbClr val="FFFFFF"/>
+                  </a:gs>
+                  <a:gs pos="60000">
+                    <a:srgbClr val="D6DCE0"/>
+                  </a:gs>
+                  <a:gs pos="100000">
+                    <a:srgbClr val="B8C2C9"/>
+                  </a:gs>
+                </a:gsLst>
+                <a:lin ang="0" scaled="0"/>
+              </a:gradFill>
+              <a:ln w="6350" cap="flat">
                 <a:solidFill>
-                  <a:srgbClr val="B8C2C9"/>
+                  <a:srgbClr val="000000"/>
                 </a:solidFill>
-                <a:ln w="6350" cap="flat">
-                  <a:solidFill>
-                    <a:srgbClr val="000000"/>
-                  </a:solidFill>
-                  <a:prstDash val="solid"/>
-                  <a:miter lim="800000"/>
-                </a:ln>
-                <a:effectLst/>
-              </p:spPr>
-              <p:txBody>
-                <a:bodyPr wrap="square" lIns="45719" tIns="45719" rIns="45719" bIns="45719" numCol="1" anchor="ctr">
-                  <a:noAutofit/>
-                </a:bodyPr>
-                <a:lstStyle/>
-                <a:p>
-                  <a:pPr defTabSz="914400">
-                    <a:defRPr sz="1800">
-                      <a:solidFill>
-                        <a:srgbClr val="FFFFFF"/>
-                      </a:solidFill>
-                      <a:latin typeface="Calibri"/>
-                      <a:ea typeface="Calibri"/>
-                      <a:cs typeface="Calibri"/>
-                      <a:sym typeface="Calibri"/>
-                    </a:defRPr>
-                  </a:pPr>
-                </a:p>
-              </p:txBody>
-            </p:sp>
-            <p:sp>
-              <p:nvSpPr>
-                <p:cNvPr id="473" name="Rectangle"/>
-                <p:cNvSpPr txBox="1"/>
-                <p:nvPr/>
-              </p:nvSpPr>
-              <p:spPr>
-                <a:xfrm>
-                  <a:off x="305645" y="-1"/>
-                  <a:ext cx="1004632" cy="523314"/>
-                </a:xfrm>
-                <a:prstGeom prst="rect">
-                  <a:avLst/>
-                </a:prstGeom>
+                <a:prstDash val="solid"/>
+                <a:miter lim="800000"/>
+              </a:ln>
+              <a:effectLst/>
+            </p:spPr>
+            <p:txBody>
+              <a:bodyPr wrap="square" lIns="45719" tIns="45719" rIns="45719" bIns="45719" numCol="1" anchor="ctr">
+                <a:noAutofit/>
+              </a:bodyPr>
+              <a:lstStyle/>
+              <a:p>
+                <a:pPr defTabSz="914400">
+                  <a:defRPr sz="1800">
+                    <a:solidFill>
+                      <a:srgbClr val="FFFFFF"/>
+                    </a:solidFill>
+                    <a:latin typeface="Calibri"/>
+                    <a:ea typeface="Calibri"/>
+                    <a:cs typeface="Calibri"/>
+                    <a:sym typeface="Calibri"/>
+                  </a:defRPr>
+                </a:pPr>
+              </a:p>
+            </p:txBody>
+          </p:sp>
+          <p:sp>
+            <p:nvSpPr>
+              <p:cNvPr id="439" name="Rectangle"/>
+              <p:cNvSpPr txBox="1"/>
+              <p:nvPr/>
+            </p:nvSpPr>
+            <p:spPr>
+              <a:xfrm>
+                <a:off x="68998" y="0"/>
+                <a:ext cx="1479885" cy="523313"/>
+              </a:xfrm>
+              <a:prstGeom prst="rect">
+                <a:avLst/>
+              </a:prstGeom>
+              <a:noFill/>
+              <a:ln w="3175" cap="flat">
                 <a:noFill/>
-                <a:ln w="3175" cap="flat">
-                  <a:noFill/>
-                  <a:miter lim="400000"/>
-                </a:ln>
-                <a:effectLst/>
-                <a:extLst>
-                  <a:ext uri="{C572A759-6A51-4108-AA02-DFA0A04FC94B}">
-                    <ma14:wrappingTextBoxFlag xmlns:ma14="http://schemas.microsoft.com/office/mac/drawingml/2011/main" val="1"/>
-                  </a:ext>
-                </a:extLst>
-              </p:spPr>
-              <p:txBody>
-                <a:bodyPr wrap="square" lIns="45719" tIns="45719" rIns="45719" bIns="45719" numCol="1" anchor="ctr">
-                  <a:noAutofit/>
-                </a:bodyPr>
-                <a:lstStyle>
-                  <a:lvl1pPr defTabSz="914400">
-                    <a:defRPr sz="1800">
-                      <a:solidFill>
-                        <a:srgbClr val="FFFFFF"/>
-                      </a:solidFill>
-                      <a:latin typeface="Calibri"/>
-                      <a:ea typeface="Calibri"/>
-                      <a:cs typeface="Calibri"/>
-                      <a:sym typeface="Calibri"/>
-                    </a:defRPr>
-                  </a:lvl1pPr>
-                </a:lstStyle>
-                <a:p>
-                  <a:pPr/>
-                  <a:r>
-                    <a:t>              </a:t>
-                  </a:r>
-                </a:p>
-              </p:txBody>
-            </p:sp>
-          </p:grpSp>
-          <p:grpSp>
-            <p:nvGrpSpPr>
-              <p:cNvPr id="479" name="Group 381"/>
-              <p:cNvGrpSpPr/>
+                <a:miter lim="400000"/>
+              </a:ln>
+              <a:effectLst/>
+              <a:extLst>
+                <a:ext uri="{C572A759-6A51-4108-AA02-DFA0A04FC94B}">
+                  <ma14:wrappingTextBoxFlag xmlns:ma14="http://schemas.microsoft.com/office/mac/drawingml/2011/main" val="1"/>
+                </a:ext>
+              </a:extLst>
+            </p:spPr>
+            <p:txBody>
+              <a:bodyPr wrap="square" lIns="45719" tIns="45719" rIns="45719" bIns="45719" numCol="1" anchor="ctr">
+                <a:noAutofit/>
+              </a:bodyPr>
+              <a:lstStyle>
+                <a:lvl1pPr defTabSz="914400">
+                  <a:defRPr sz="1800">
+                    <a:solidFill>
+                      <a:srgbClr val="FFFFFF"/>
+                    </a:solidFill>
+                    <a:latin typeface="Calibri"/>
+                    <a:ea typeface="Calibri"/>
+                    <a:cs typeface="Calibri"/>
+                    <a:sym typeface="Calibri"/>
+                  </a:defRPr>
+                </a:lvl1pPr>
+              </a:lstStyle>
+              <a:p>
+                <a:pPr/>
+                <a:r>
+                  <a:t>                   </a:t>
+                </a:r>
+              </a:p>
+            </p:txBody>
+          </p:sp>
+        </p:grpSp>
+        <p:grpSp>
+          <p:nvGrpSpPr>
+            <p:cNvPr id="443" name="Oval 380"/>
+            <p:cNvGrpSpPr/>
+            <p:nvPr/>
+          </p:nvGrpSpPr>
+          <p:grpSpPr>
+            <a:xfrm>
+              <a:off x="931" y="-1"/>
+              <a:ext cx="1615923" cy="523314"/>
+              <a:chOff x="0" y="0"/>
+              <a:chExt cx="1615922" cy="523312"/>
+            </a:xfrm>
+          </p:grpSpPr>
+          <p:sp>
+            <p:nvSpPr>
+              <p:cNvPr id="441" name="Oval"/>
+              <p:cNvSpPr/>
               <p:nvPr/>
-            </p:nvGrpSpPr>
-            <p:grpSpPr>
+            </p:nvSpPr>
+            <p:spPr>
               <a:xfrm>
-                <a:off x="239945" y="91825"/>
-                <a:ext cx="1137689" cy="334646"/>
-                <a:chOff x="0" y="0"/>
-                <a:chExt cx="1137687" cy="334644"/>
+                <a:off x="0" y="33941"/>
+                <a:ext cx="1615923" cy="455431"/>
               </a:xfrm>
-            </p:grpSpPr>
-            <p:sp>
-              <p:nvSpPr>
-                <p:cNvPr id="475" name="Freeform 382"/>
-                <p:cNvSpPr/>
-                <p:nvPr/>
-              </p:nvSpPr>
-              <p:spPr>
-                <a:xfrm>
-                  <a:off x="31468" y="0"/>
-                  <a:ext cx="1076231" cy="187326"/>
-                </a:xfrm>
-                <a:custGeom>
-                  <a:avLst/>
-                  <a:gdLst/>
-                  <a:ahLst/>
-                  <a:cxnLst>
-                    <a:cxn ang="0">
-                      <a:pos x="wd2" y="hd2"/>
-                    </a:cxn>
-                    <a:cxn ang="5400000">
-                      <a:pos x="wd2" y="hd2"/>
-                    </a:cxn>
-                    <a:cxn ang="10800000">
-                      <a:pos x="wd2" y="hd2"/>
-                    </a:cxn>
-                    <a:cxn ang="16200000">
-                      <a:pos x="wd2" y="hd2"/>
-                    </a:cxn>
-                  </a:cxnLst>
-                  <a:rect l="0" t="0" r="r" b="b"/>
-                  <a:pathLst>
-                    <a:path w="21600" h="21600" fill="norm" stroke="1" extrusionOk="0">
-                      <a:moveTo>
-                        <a:pt x="17365" y="0"/>
-                      </a:moveTo>
-                      <a:lnTo>
-                        <a:pt x="21600" y="4925"/>
-                      </a:lnTo>
-                      <a:lnTo>
-                        <a:pt x="18461" y="11148"/>
-                      </a:lnTo>
-                      <a:lnTo>
-                        <a:pt x="17638" y="9623"/>
-                      </a:lnTo>
-                      <a:lnTo>
-                        <a:pt x="10634" y="21600"/>
-                      </a:lnTo>
-                      <a:lnTo>
-                        <a:pt x="4216" y="9406"/>
-                      </a:lnTo>
-                      <a:lnTo>
-                        <a:pt x="2885" y="11148"/>
-                      </a:lnTo>
-                      <a:lnTo>
-                        <a:pt x="0" y="5658"/>
-                      </a:lnTo>
-                      <a:lnTo>
-                        <a:pt x="4216" y="348"/>
-                      </a:lnTo>
-                      <a:lnTo>
-                        <a:pt x="10742" y="12674"/>
-                      </a:lnTo>
-                      <a:lnTo>
-                        <a:pt x="17365" y="0"/>
-                      </a:lnTo>
-                      <a:close/>
-                    </a:path>
-                  </a:pathLst>
-                </a:custGeom>
+              <a:prstGeom prst="ellipse">
+                <a:avLst/>
+              </a:prstGeom>
+              <a:solidFill>
+                <a:srgbClr val="B8C2C9"/>
+              </a:solidFill>
+              <a:ln w="6350" cap="flat">
                 <a:solidFill>
-                  <a:srgbClr val="0000A3"/>
+                  <a:srgbClr val="000000"/>
                 </a:solidFill>
-                <a:ln w="3175" cap="flat">
-                  <a:noFill/>
-                  <a:miter lim="400000"/>
-                </a:ln>
-                <a:effectLst/>
-              </p:spPr>
-              <p:txBody>
-                <a:bodyPr wrap="square" lIns="45719" tIns="45719" rIns="45719" bIns="45719" numCol="1" anchor="ctr">
-                  <a:noAutofit/>
-                </a:bodyPr>
-                <a:lstStyle/>
-                <a:p>
-                  <a:pPr defTabSz="914400">
-                    <a:defRPr sz="1800">
-                      <a:solidFill>
-                        <a:srgbClr val="FFFFFF"/>
-                      </a:solidFill>
-                      <a:latin typeface="Calibri"/>
-                      <a:ea typeface="Calibri"/>
-                      <a:cs typeface="Calibri"/>
-                      <a:sym typeface="Calibri"/>
-                    </a:defRPr>
-                  </a:pPr>
-                </a:p>
-              </p:txBody>
-            </p:sp>
-            <p:sp>
-              <p:nvSpPr>
-                <p:cNvPr id="476" name="Freeform 383"/>
-                <p:cNvSpPr/>
-                <p:nvPr/>
-              </p:nvSpPr>
-              <p:spPr>
-                <a:xfrm>
-                  <a:off x="735866" y="160236"/>
-                  <a:ext cx="401822" cy="161281"/>
-                </a:xfrm>
-                <a:custGeom>
-                  <a:avLst/>
-                  <a:gdLst/>
-                  <a:ahLst/>
-                  <a:cxnLst>
-                    <a:cxn ang="0">
-                      <a:pos x="wd2" y="hd2"/>
-                    </a:cxn>
-                    <a:cxn ang="5400000">
-                      <a:pos x="wd2" y="hd2"/>
-                    </a:cxn>
-                    <a:cxn ang="10800000">
-                      <a:pos x="wd2" y="hd2"/>
-                    </a:cxn>
-                    <a:cxn ang="16200000">
-                      <a:pos x="wd2" y="hd2"/>
-                    </a:cxn>
-                  </a:cxnLst>
-                  <a:rect l="0" t="0" r="r" b="b"/>
-                  <a:pathLst>
-                    <a:path w="21600" h="21600" fill="norm" stroke="1" extrusionOk="0">
-                      <a:moveTo>
-                        <a:pt x="260" y="0"/>
-                      </a:moveTo>
-                      <a:lnTo>
-                        <a:pt x="21600" y="16577"/>
-                      </a:lnTo>
-                      <a:lnTo>
-                        <a:pt x="14183" y="21600"/>
-                      </a:lnTo>
-                      <a:lnTo>
-                        <a:pt x="0" y="10800"/>
-                      </a:lnTo>
-                      <a:lnTo>
-                        <a:pt x="260" y="0"/>
-                      </a:lnTo>
-                      <a:close/>
-                    </a:path>
-                  </a:pathLst>
-                </a:custGeom>
+                <a:prstDash val="solid"/>
+                <a:miter lim="800000"/>
+              </a:ln>
+              <a:effectLst/>
+            </p:spPr>
+            <p:txBody>
+              <a:bodyPr wrap="square" lIns="45719" tIns="45719" rIns="45719" bIns="45719" numCol="1" anchor="ctr">
+                <a:noAutofit/>
+              </a:bodyPr>
+              <a:lstStyle/>
+              <a:p>
+                <a:pPr defTabSz="914400">
+                  <a:defRPr sz="1800">
+                    <a:solidFill>
+                      <a:srgbClr val="FFFFFF"/>
+                    </a:solidFill>
+                    <a:latin typeface="Calibri"/>
+                    <a:ea typeface="Calibri"/>
+                    <a:cs typeface="Calibri"/>
+                    <a:sym typeface="Calibri"/>
+                  </a:defRPr>
+                </a:pPr>
+              </a:p>
+            </p:txBody>
+          </p:sp>
+          <p:sp>
+            <p:nvSpPr>
+              <p:cNvPr id="442" name="Rectangle"/>
+              <p:cNvSpPr txBox="1"/>
+              <p:nvPr/>
+            </p:nvSpPr>
+            <p:spPr>
+              <a:xfrm>
+                <a:off x="305645" y="-1"/>
+                <a:ext cx="1004632" cy="523314"/>
+              </a:xfrm>
+              <a:prstGeom prst="rect">
+                <a:avLst/>
+              </a:prstGeom>
+              <a:noFill/>
+              <a:ln w="3175" cap="flat">
+                <a:noFill/>
+                <a:miter lim="400000"/>
+              </a:ln>
+              <a:effectLst/>
+              <a:extLst>
+                <a:ext uri="{C572A759-6A51-4108-AA02-DFA0A04FC94B}">
+                  <ma14:wrappingTextBoxFlag xmlns:ma14="http://schemas.microsoft.com/office/mac/drawingml/2011/main" val="1"/>
+                </a:ext>
+              </a:extLst>
+            </p:spPr>
+            <p:txBody>
+              <a:bodyPr wrap="square" lIns="45719" tIns="45719" rIns="45719" bIns="45719" numCol="1" anchor="ctr">
+                <a:noAutofit/>
+              </a:bodyPr>
+              <a:lstStyle>
+                <a:lvl1pPr defTabSz="914400">
+                  <a:defRPr sz="1800">
+                    <a:solidFill>
+                      <a:srgbClr val="FFFFFF"/>
+                    </a:solidFill>
+                    <a:latin typeface="Calibri"/>
+                    <a:ea typeface="Calibri"/>
+                    <a:cs typeface="Calibri"/>
+                    <a:sym typeface="Calibri"/>
+                  </a:defRPr>
+                </a:lvl1pPr>
+              </a:lstStyle>
+              <a:p>
+                <a:pPr/>
+                <a:r>
+                  <a:t>              </a:t>
+                </a:r>
+              </a:p>
+            </p:txBody>
+          </p:sp>
+        </p:grpSp>
+        <p:grpSp>
+          <p:nvGrpSpPr>
+            <p:cNvPr id="448" name="Group 381"/>
+            <p:cNvGrpSpPr/>
+            <p:nvPr/>
+          </p:nvGrpSpPr>
+          <p:grpSpPr>
+            <a:xfrm>
+              <a:off x="239945" y="91825"/>
+              <a:ext cx="1137689" cy="334646"/>
+              <a:chOff x="0" y="0"/>
+              <a:chExt cx="1137687" cy="334644"/>
+            </a:xfrm>
+          </p:grpSpPr>
+          <p:sp>
+            <p:nvSpPr>
+              <p:cNvPr id="444" name="Freeform 382"/>
+              <p:cNvSpPr/>
+              <p:nvPr/>
+            </p:nvSpPr>
+            <p:spPr>
+              <a:xfrm>
+                <a:off x="31468" y="0"/>
+                <a:ext cx="1076231" cy="187326"/>
+              </a:xfrm>
+              <a:custGeom>
+                <a:avLst/>
+                <a:gdLst/>
+                <a:ahLst/>
+                <a:cxnLst>
+                  <a:cxn ang="0">
+                    <a:pos x="wd2" y="hd2"/>
+                  </a:cxn>
+                  <a:cxn ang="5400000">
+                    <a:pos x="wd2" y="hd2"/>
+                  </a:cxn>
+                  <a:cxn ang="10800000">
+                    <a:pos x="wd2" y="hd2"/>
+                  </a:cxn>
+                  <a:cxn ang="16200000">
+                    <a:pos x="wd2" y="hd2"/>
+                  </a:cxn>
+                </a:cxnLst>
+                <a:rect l="0" t="0" r="r" b="b"/>
+                <a:pathLst>
+                  <a:path w="21600" h="21600" fill="norm" stroke="1" extrusionOk="0">
+                    <a:moveTo>
+                      <a:pt x="17365" y="0"/>
+                    </a:moveTo>
+                    <a:lnTo>
+                      <a:pt x="21600" y="4925"/>
+                    </a:lnTo>
+                    <a:lnTo>
+                      <a:pt x="18461" y="11148"/>
+                    </a:lnTo>
+                    <a:lnTo>
+                      <a:pt x="17638" y="9623"/>
+                    </a:lnTo>
+                    <a:lnTo>
+                      <a:pt x="10634" y="21600"/>
+                    </a:lnTo>
+                    <a:lnTo>
+                      <a:pt x="4216" y="9406"/>
+                    </a:lnTo>
+                    <a:lnTo>
+                      <a:pt x="2885" y="11148"/>
+                    </a:lnTo>
+                    <a:lnTo>
+                      <a:pt x="0" y="5658"/>
+                    </a:lnTo>
+                    <a:lnTo>
+                      <a:pt x="4216" y="348"/>
+                    </a:lnTo>
+                    <a:lnTo>
+                      <a:pt x="10742" y="12674"/>
+                    </a:lnTo>
+                    <a:lnTo>
+                      <a:pt x="17365" y="0"/>
+                    </a:lnTo>
+                    <a:close/>
+                  </a:path>
+                </a:pathLst>
+              </a:custGeom>
+              <a:solidFill>
+                <a:srgbClr val="0000A3"/>
+              </a:solidFill>
+              <a:ln w="3175" cap="flat">
+                <a:noFill/>
+                <a:miter lim="400000"/>
+              </a:ln>
+              <a:effectLst/>
+            </p:spPr>
+            <p:txBody>
+              <a:bodyPr wrap="square" lIns="45719" tIns="45719" rIns="45719" bIns="45719" numCol="1" anchor="ctr">
+                <a:noAutofit/>
+              </a:bodyPr>
+              <a:lstStyle/>
+              <a:p>
+                <a:pPr defTabSz="914400">
+                  <a:defRPr sz="1800">
+                    <a:solidFill>
+                      <a:srgbClr val="FFFFFF"/>
+                    </a:solidFill>
+                    <a:latin typeface="Calibri"/>
+                    <a:ea typeface="Calibri"/>
+                    <a:cs typeface="Calibri"/>
+                    <a:sym typeface="Calibri"/>
+                  </a:defRPr>
+                </a:pPr>
+              </a:p>
+            </p:txBody>
+          </p:sp>
+          <p:sp>
+            <p:nvSpPr>
+              <p:cNvPr id="445" name="Freeform 383"/>
+              <p:cNvSpPr/>
+              <p:nvPr/>
+            </p:nvSpPr>
+            <p:spPr>
+              <a:xfrm>
+                <a:off x="735866" y="160236"/>
+                <a:ext cx="401822" cy="161281"/>
+              </a:xfrm>
+              <a:custGeom>
+                <a:avLst/>
+                <a:gdLst/>
+                <a:ahLst/>
+                <a:cxnLst>
+                  <a:cxn ang="0">
+                    <a:pos x="wd2" y="hd2"/>
+                  </a:cxn>
+                  <a:cxn ang="5400000">
+                    <a:pos x="wd2" y="hd2"/>
+                  </a:cxn>
+                  <a:cxn ang="10800000">
+                    <a:pos x="wd2" y="hd2"/>
+                  </a:cxn>
+                  <a:cxn ang="16200000">
+                    <a:pos x="wd2" y="hd2"/>
+                  </a:cxn>
+                </a:cxnLst>
+                <a:rect l="0" t="0" r="r" b="b"/>
+                <a:pathLst>
+                  <a:path w="21600" h="21600" fill="norm" stroke="1" extrusionOk="0">
+                    <a:moveTo>
+                      <a:pt x="260" y="0"/>
+                    </a:moveTo>
+                    <a:lnTo>
+                      <a:pt x="21600" y="16577"/>
+                    </a:lnTo>
+                    <a:lnTo>
+                      <a:pt x="14183" y="21600"/>
+                    </a:lnTo>
+                    <a:lnTo>
+                      <a:pt x="0" y="10800"/>
+                    </a:lnTo>
+                    <a:lnTo>
+                      <a:pt x="260" y="0"/>
+                    </a:lnTo>
+                    <a:close/>
+                  </a:path>
+                </a:pathLst>
+              </a:custGeom>
+              <a:solidFill>
+                <a:srgbClr val="0000A3"/>
+              </a:solidFill>
+              <a:ln w="3175" cap="flat">
+                <a:noFill/>
+                <a:miter lim="400000"/>
+              </a:ln>
+              <a:effectLst/>
+            </p:spPr>
+            <p:txBody>
+              <a:bodyPr wrap="square" lIns="45719" tIns="45719" rIns="45719" bIns="45719" numCol="1" anchor="ctr">
+                <a:noAutofit/>
+              </a:bodyPr>
+              <a:lstStyle/>
+              <a:p>
+                <a:pPr defTabSz="914400">
+                  <a:defRPr sz="1800">
+                    <a:solidFill>
+                      <a:srgbClr val="FFFFFF"/>
+                    </a:solidFill>
+                    <a:latin typeface="Calibri"/>
+                    <a:ea typeface="Calibri"/>
+                    <a:cs typeface="Calibri"/>
+                    <a:sym typeface="Calibri"/>
+                  </a:defRPr>
+                </a:pPr>
+              </a:p>
+            </p:txBody>
+          </p:sp>
+          <p:sp>
+            <p:nvSpPr>
+              <p:cNvPr id="446" name="Freeform 384"/>
+              <p:cNvSpPr/>
+              <p:nvPr/>
+            </p:nvSpPr>
+            <p:spPr>
+              <a:xfrm>
+                <a:off x="-1" y="160236"/>
+                <a:ext cx="394561" cy="159405"/>
+              </a:xfrm>
+              <a:custGeom>
+                <a:avLst/>
+                <a:gdLst/>
+                <a:ahLst/>
+                <a:cxnLst>
+                  <a:cxn ang="0">
+                    <a:pos x="wd2" y="hd2"/>
+                  </a:cxn>
+                  <a:cxn ang="5400000">
+                    <a:pos x="wd2" y="hd2"/>
+                  </a:cxn>
+                  <a:cxn ang="10800000">
+                    <a:pos x="wd2" y="hd2"/>
+                  </a:cxn>
+                  <a:cxn ang="16200000">
+                    <a:pos x="wd2" y="hd2"/>
+                  </a:cxn>
+                </a:cxnLst>
+                <a:rect l="0" t="0" r="r" b="b"/>
+                <a:pathLst>
+                  <a:path w="21600" h="21600" fill="norm" stroke="1" extrusionOk="0">
+                    <a:moveTo>
+                      <a:pt x="21467" y="0"/>
+                    </a:moveTo>
+                    <a:lnTo>
+                      <a:pt x="21600" y="11435"/>
+                    </a:lnTo>
+                    <a:lnTo>
+                      <a:pt x="7288" y="21600"/>
+                    </a:lnTo>
+                    <a:lnTo>
+                      <a:pt x="0" y="16772"/>
+                    </a:lnTo>
+                    <a:lnTo>
+                      <a:pt x="21467" y="0"/>
+                    </a:lnTo>
+                    <a:close/>
+                  </a:path>
+                </a:pathLst>
+              </a:custGeom>
+              <a:solidFill>
+                <a:srgbClr val="0000A8"/>
+              </a:solidFill>
+              <a:ln w="3175" cap="flat">
+                <a:noFill/>
+                <a:miter lim="400000"/>
+              </a:ln>
+              <a:effectLst/>
+            </p:spPr>
+            <p:txBody>
+              <a:bodyPr wrap="square" lIns="45719" tIns="45719" rIns="45719" bIns="45719" numCol="1" anchor="ctr">
+                <a:noAutofit/>
+              </a:bodyPr>
+              <a:lstStyle/>
+              <a:p>
+                <a:pPr defTabSz="914400">
+                  <a:defRPr sz="1800">
+                    <a:solidFill>
+                      <a:srgbClr val="FFFFFF"/>
+                    </a:solidFill>
+                    <a:latin typeface="Calibri"/>
+                    <a:ea typeface="Calibri"/>
+                    <a:cs typeface="Calibri"/>
+                    <a:sym typeface="Calibri"/>
+                  </a:defRPr>
+                </a:pPr>
+              </a:p>
+            </p:txBody>
+          </p:sp>
+          <p:sp>
+            <p:nvSpPr>
+              <p:cNvPr id="447" name="Freeform 385"/>
+              <p:cNvSpPr/>
+              <p:nvPr/>
+            </p:nvSpPr>
+            <p:spPr>
+              <a:xfrm>
+                <a:off x="136971" y="81473"/>
+                <a:ext cx="857899" cy="253172"/>
+              </a:xfrm>
+              <a:custGeom>
+                <a:avLst/>
+                <a:gdLst/>
+                <a:ahLst/>
+                <a:cxnLst>
+                  <a:cxn ang="0">
+                    <a:pos x="wd2" y="hd2"/>
+                  </a:cxn>
+                  <a:cxn ang="5400000">
+                    <a:pos x="wd2" y="hd2"/>
+                  </a:cxn>
+                  <a:cxn ang="10800000">
+                    <a:pos x="wd2" y="hd2"/>
+                  </a:cxn>
+                  <a:cxn ang="16200000">
+                    <a:pos x="wd2" y="hd2"/>
+                  </a:cxn>
+                </a:cxnLst>
+                <a:rect l="0" t="0" r="r" b="b"/>
+                <a:pathLst>
+                  <a:path w="21600" h="21600" fill="norm" stroke="1" extrusionOk="0">
+                    <a:moveTo>
+                      <a:pt x="939" y="1120"/>
+                    </a:moveTo>
+                    <a:lnTo>
+                      <a:pt x="2585" y="0"/>
+                    </a:lnTo>
+                    <a:lnTo>
+                      <a:pt x="10744" y="9007"/>
+                    </a:lnTo>
+                    <a:lnTo>
+                      <a:pt x="19467" y="0"/>
+                    </a:lnTo>
+                    <a:lnTo>
+                      <a:pt x="20747" y="1120"/>
+                    </a:lnTo>
+                    <a:lnTo>
+                      <a:pt x="15265" y="6833"/>
+                    </a:lnTo>
+                    <a:lnTo>
+                      <a:pt x="15222" y="13740"/>
+                    </a:lnTo>
+                    <a:lnTo>
+                      <a:pt x="21600" y="20480"/>
+                    </a:lnTo>
+                    <a:lnTo>
+                      <a:pt x="19954" y="21440"/>
+                    </a:lnTo>
+                    <a:lnTo>
+                      <a:pt x="10813" y="11360"/>
+                    </a:lnTo>
+                    <a:lnTo>
+                      <a:pt x="1488" y="21600"/>
+                    </a:lnTo>
+                    <a:lnTo>
+                      <a:pt x="0" y="20263"/>
+                    </a:lnTo>
+                    <a:lnTo>
+                      <a:pt x="6457" y="13760"/>
+                    </a:lnTo>
+                    <a:cubicBezTo>
+                      <a:pt x="6457" y="11573"/>
+                      <a:pt x="6392" y="9067"/>
+                      <a:pt x="6392" y="6880"/>
+                    </a:cubicBezTo>
+                    <a:lnTo>
+                      <a:pt x="1061" y="1280"/>
+                    </a:lnTo>
+                    <a:cubicBezTo>
+                      <a:pt x="153" y="320"/>
+                      <a:pt x="980" y="1173"/>
+                      <a:pt x="939" y="1120"/>
+                    </a:cubicBezTo>
+                    <a:close/>
+                  </a:path>
+                </a:pathLst>
+              </a:custGeom>
+              <a:solidFill>
+                <a:srgbClr val="8FAADC"/>
+              </a:solidFill>
+              <a:ln w="3175" cap="flat">
+                <a:noFill/>
+                <a:miter lim="400000"/>
+              </a:ln>
+              <a:effectLst/>
+            </p:spPr>
+            <p:txBody>
+              <a:bodyPr wrap="square" lIns="45719" tIns="45719" rIns="45719" bIns="45719" numCol="1" anchor="ctr">
+                <a:noAutofit/>
+              </a:bodyPr>
+              <a:lstStyle/>
+              <a:p>
+                <a:pPr defTabSz="914400">
+                  <a:defRPr sz="1800">
+                    <a:solidFill>
+                      <a:srgbClr val="FFFFFF"/>
+                    </a:solidFill>
+                    <a:latin typeface="Calibri"/>
+                    <a:ea typeface="Calibri"/>
+                    <a:cs typeface="Calibri"/>
+                    <a:sym typeface="Calibri"/>
+                  </a:defRPr>
+                </a:pPr>
+              </a:p>
+            </p:txBody>
+          </p:sp>
+        </p:grpSp>
+      </p:grpSp>
+      <p:sp>
+        <p:nvSpPr>
+          <p:cNvPr id="450" name="HB"/>
+          <p:cNvSpPr txBox="1"/>
+          <p:nvPr/>
+        </p:nvSpPr>
+        <p:spPr>
+          <a:xfrm>
+            <a:off x="10604946" y="1765301"/>
+            <a:ext cx="561966" cy="583719"/>
+          </a:xfrm>
+          <a:prstGeom prst="rect">
+            <a:avLst/>
+          </a:prstGeom>
+          <a:ln w="3175">
+            <a:miter lim="400000"/>
+          </a:ln>
+          <a:extLst>
+            <a:ext uri="{C572A759-6A51-4108-AA02-DFA0A04FC94B}">
+              <ma14:wrappingTextBoxFlag xmlns:ma14="http://schemas.microsoft.com/office/mac/drawingml/2011/main" val="1"/>
+            </a:ext>
+          </a:extLst>
+        </p:spPr>
+        <p:txBody>
+          <a:bodyPr lIns="27093" tIns="27093" rIns="27093" bIns="27093" anchor="ctr"/>
+          <a:lstStyle>
+            <a:lvl1pPr>
+              <a:defRPr b="1" sz="2400"/>
+            </a:lvl1pPr>
+          </a:lstStyle>
+          <a:p>
+            <a:pPr/>
+            <a:r>
+              <a:t>HB</a:t>
+            </a:r>
+          </a:p>
+        </p:txBody>
+      </p:sp>
+      <p:sp>
+        <p:nvSpPr>
+          <p:cNvPr id="451" name="HA"/>
+          <p:cNvSpPr txBox="1"/>
+          <p:nvPr/>
+        </p:nvSpPr>
+        <p:spPr>
+          <a:xfrm>
+            <a:off x="1531889" y="2006360"/>
+            <a:ext cx="568680" cy="583719"/>
+          </a:xfrm>
+          <a:prstGeom prst="rect">
+            <a:avLst/>
+          </a:prstGeom>
+          <a:ln w="3175">
+            <a:miter lim="400000"/>
+          </a:ln>
+          <a:extLst>
+            <a:ext uri="{C572A759-6A51-4108-AA02-DFA0A04FC94B}">
+              <ma14:wrappingTextBoxFlag xmlns:ma14="http://schemas.microsoft.com/office/mac/drawingml/2011/main" val="1"/>
+            </a:ext>
+          </a:extLst>
+        </p:spPr>
+        <p:txBody>
+          <a:bodyPr lIns="27093" tIns="27093" rIns="27093" bIns="27093" anchor="ctr"/>
+          <a:lstStyle>
+            <a:lvl1pPr>
+              <a:defRPr b="1" sz="2400"/>
+            </a:lvl1pPr>
+          </a:lstStyle>
+          <a:p>
+            <a:pPr/>
+            <a:r>
+              <a:t>HA</a:t>
+            </a:r>
+          </a:p>
+        </p:txBody>
+      </p:sp>
+      <p:sp>
+        <p:nvSpPr>
+          <p:cNvPr id="452" name="R1"/>
+          <p:cNvSpPr txBox="1"/>
+          <p:nvPr/>
+        </p:nvSpPr>
+        <p:spPr>
+          <a:xfrm>
+            <a:off x="4337535" y="2572272"/>
+            <a:ext cx="564367" cy="583719"/>
+          </a:xfrm>
+          <a:prstGeom prst="rect">
+            <a:avLst/>
+          </a:prstGeom>
+          <a:ln w="3175">
+            <a:miter lim="400000"/>
+          </a:ln>
+          <a:extLst>
+            <a:ext uri="{C572A759-6A51-4108-AA02-DFA0A04FC94B}">
+              <ma14:wrappingTextBoxFlag xmlns:ma14="http://schemas.microsoft.com/office/mac/drawingml/2011/main" val="1"/>
+            </a:ext>
+          </a:extLst>
+        </p:spPr>
+        <p:txBody>
+          <a:bodyPr lIns="27093" tIns="27093" rIns="27093" bIns="27093" anchor="ctr"/>
+          <a:lstStyle/>
+          <a:p>
+            <a:pPr>
+              <a:defRPr b="1" sz="2400"/>
+            </a:pPr>
+            <a:r>
+              <a:t>R</a:t>
+            </a:r>
+            <a:r>
+              <a:rPr baseline="-5999"/>
+              <a:t>1</a:t>
+            </a:r>
+          </a:p>
+        </p:txBody>
+      </p:sp>
+      <p:sp>
+        <p:nvSpPr>
+          <p:cNvPr id="453" name="R2"/>
+          <p:cNvSpPr txBox="1"/>
+          <p:nvPr/>
+        </p:nvSpPr>
+        <p:spPr>
+          <a:xfrm>
+            <a:off x="7870553" y="2572272"/>
+            <a:ext cx="564366" cy="583719"/>
+          </a:xfrm>
+          <a:prstGeom prst="rect">
+            <a:avLst/>
+          </a:prstGeom>
+          <a:ln w="3175">
+            <a:miter lim="400000"/>
+          </a:ln>
+          <a:extLst>
+            <a:ext uri="{C572A759-6A51-4108-AA02-DFA0A04FC94B}">
+              <ma14:wrappingTextBoxFlag xmlns:ma14="http://schemas.microsoft.com/office/mac/drawingml/2011/main" val="1"/>
+            </a:ext>
+          </a:extLst>
+        </p:spPr>
+        <p:txBody>
+          <a:bodyPr lIns="27093" tIns="27093" rIns="27093" bIns="27093" anchor="ctr"/>
+          <a:lstStyle/>
+          <a:p>
+            <a:pPr>
+              <a:defRPr b="1" sz="2400"/>
+            </a:pPr>
+            <a:r>
+              <a:t>R</a:t>
+            </a:r>
+            <a:r>
+              <a:rPr baseline="-5999"/>
+              <a:t>2</a:t>
+            </a:r>
+          </a:p>
+        </p:txBody>
+      </p:sp>
+      <p:sp>
+        <p:nvSpPr>
+          <p:cNvPr id="454" name="Line"/>
+          <p:cNvSpPr/>
+          <p:nvPr/>
+        </p:nvSpPr>
+        <p:spPr>
+          <a:xfrm>
+            <a:off x="5412490" y="2703467"/>
+            <a:ext cx="1856021" cy="1"/>
+          </a:xfrm>
+          <a:prstGeom prst="line">
+            <a:avLst/>
+          </a:prstGeom>
+          <a:ln w="38100">
+            <a:solidFill>
+              <a:srgbClr val="000000"/>
+            </a:solidFill>
+            <a:miter lim="400000"/>
+          </a:ln>
+        </p:spPr>
+        <p:txBody>
+          <a:bodyPr lIns="27093" tIns="27093" rIns="27093" bIns="27093" anchor="ctr"/>
+          <a:lstStyle/>
+          <a:p>
+            <a:pPr/>
+          </a:p>
+        </p:txBody>
+      </p:sp>
+      <p:sp>
+        <p:nvSpPr>
+          <p:cNvPr id="455" name="Line"/>
+          <p:cNvSpPr/>
+          <p:nvPr/>
+        </p:nvSpPr>
+        <p:spPr>
+          <a:xfrm>
+            <a:off x="8885583" y="2501349"/>
+            <a:ext cx="1856020" cy="1"/>
+          </a:xfrm>
+          <a:prstGeom prst="line">
+            <a:avLst/>
+          </a:prstGeom>
+          <a:ln w="38100">
+            <a:solidFill>
+              <a:srgbClr val="000000"/>
+            </a:solidFill>
+            <a:miter lim="400000"/>
+          </a:ln>
+        </p:spPr>
+        <p:txBody>
+          <a:bodyPr lIns="27093" tIns="27093" rIns="27093" bIns="27093" anchor="ctr"/>
+          <a:lstStyle/>
+          <a:p>
+            <a:pPr/>
+          </a:p>
+        </p:txBody>
+      </p:sp>
+      <p:sp>
+        <p:nvSpPr>
+          <p:cNvPr id="456" name="Line"/>
+          <p:cNvSpPr/>
+          <p:nvPr/>
+        </p:nvSpPr>
+        <p:spPr>
+          <a:xfrm>
+            <a:off x="2092906" y="2703467"/>
+            <a:ext cx="1617882" cy="1"/>
+          </a:xfrm>
+          <a:prstGeom prst="line">
+            <a:avLst/>
+          </a:prstGeom>
+          <a:ln w="38100">
+            <a:solidFill>
+              <a:srgbClr val="000000"/>
+            </a:solidFill>
+            <a:miter lim="400000"/>
+          </a:ln>
+        </p:spPr>
+        <p:txBody>
+          <a:bodyPr lIns="27093" tIns="27093" rIns="27093" bIns="27093" anchor="ctr"/>
+          <a:lstStyle/>
+          <a:p>
+            <a:pPr/>
+          </a:p>
+        </p:txBody>
+      </p:sp>
+      <p:sp>
+        <p:nvSpPr>
+          <p:cNvPr id="457" name="Network-1…"/>
+          <p:cNvSpPr txBox="1"/>
+          <p:nvPr/>
+        </p:nvSpPr>
+        <p:spPr>
+          <a:xfrm>
+            <a:off x="2151211" y="1944331"/>
+            <a:ext cx="1320835" cy="505698"/>
+          </a:xfrm>
+          <a:prstGeom prst="rect">
+            <a:avLst/>
+          </a:prstGeom>
+          <a:ln w="3175">
+            <a:miter lim="400000"/>
+          </a:ln>
+          <a:extLst>
+            <a:ext uri="{C572A759-6A51-4108-AA02-DFA0A04FC94B}">
+              <ma14:wrappingTextBoxFlag xmlns:ma14="http://schemas.microsoft.com/office/mac/drawingml/2011/main" val="1"/>
+            </a:ext>
+          </a:extLst>
+        </p:spPr>
+        <p:txBody>
+          <a:bodyPr wrap="none" lIns="27093" tIns="27093" rIns="27093" bIns="27093" anchor="ctr">
+            <a:spAutoFit/>
+          </a:bodyPr>
+          <a:lstStyle/>
+          <a:p>
+            <a:pPr/>
+            <a:r>
+              <a:t>Network-1</a:t>
+            </a:r>
+          </a:p>
+          <a:p>
+            <a:pPr/>
+            <a:r>
+              <a:t>172.21.4.0/24</a:t>
+            </a:r>
+          </a:p>
+        </p:txBody>
+      </p:sp>
+      <p:sp>
+        <p:nvSpPr>
+          <p:cNvPr id="458" name="Network-5…"/>
+          <p:cNvSpPr txBox="1"/>
+          <p:nvPr/>
+        </p:nvSpPr>
+        <p:spPr>
+          <a:xfrm>
+            <a:off x="5398666" y="2084381"/>
+            <a:ext cx="1320835" cy="505698"/>
+          </a:xfrm>
+          <a:prstGeom prst="rect">
+            <a:avLst/>
+          </a:prstGeom>
+          <a:ln w="3175">
+            <a:miter lim="400000"/>
+          </a:ln>
+          <a:extLst>
+            <a:ext uri="{C572A759-6A51-4108-AA02-DFA0A04FC94B}">
+              <ma14:wrappingTextBoxFlag xmlns:ma14="http://schemas.microsoft.com/office/mac/drawingml/2011/main" val="1"/>
+            </a:ext>
+          </a:extLst>
+        </p:spPr>
+        <p:txBody>
+          <a:bodyPr wrap="none" lIns="27093" tIns="27093" rIns="27093" bIns="27093" anchor="ctr">
+            <a:spAutoFit/>
+          </a:bodyPr>
+          <a:lstStyle/>
+          <a:p>
+            <a:pPr/>
+            <a:r>
+              <a:t>Network-5</a:t>
+            </a:r>
+          </a:p>
+          <a:p>
+            <a:pPr/>
+            <a:r>
+              <a:t>172.21.1.8/29</a:t>
+            </a:r>
+          </a:p>
+        </p:txBody>
+      </p:sp>
+      <p:sp>
+        <p:nvSpPr>
+          <p:cNvPr id="459" name="Network-2…"/>
+          <p:cNvSpPr txBox="1"/>
+          <p:nvPr/>
+        </p:nvSpPr>
+        <p:spPr>
+          <a:xfrm>
+            <a:off x="9153176" y="1655004"/>
+            <a:ext cx="1320835" cy="505698"/>
+          </a:xfrm>
+          <a:prstGeom prst="rect">
+            <a:avLst/>
+          </a:prstGeom>
+          <a:ln w="3175">
+            <a:miter lim="400000"/>
+          </a:ln>
+          <a:extLst>
+            <a:ext uri="{C572A759-6A51-4108-AA02-DFA0A04FC94B}">
+              <ma14:wrappingTextBoxFlag xmlns:ma14="http://schemas.microsoft.com/office/mac/drawingml/2011/main" val="1"/>
+            </a:ext>
+          </a:extLst>
+        </p:spPr>
+        <p:txBody>
+          <a:bodyPr wrap="none" lIns="27093" tIns="27093" rIns="27093" bIns="27093" anchor="ctr">
+            <a:spAutoFit/>
+          </a:bodyPr>
+          <a:lstStyle/>
+          <a:p>
+            <a:pPr/>
+            <a:r>
+              <a:t>Network-2</a:t>
+            </a:r>
+          </a:p>
+          <a:p>
+            <a:pPr/>
+            <a:r>
+              <a:t>172.21.5.0/24</a:t>
+            </a:r>
+          </a:p>
+        </p:txBody>
+      </p:sp>
+      <p:sp>
+        <p:nvSpPr>
+          <p:cNvPr id="460" name="172.21.4.5"/>
+          <p:cNvSpPr txBox="1"/>
+          <p:nvPr/>
+        </p:nvSpPr>
+        <p:spPr>
+          <a:xfrm>
+            <a:off x="1727204" y="2995633"/>
+            <a:ext cx="1027211" cy="277098"/>
+          </a:xfrm>
+          <a:prstGeom prst="rect">
+            <a:avLst/>
+          </a:prstGeom>
+          <a:ln w="3175">
+            <a:miter lim="400000"/>
+          </a:ln>
+          <a:extLst>
+            <a:ext uri="{C572A759-6A51-4108-AA02-DFA0A04FC94B}">
+              <ma14:wrappingTextBoxFlag xmlns:ma14="http://schemas.microsoft.com/office/mac/drawingml/2011/main" val="1"/>
+            </a:ext>
+          </a:extLst>
+        </p:spPr>
+        <p:txBody>
+          <a:bodyPr wrap="none" lIns="27093" tIns="27093" rIns="27093" bIns="27093" anchor="ctr">
+            <a:spAutoFit/>
+          </a:bodyPr>
+          <a:lstStyle/>
+          <a:p>
+            <a:pPr/>
+            <a:r>
+              <a:t>172.21.4.5</a:t>
+            </a:r>
+          </a:p>
+        </p:txBody>
+      </p:sp>
+      <p:sp>
+        <p:nvSpPr>
+          <p:cNvPr id="461" name="eth0"/>
+          <p:cNvSpPr txBox="1"/>
+          <p:nvPr/>
+        </p:nvSpPr>
+        <p:spPr>
+          <a:xfrm>
+            <a:off x="4020464" y="2960350"/>
+            <a:ext cx="428313" cy="277098"/>
+          </a:xfrm>
+          <a:prstGeom prst="rect">
+            <a:avLst/>
+          </a:prstGeom>
+          <a:ln w="3175">
+            <a:miter lim="400000"/>
+          </a:ln>
+          <a:extLst>
+            <a:ext uri="{C572A759-6A51-4108-AA02-DFA0A04FC94B}">
+              <ma14:wrappingTextBoxFlag xmlns:ma14="http://schemas.microsoft.com/office/mac/drawingml/2011/main" val="1"/>
+            </a:ext>
+          </a:extLst>
+        </p:spPr>
+        <p:txBody>
+          <a:bodyPr wrap="none" lIns="27093" tIns="27093" rIns="27093" bIns="27093" anchor="ctr">
+            <a:spAutoFit/>
+          </a:bodyPr>
+          <a:lstStyle/>
+          <a:p>
+            <a:pPr/>
+            <a:r>
+              <a:t>eth</a:t>
+            </a:r>
+            <a:r>
+              <a:rPr baseline="-5999"/>
+              <a:t>0</a:t>
+            </a:r>
+          </a:p>
+        </p:txBody>
+      </p:sp>
+      <p:sp>
+        <p:nvSpPr>
+          <p:cNvPr id="462" name="172.21.1.2"/>
+          <p:cNvSpPr txBox="1"/>
+          <p:nvPr/>
+        </p:nvSpPr>
+        <p:spPr>
+          <a:xfrm>
+            <a:off x="3471763" y="3193023"/>
+            <a:ext cx="1027210" cy="277098"/>
+          </a:xfrm>
+          <a:prstGeom prst="rect">
+            <a:avLst/>
+          </a:prstGeom>
+          <a:ln w="3175">
+            <a:miter lim="400000"/>
+          </a:ln>
+          <a:extLst>
+            <a:ext uri="{C572A759-6A51-4108-AA02-DFA0A04FC94B}">
+              <ma14:wrappingTextBoxFlag xmlns:ma14="http://schemas.microsoft.com/office/mac/drawingml/2011/main" val="1"/>
+            </a:ext>
+          </a:extLst>
+        </p:spPr>
+        <p:txBody>
+          <a:bodyPr wrap="none" lIns="27093" tIns="27093" rIns="27093" bIns="27093" anchor="ctr">
+            <a:spAutoFit/>
+          </a:bodyPr>
+          <a:lstStyle/>
+          <a:p>
+            <a:pPr/>
+            <a:r>
+              <a:t>172.21.1.2</a:t>
+            </a:r>
+          </a:p>
+        </p:txBody>
+      </p:sp>
+      <p:sp>
+        <p:nvSpPr>
+          <p:cNvPr id="463" name="172.21.1.10"/>
+          <p:cNvSpPr txBox="1"/>
+          <p:nvPr/>
+        </p:nvSpPr>
+        <p:spPr>
+          <a:xfrm>
+            <a:off x="5014974" y="2903141"/>
+            <a:ext cx="1140190" cy="277098"/>
+          </a:xfrm>
+          <a:prstGeom prst="rect">
+            <a:avLst/>
+          </a:prstGeom>
+          <a:ln w="3175">
+            <a:miter lim="400000"/>
+          </a:ln>
+          <a:extLst>
+            <a:ext uri="{C572A759-6A51-4108-AA02-DFA0A04FC94B}">
+              <ma14:wrappingTextBoxFlag xmlns:ma14="http://schemas.microsoft.com/office/mac/drawingml/2011/main" val="1"/>
+            </a:ext>
+          </a:extLst>
+        </p:spPr>
+        <p:txBody>
+          <a:bodyPr wrap="none" lIns="27093" tIns="27093" rIns="27093" bIns="27093" anchor="ctr">
+            <a:spAutoFit/>
+          </a:bodyPr>
+          <a:lstStyle/>
+          <a:p>
+            <a:pPr/>
+            <a:r>
+              <a:t>172.21.1.10</a:t>
+            </a:r>
+          </a:p>
+        </p:txBody>
+      </p:sp>
+      <p:sp>
+        <p:nvSpPr>
+          <p:cNvPr id="464" name="172.21.1.14"/>
+          <p:cNvSpPr txBox="1"/>
+          <p:nvPr/>
+        </p:nvSpPr>
+        <p:spPr>
+          <a:xfrm>
+            <a:off x="6189716" y="2702526"/>
+            <a:ext cx="1140190" cy="277098"/>
+          </a:xfrm>
+          <a:prstGeom prst="rect">
+            <a:avLst/>
+          </a:prstGeom>
+          <a:ln w="3175">
+            <a:miter lim="400000"/>
+          </a:ln>
+          <a:extLst>
+            <a:ext uri="{C572A759-6A51-4108-AA02-DFA0A04FC94B}">
+              <ma14:wrappingTextBoxFlag xmlns:ma14="http://schemas.microsoft.com/office/mac/drawingml/2011/main" val="1"/>
+            </a:ext>
+          </a:extLst>
+        </p:spPr>
+        <p:txBody>
+          <a:bodyPr wrap="none" lIns="27093" tIns="27093" rIns="27093" bIns="27093" anchor="ctr">
+            <a:spAutoFit/>
+          </a:bodyPr>
+          <a:lstStyle/>
+          <a:p>
+            <a:pPr/>
+            <a:r>
+              <a:t>172.21.1.14</a:t>
+            </a:r>
+          </a:p>
+        </p:txBody>
+      </p:sp>
+      <p:sp>
+        <p:nvSpPr>
+          <p:cNvPr id="465" name="172.21.5.2"/>
+          <p:cNvSpPr txBox="1"/>
+          <p:nvPr/>
+        </p:nvSpPr>
+        <p:spPr>
+          <a:xfrm>
+            <a:off x="8909177" y="2485009"/>
+            <a:ext cx="1027211" cy="277098"/>
+          </a:xfrm>
+          <a:prstGeom prst="rect">
+            <a:avLst/>
+          </a:prstGeom>
+          <a:ln w="3175">
+            <a:miter lim="400000"/>
+          </a:ln>
+          <a:extLst>
+            <a:ext uri="{C572A759-6A51-4108-AA02-DFA0A04FC94B}">
+              <ma14:wrappingTextBoxFlag xmlns:ma14="http://schemas.microsoft.com/office/mac/drawingml/2011/main" val="1"/>
+            </a:ext>
+          </a:extLst>
+        </p:spPr>
+        <p:txBody>
+          <a:bodyPr wrap="none" lIns="27093" tIns="27093" rIns="27093" bIns="27093" anchor="ctr">
+            <a:spAutoFit/>
+          </a:bodyPr>
+          <a:lstStyle/>
+          <a:p>
+            <a:pPr/>
+            <a:r>
+              <a:t>172.21.5.2</a:t>
+            </a:r>
+          </a:p>
+        </p:txBody>
+      </p:sp>
+      <p:sp>
+        <p:nvSpPr>
+          <p:cNvPr id="466" name="eth1"/>
+          <p:cNvSpPr txBox="1"/>
+          <p:nvPr/>
+        </p:nvSpPr>
+        <p:spPr>
+          <a:xfrm>
+            <a:off x="5363548" y="2677911"/>
+            <a:ext cx="428312" cy="277098"/>
+          </a:xfrm>
+          <a:prstGeom prst="rect">
+            <a:avLst/>
+          </a:prstGeom>
+          <a:ln w="3175">
+            <a:miter lim="400000"/>
+          </a:ln>
+          <a:extLst>
+            <a:ext uri="{C572A759-6A51-4108-AA02-DFA0A04FC94B}">
+              <ma14:wrappingTextBoxFlag xmlns:ma14="http://schemas.microsoft.com/office/mac/drawingml/2011/main" val="1"/>
+            </a:ext>
+          </a:extLst>
+        </p:spPr>
+        <p:txBody>
+          <a:bodyPr wrap="none" lIns="27093" tIns="27093" rIns="27093" bIns="27093" anchor="ctr">
+            <a:spAutoFit/>
+          </a:bodyPr>
+          <a:lstStyle/>
+          <a:p>
+            <a:pPr/>
+            <a:r>
+              <a:t>eth</a:t>
+            </a:r>
+            <a:r>
+              <a:rPr baseline="-5999"/>
+              <a:t>1</a:t>
+            </a:r>
+          </a:p>
+        </p:txBody>
+      </p:sp>
+      <p:sp>
+        <p:nvSpPr>
+          <p:cNvPr id="467" name="eth1"/>
+          <p:cNvSpPr txBox="1"/>
+          <p:nvPr/>
+        </p:nvSpPr>
+        <p:spPr>
+          <a:xfrm>
+            <a:off x="6861058" y="2450999"/>
+            <a:ext cx="428312" cy="277098"/>
+          </a:xfrm>
+          <a:prstGeom prst="rect">
+            <a:avLst/>
+          </a:prstGeom>
+          <a:ln w="3175">
+            <a:miter lim="400000"/>
+          </a:ln>
+          <a:extLst>
+            <a:ext uri="{C572A759-6A51-4108-AA02-DFA0A04FC94B}">
+              <ma14:wrappingTextBoxFlag xmlns:ma14="http://schemas.microsoft.com/office/mac/drawingml/2011/main" val="1"/>
+            </a:ext>
+          </a:extLst>
+        </p:spPr>
+        <p:txBody>
+          <a:bodyPr wrap="none" lIns="27093" tIns="27093" rIns="27093" bIns="27093" anchor="ctr">
+            <a:spAutoFit/>
+          </a:bodyPr>
+          <a:lstStyle/>
+          <a:p>
+            <a:pPr/>
+            <a:r>
+              <a:t>eth</a:t>
+            </a:r>
+            <a:r>
+              <a:rPr baseline="-5999"/>
+              <a:t>1</a:t>
+            </a:r>
+          </a:p>
+        </p:txBody>
+      </p:sp>
+      <p:sp>
+        <p:nvSpPr>
+          <p:cNvPr id="468" name="eth2"/>
+          <p:cNvSpPr txBox="1"/>
+          <p:nvPr/>
+        </p:nvSpPr>
+        <p:spPr>
+          <a:xfrm>
+            <a:off x="8909177" y="2205202"/>
+            <a:ext cx="428313" cy="277098"/>
+          </a:xfrm>
+          <a:prstGeom prst="rect">
+            <a:avLst/>
+          </a:prstGeom>
+          <a:ln w="3175">
+            <a:miter lim="400000"/>
+          </a:ln>
+          <a:extLst>
+            <a:ext uri="{C572A759-6A51-4108-AA02-DFA0A04FC94B}">
+              <ma14:wrappingTextBoxFlag xmlns:ma14="http://schemas.microsoft.com/office/mac/drawingml/2011/main" val="1"/>
+            </a:ext>
+          </a:extLst>
+        </p:spPr>
+        <p:txBody>
+          <a:bodyPr wrap="none" lIns="27093" tIns="27093" rIns="27093" bIns="27093" anchor="ctr">
+            <a:spAutoFit/>
+          </a:bodyPr>
+          <a:lstStyle/>
+          <a:p>
+            <a:pPr/>
+            <a:r>
+              <a:t>eth</a:t>
+            </a:r>
+            <a:r>
+              <a:rPr baseline="-5999"/>
+              <a:t>2</a:t>
+            </a:r>
+          </a:p>
+        </p:txBody>
+      </p:sp>
+      <p:grpSp>
+        <p:nvGrpSpPr>
+          <p:cNvPr id="480" name="Group 378"/>
+          <p:cNvGrpSpPr/>
+          <p:nvPr/>
+        </p:nvGrpSpPr>
+        <p:grpSpPr>
+          <a:xfrm>
+            <a:off x="5668686" y="4686234"/>
+            <a:ext cx="1617882" cy="769121"/>
+            <a:chOff x="0" y="0"/>
+            <a:chExt cx="1617881" cy="769119"/>
+          </a:xfrm>
+        </p:grpSpPr>
+        <p:grpSp>
+          <p:nvGrpSpPr>
+            <p:cNvPr id="471" name="Freeform 379"/>
+            <p:cNvGrpSpPr/>
+            <p:nvPr/>
+          </p:nvGrpSpPr>
+          <p:grpSpPr>
+            <a:xfrm>
+              <a:off x="0" y="245806"/>
+              <a:ext cx="1617882" cy="523314"/>
+              <a:chOff x="0" y="0"/>
+              <a:chExt cx="1617881" cy="523312"/>
+            </a:xfrm>
+          </p:grpSpPr>
+          <p:sp>
+            <p:nvSpPr>
+              <p:cNvPr id="469" name="Shape"/>
+              <p:cNvSpPr/>
+              <p:nvPr/>
+            </p:nvSpPr>
+            <p:spPr>
+              <a:xfrm>
+                <a:off x="-1" y="31655"/>
+                <a:ext cx="1617883" cy="460004"/>
+              </a:xfrm>
+              <a:custGeom>
+                <a:avLst/>
+                <a:gdLst/>
+                <a:ahLst/>
+                <a:cxnLst>
+                  <a:cxn ang="0">
+                    <a:pos x="wd2" y="hd2"/>
+                  </a:cxn>
+                  <a:cxn ang="5400000">
+                    <a:pos x="wd2" y="hd2"/>
+                  </a:cxn>
+                  <a:cxn ang="10800000">
+                    <a:pos x="wd2" y="hd2"/>
+                  </a:cxn>
+                  <a:cxn ang="16200000">
+                    <a:pos x="wd2" y="hd2"/>
+                  </a:cxn>
+                </a:cxnLst>
+                <a:rect l="0" t="0" r="r" b="b"/>
+                <a:pathLst>
+                  <a:path w="21593" h="21598" fill="norm" stroke="1" extrusionOk="0">
+                    <a:moveTo>
+                      <a:pt x="21591" y="51"/>
+                    </a:moveTo>
+                    <a:lnTo>
+                      <a:pt x="21593" y="11403"/>
+                    </a:lnTo>
+                    <a:cubicBezTo>
+                      <a:pt x="20935" y="19011"/>
+                      <a:pt x="14479" y="21600"/>
+                      <a:pt x="10884" y="21598"/>
+                    </a:cubicBezTo>
+                    <a:cubicBezTo>
+                      <a:pt x="7289" y="21596"/>
+                      <a:pt x="649" y="19123"/>
+                      <a:pt x="23" y="11390"/>
+                    </a:cubicBezTo>
+                    <a:cubicBezTo>
+                      <a:pt x="32" y="8472"/>
+                      <a:pt x="-7" y="2919"/>
+                      <a:pt x="1" y="0"/>
+                    </a:cubicBezTo>
+                    <a:cubicBezTo>
+                      <a:pt x="1019" y="6646"/>
+                      <a:pt x="7140" y="10014"/>
+                      <a:pt x="10738" y="10023"/>
+                    </a:cubicBezTo>
+                    <a:cubicBezTo>
+                      <a:pt x="14336" y="10031"/>
+                      <a:pt x="20606" y="7591"/>
+                      <a:pt x="21591" y="51"/>
+                    </a:cubicBezTo>
+                    <a:close/>
+                  </a:path>
+                </a:pathLst>
+              </a:custGeom>
+              <a:gradFill flip="none" rotWithShape="1">
+                <a:gsLst>
+                  <a:gs pos="0">
+                    <a:srgbClr val="B8C2C9"/>
+                  </a:gs>
+                  <a:gs pos="21000">
+                    <a:srgbClr val="FFFFFF"/>
+                  </a:gs>
+                  <a:gs pos="60000">
+                    <a:srgbClr val="D6DCE0"/>
+                  </a:gs>
+                  <a:gs pos="100000">
+                    <a:srgbClr val="B8C2C9"/>
+                  </a:gs>
+                </a:gsLst>
+                <a:lin ang="0" scaled="0"/>
+              </a:gradFill>
+              <a:ln w="6350" cap="flat">
                 <a:solidFill>
-                  <a:srgbClr val="0000A3"/>
+                  <a:srgbClr val="000000"/>
                 </a:solidFill>
-                <a:ln w="3175" cap="flat">
-                  <a:noFill/>
-                  <a:miter lim="400000"/>
-                </a:ln>
-                <a:effectLst/>
-              </p:spPr>
-              <p:txBody>
-                <a:bodyPr wrap="square" lIns="45719" tIns="45719" rIns="45719" bIns="45719" numCol="1" anchor="ctr">
-                  <a:noAutofit/>
-                </a:bodyPr>
-                <a:lstStyle/>
-                <a:p>
-                  <a:pPr defTabSz="914400">
-                    <a:defRPr sz="1800">
-                      <a:solidFill>
-                        <a:srgbClr val="FFFFFF"/>
-                      </a:solidFill>
-                      <a:latin typeface="Calibri"/>
-                      <a:ea typeface="Calibri"/>
-                      <a:cs typeface="Calibri"/>
-                      <a:sym typeface="Calibri"/>
-                    </a:defRPr>
-                  </a:pPr>
-                </a:p>
-              </p:txBody>
-            </p:sp>
-            <p:sp>
-              <p:nvSpPr>
-                <p:cNvPr id="477" name="Freeform 384"/>
-                <p:cNvSpPr/>
-                <p:nvPr/>
-              </p:nvSpPr>
-              <p:spPr>
-                <a:xfrm>
-                  <a:off x="-1" y="160236"/>
-                  <a:ext cx="394561" cy="159405"/>
-                </a:xfrm>
-                <a:custGeom>
-                  <a:avLst/>
-                  <a:gdLst/>
-                  <a:ahLst/>
-                  <a:cxnLst>
-                    <a:cxn ang="0">
-                      <a:pos x="wd2" y="hd2"/>
-                    </a:cxn>
-                    <a:cxn ang="5400000">
-                      <a:pos x="wd2" y="hd2"/>
-                    </a:cxn>
-                    <a:cxn ang="10800000">
-                      <a:pos x="wd2" y="hd2"/>
-                    </a:cxn>
-                    <a:cxn ang="16200000">
-                      <a:pos x="wd2" y="hd2"/>
-                    </a:cxn>
-                  </a:cxnLst>
-                  <a:rect l="0" t="0" r="r" b="b"/>
-                  <a:pathLst>
-                    <a:path w="21600" h="21600" fill="norm" stroke="1" extrusionOk="0">
-                      <a:moveTo>
-                        <a:pt x="21467" y="0"/>
-                      </a:moveTo>
-                      <a:lnTo>
-                        <a:pt x="21600" y="11435"/>
-                      </a:lnTo>
-                      <a:lnTo>
-                        <a:pt x="7288" y="21600"/>
-                      </a:lnTo>
-                      <a:lnTo>
-                        <a:pt x="0" y="16772"/>
-                      </a:lnTo>
-                      <a:lnTo>
-                        <a:pt x="21467" y="0"/>
-                      </a:lnTo>
-                      <a:close/>
-                    </a:path>
-                  </a:pathLst>
-                </a:custGeom>
+                <a:prstDash val="solid"/>
+                <a:miter lim="800000"/>
+              </a:ln>
+              <a:effectLst/>
+            </p:spPr>
+            <p:txBody>
+              <a:bodyPr wrap="square" lIns="45719" tIns="45719" rIns="45719" bIns="45719" numCol="1" anchor="ctr">
+                <a:noAutofit/>
+              </a:bodyPr>
+              <a:lstStyle/>
+              <a:p>
+                <a:pPr defTabSz="914400">
+                  <a:defRPr sz="1800">
+                    <a:solidFill>
+                      <a:srgbClr val="FFFFFF"/>
+                    </a:solidFill>
+                    <a:latin typeface="Calibri"/>
+                    <a:ea typeface="Calibri"/>
+                    <a:cs typeface="Calibri"/>
+                    <a:sym typeface="Calibri"/>
+                  </a:defRPr>
+                </a:pPr>
+              </a:p>
+            </p:txBody>
+          </p:sp>
+          <p:sp>
+            <p:nvSpPr>
+              <p:cNvPr id="470" name="Rectangle"/>
+              <p:cNvSpPr txBox="1"/>
+              <p:nvPr/>
+            </p:nvSpPr>
+            <p:spPr>
+              <a:xfrm>
+                <a:off x="68998" y="0"/>
+                <a:ext cx="1479885" cy="523313"/>
+              </a:xfrm>
+              <a:prstGeom prst="rect">
+                <a:avLst/>
+              </a:prstGeom>
+              <a:noFill/>
+              <a:ln w="3175" cap="flat">
+                <a:noFill/>
+                <a:miter lim="400000"/>
+              </a:ln>
+              <a:effectLst/>
+              <a:extLst>
+                <a:ext uri="{C572A759-6A51-4108-AA02-DFA0A04FC94B}">
+                  <ma14:wrappingTextBoxFlag xmlns:ma14="http://schemas.microsoft.com/office/mac/drawingml/2011/main" val="1"/>
+                </a:ext>
+              </a:extLst>
+            </p:spPr>
+            <p:txBody>
+              <a:bodyPr wrap="square" lIns="45719" tIns="45719" rIns="45719" bIns="45719" numCol="1" anchor="ctr">
+                <a:noAutofit/>
+              </a:bodyPr>
+              <a:lstStyle>
+                <a:lvl1pPr defTabSz="914400">
+                  <a:defRPr sz="1800">
+                    <a:solidFill>
+                      <a:srgbClr val="FFFFFF"/>
+                    </a:solidFill>
+                    <a:latin typeface="Calibri"/>
+                    <a:ea typeface="Calibri"/>
+                    <a:cs typeface="Calibri"/>
+                    <a:sym typeface="Calibri"/>
+                  </a:defRPr>
+                </a:lvl1pPr>
+              </a:lstStyle>
+              <a:p>
+                <a:pPr/>
+                <a:r>
+                  <a:t>                   </a:t>
+                </a:r>
+              </a:p>
+            </p:txBody>
+          </p:sp>
+        </p:grpSp>
+        <p:grpSp>
+          <p:nvGrpSpPr>
+            <p:cNvPr id="474" name="Oval 380"/>
+            <p:cNvGrpSpPr/>
+            <p:nvPr/>
+          </p:nvGrpSpPr>
+          <p:grpSpPr>
+            <a:xfrm>
+              <a:off x="931" y="-1"/>
+              <a:ext cx="1615923" cy="523314"/>
+              <a:chOff x="0" y="0"/>
+              <a:chExt cx="1615922" cy="523312"/>
+            </a:xfrm>
+          </p:grpSpPr>
+          <p:sp>
+            <p:nvSpPr>
+              <p:cNvPr id="472" name="Oval"/>
+              <p:cNvSpPr/>
+              <p:nvPr/>
+            </p:nvSpPr>
+            <p:spPr>
+              <a:xfrm>
+                <a:off x="0" y="33941"/>
+                <a:ext cx="1615923" cy="455431"/>
+              </a:xfrm>
+              <a:prstGeom prst="ellipse">
+                <a:avLst/>
+              </a:prstGeom>
+              <a:solidFill>
+                <a:srgbClr val="B8C2C9"/>
+              </a:solidFill>
+              <a:ln w="6350" cap="flat">
                 <a:solidFill>
-                  <a:srgbClr val="0000A8"/>
+                  <a:srgbClr val="000000"/>
                 </a:solidFill>
-                <a:ln w="3175" cap="flat">
-                  <a:noFill/>
-                  <a:miter lim="400000"/>
-                </a:ln>
-                <a:effectLst/>
-              </p:spPr>
-              <p:txBody>
-                <a:bodyPr wrap="square" lIns="45719" tIns="45719" rIns="45719" bIns="45719" numCol="1" anchor="ctr">
-                  <a:noAutofit/>
-                </a:bodyPr>
-                <a:lstStyle/>
-                <a:p>
-                  <a:pPr defTabSz="914400">
-                    <a:defRPr sz="1800">
-                      <a:solidFill>
-                        <a:srgbClr val="FFFFFF"/>
-                      </a:solidFill>
-                      <a:latin typeface="Calibri"/>
-                      <a:ea typeface="Calibri"/>
-                      <a:cs typeface="Calibri"/>
-                      <a:sym typeface="Calibri"/>
-                    </a:defRPr>
-                  </a:pPr>
-                </a:p>
-              </p:txBody>
-            </p:sp>
-            <p:sp>
-              <p:nvSpPr>
-                <p:cNvPr id="478" name="Freeform 385"/>
-                <p:cNvSpPr/>
-                <p:nvPr/>
-              </p:nvSpPr>
-              <p:spPr>
-                <a:xfrm>
-                  <a:off x="136971" y="81473"/>
-                  <a:ext cx="857899" cy="253172"/>
-                </a:xfrm>
-                <a:custGeom>
-                  <a:avLst/>
-                  <a:gdLst/>
-                  <a:ahLst/>
-                  <a:cxnLst>
-                    <a:cxn ang="0">
-                      <a:pos x="wd2" y="hd2"/>
-                    </a:cxn>
-                    <a:cxn ang="5400000">
-                      <a:pos x="wd2" y="hd2"/>
-                    </a:cxn>
-                    <a:cxn ang="10800000">
-                      <a:pos x="wd2" y="hd2"/>
-                    </a:cxn>
-                    <a:cxn ang="16200000">
-                      <a:pos x="wd2" y="hd2"/>
-                    </a:cxn>
-                  </a:cxnLst>
-                  <a:rect l="0" t="0" r="r" b="b"/>
-                  <a:pathLst>
-                    <a:path w="21600" h="21600" fill="norm" stroke="1" extrusionOk="0">
-                      <a:moveTo>
-                        <a:pt x="939" y="1120"/>
-                      </a:moveTo>
-                      <a:lnTo>
-                        <a:pt x="2585" y="0"/>
-                      </a:lnTo>
-                      <a:lnTo>
-                        <a:pt x="10744" y="9007"/>
-                      </a:lnTo>
-                      <a:lnTo>
-                        <a:pt x="19467" y="0"/>
-                      </a:lnTo>
-                      <a:lnTo>
-                        <a:pt x="20747" y="1120"/>
-                      </a:lnTo>
-                      <a:lnTo>
-                        <a:pt x="15265" y="6833"/>
-                      </a:lnTo>
-                      <a:lnTo>
-                        <a:pt x="15222" y="13740"/>
-                      </a:lnTo>
-                      <a:lnTo>
-                        <a:pt x="21600" y="20480"/>
-                      </a:lnTo>
-                      <a:lnTo>
-                        <a:pt x="19954" y="21440"/>
-                      </a:lnTo>
-                      <a:lnTo>
-                        <a:pt x="10813" y="11360"/>
-                      </a:lnTo>
-                      <a:lnTo>
-                        <a:pt x="1488" y="21600"/>
-                      </a:lnTo>
-                      <a:lnTo>
-                        <a:pt x="0" y="20263"/>
-                      </a:lnTo>
-                      <a:lnTo>
-                        <a:pt x="6457" y="13760"/>
-                      </a:lnTo>
-                      <a:cubicBezTo>
-                        <a:pt x="6457" y="11573"/>
-                        <a:pt x="6392" y="9067"/>
-                        <a:pt x="6392" y="6880"/>
-                      </a:cubicBezTo>
-                      <a:lnTo>
-                        <a:pt x="1061" y="1280"/>
-                      </a:lnTo>
-                      <a:cubicBezTo>
-                        <a:pt x="153" y="320"/>
-                        <a:pt x="980" y="1173"/>
-                        <a:pt x="939" y="1120"/>
-                      </a:cubicBezTo>
-                      <a:close/>
-                    </a:path>
-                  </a:pathLst>
-                </a:custGeom>
-                <a:solidFill>
-                  <a:srgbClr val="8FAADC"/>
-                </a:solidFill>
-                <a:ln w="3175" cap="flat">
-                  <a:noFill/>
-                  <a:miter lim="400000"/>
-                </a:ln>
-                <a:effectLst/>
-              </p:spPr>
-              <p:txBody>
-                <a:bodyPr wrap="square" lIns="45719" tIns="45719" rIns="45719" bIns="45719" numCol="1" anchor="ctr">
-                  <a:noAutofit/>
-                </a:bodyPr>
-                <a:lstStyle/>
-                <a:p>
-                  <a:pPr defTabSz="914400">
-                    <a:defRPr sz="1800">
-                      <a:solidFill>
-                        <a:srgbClr val="FFFFFF"/>
-                      </a:solidFill>
-                      <a:latin typeface="Calibri"/>
-                      <a:ea typeface="Calibri"/>
-                      <a:cs typeface="Calibri"/>
-                      <a:sym typeface="Calibri"/>
-                    </a:defRPr>
-                  </a:pPr>
-                </a:p>
-              </p:txBody>
-            </p:sp>
-          </p:grpSp>
+                <a:prstDash val="solid"/>
+                <a:miter lim="800000"/>
+              </a:ln>
+              <a:effectLst/>
+            </p:spPr>
+            <p:txBody>
+              <a:bodyPr wrap="square" lIns="45719" tIns="45719" rIns="45719" bIns="45719" numCol="1" anchor="ctr">
+                <a:noAutofit/>
+              </a:bodyPr>
+              <a:lstStyle/>
+              <a:p>
+                <a:pPr defTabSz="914400">
+                  <a:defRPr sz="1800">
+                    <a:solidFill>
+                      <a:srgbClr val="FFFFFF"/>
+                    </a:solidFill>
+                    <a:latin typeface="Calibri"/>
+                    <a:ea typeface="Calibri"/>
+                    <a:cs typeface="Calibri"/>
+                    <a:sym typeface="Calibri"/>
+                  </a:defRPr>
+                </a:pPr>
+              </a:p>
+            </p:txBody>
+          </p:sp>
+          <p:sp>
+            <p:nvSpPr>
+              <p:cNvPr id="473" name="Rectangle"/>
+              <p:cNvSpPr txBox="1"/>
+              <p:nvPr/>
+            </p:nvSpPr>
+            <p:spPr>
+              <a:xfrm>
+                <a:off x="305645" y="-1"/>
+                <a:ext cx="1004632" cy="523314"/>
+              </a:xfrm>
+              <a:prstGeom prst="rect">
+                <a:avLst/>
+              </a:prstGeom>
+              <a:noFill/>
+              <a:ln w="3175" cap="flat">
+                <a:noFill/>
+                <a:miter lim="400000"/>
+              </a:ln>
+              <a:effectLst/>
+              <a:extLst>
+                <a:ext uri="{C572A759-6A51-4108-AA02-DFA0A04FC94B}">
+                  <ma14:wrappingTextBoxFlag xmlns:ma14="http://schemas.microsoft.com/office/mac/drawingml/2011/main" val="1"/>
+                </a:ext>
+              </a:extLst>
+            </p:spPr>
+            <p:txBody>
+              <a:bodyPr wrap="square" lIns="45719" tIns="45719" rIns="45719" bIns="45719" numCol="1" anchor="ctr">
+                <a:noAutofit/>
+              </a:bodyPr>
+              <a:lstStyle>
+                <a:lvl1pPr defTabSz="914400">
+                  <a:defRPr sz="1800">
+                    <a:solidFill>
+                      <a:srgbClr val="FFFFFF"/>
+                    </a:solidFill>
+                    <a:latin typeface="Calibri"/>
+                    <a:ea typeface="Calibri"/>
+                    <a:cs typeface="Calibri"/>
+                    <a:sym typeface="Calibri"/>
+                  </a:defRPr>
+                </a:lvl1pPr>
+              </a:lstStyle>
+              <a:p>
+                <a:pPr/>
+                <a:r>
+                  <a:t>              </a:t>
+                </a:r>
+              </a:p>
+            </p:txBody>
+          </p:sp>
         </p:grpSp>
-        <p:sp>
-          <p:nvSpPr>
-            <p:cNvPr id="481" name="R3"/>
-            <p:cNvSpPr txBox="1"/>
+        <p:grpSp>
+          <p:nvGrpSpPr>
+            <p:cNvPr id="479" name="Group 381"/>
+            <p:cNvGrpSpPr/>
             <p:nvPr/>
-          </p:nvSpPr>
-          <p:spPr>
+          </p:nvGrpSpPr>
+          <p:grpSpPr>
             <a:xfrm>
-              <a:off x="4564062" y="3289810"/>
-              <a:ext cx="564367" cy="583719"/>
+              <a:off x="239945" y="91825"/>
+              <a:ext cx="1137689" cy="334646"/>
+              <a:chOff x="0" y="0"/>
+              <a:chExt cx="1137687" cy="334644"/>
             </a:xfrm>
-            <a:prstGeom prst="rect">
-              <a:avLst/>
-            </a:prstGeom>
-            <a:noFill/>
-            <a:ln w="3175" cap="flat">
-              <a:noFill/>
-              <a:miter lim="400000"/>
-            </a:ln>
-            <a:effectLst/>
-            <a:extLst>
-              <a:ext uri="{C572A759-6A51-4108-AA02-DFA0A04FC94B}">
-                <ma14:wrappingTextBoxFlag xmlns:ma14="http://schemas.microsoft.com/office/mac/drawingml/2011/main" val="1"/>
-              </a:ext>
-            </a:extLst>
-          </p:spPr>
-          <p:txBody>
-            <a:bodyPr wrap="square" lIns="27093" tIns="27093" rIns="27093" bIns="27093" numCol="1" anchor="ctr">
-              <a:noAutofit/>
-            </a:bodyPr>
-            <a:lstStyle/>
-            <a:p>
-              <a:pPr>
-                <a:defRPr b="1" sz="2400"/>
-              </a:pPr>
-              <a:r>
-                <a:t>R</a:t>
-              </a:r>
-              <a:r>
-                <a:rPr baseline="-5999"/>
-                <a:t>3</a:t>
-              </a:r>
-            </a:p>
-          </p:txBody>
-        </p:sp>
-        <p:sp>
-          <p:nvSpPr>
-            <p:cNvPr id="482" name="172.21.1.6"/>
-            <p:cNvSpPr txBox="1"/>
-            <p:nvPr/>
-          </p:nvSpPr>
-          <p:spPr>
-            <a:xfrm>
-              <a:off x="2976274" y="3311614"/>
-              <a:ext cx="1027211" cy="277098"/>
-            </a:xfrm>
-            <a:prstGeom prst="rect">
-              <a:avLst/>
-            </a:prstGeom>
-            <a:noFill/>
-            <a:ln w="3175" cap="flat">
-              <a:noFill/>
-              <a:miter lim="400000"/>
-            </a:ln>
-            <a:effectLst/>
-            <a:extLst>
-              <a:ext uri="{C572A759-6A51-4108-AA02-DFA0A04FC94B}">
-                <ma14:wrappingTextBoxFlag xmlns:ma14="http://schemas.microsoft.com/office/mac/drawingml/2011/main" val="1"/>
-              </a:ext>
-            </a:extLst>
-          </p:spPr>
-          <p:txBody>
-            <a:bodyPr wrap="none" lIns="27093" tIns="27093" rIns="27093" bIns="27093" numCol="1" anchor="ctr">
-              <a:spAutoFit/>
-            </a:bodyPr>
-            <a:lstStyle/>
-            <a:p>
-              <a:pPr/>
-              <a:r>
-                <a:t>172.21.1.6</a:t>
-              </a:r>
-            </a:p>
-          </p:txBody>
-        </p:sp>
-        <p:sp>
-          <p:nvSpPr>
-            <p:cNvPr id="483" name="eth1"/>
-            <p:cNvSpPr txBox="1"/>
-            <p:nvPr/>
-          </p:nvSpPr>
-          <p:spPr>
-            <a:xfrm>
-              <a:off x="3549031" y="3101303"/>
-              <a:ext cx="428313" cy="277098"/>
-            </a:xfrm>
-            <a:prstGeom prst="rect">
-              <a:avLst/>
-            </a:prstGeom>
-            <a:noFill/>
-            <a:ln w="3175" cap="flat">
-              <a:noFill/>
-              <a:miter lim="400000"/>
-            </a:ln>
-            <a:effectLst/>
-            <a:extLst>
-              <a:ext uri="{C572A759-6A51-4108-AA02-DFA0A04FC94B}">
-                <ma14:wrappingTextBoxFlag xmlns:ma14="http://schemas.microsoft.com/office/mac/drawingml/2011/main" val="1"/>
-              </a:ext>
-            </a:extLst>
-          </p:spPr>
-          <p:txBody>
-            <a:bodyPr wrap="none" lIns="27093" tIns="27093" rIns="27093" bIns="27093" numCol="1" anchor="ctr">
-              <a:spAutoFit/>
-            </a:bodyPr>
-            <a:lstStyle/>
-            <a:p>
-              <a:pPr/>
-              <a:r>
-                <a:t>eth</a:t>
-              </a:r>
-              <a:r>
-                <a:rPr baseline="-5999"/>
-                <a:t>1</a:t>
-              </a:r>
-            </a:p>
-          </p:txBody>
-        </p:sp>
-        <p:sp>
-          <p:nvSpPr>
-            <p:cNvPr id="484" name="Line"/>
-            <p:cNvSpPr/>
-            <p:nvPr/>
-          </p:nvSpPr>
-          <p:spPr>
-            <a:xfrm flipH="1" flipV="1">
-              <a:off x="2830706" y="1380523"/>
-              <a:ext cx="1276845" cy="1956073"/>
-            </a:xfrm>
-            <a:prstGeom prst="line">
-              <a:avLst/>
-            </a:prstGeom>
-            <a:noFill/>
-            <a:ln w="38100" cap="flat">
+          </p:grpSpPr>
+          <p:sp>
+            <p:nvSpPr>
+              <p:cNvPr id="475" name="Freeform 382"/>
+              <p:cNvSpPr/>
+              <p:nvPr/>
+            </p:nvSpPr>
+            <p:spPr>
+              <a:xfrm>
+                <a:off x="31468" y="0"/>
+                <a:ext cx="1076231" cy="187326"/>
+              </a:xfrm>
+              <a:custGeom>
+                <a:avLst/>
+                <a:gdLst/>
+                <a:ahLst/>
+                <a:cxnLst>
+                  <a:cxn ang="0">
+                    <a:pos x="wd2" y="hd2"/>
+                  </a:cxn>
+                  <a:cxn ang="5400000">
+                    <a:pos x="wd2" y="hd2"/>
+                  </a:cxn>
+                  <a:cxn ang="10800000">
+                    <a:pos x="wd2" y="hd2"/>
+                  </a:cxn>
+                  <a:cxn ang="16200000">
+                    <a:pos x="wd2" y="hd2"/>
+                  </a:cxn>
+                </a:cxnLst>
+                <a:rect l="0" t="0" r="r" b="b"/>
+                <a:pathLst>
+                  <a:path w="21600" h="21600" fill="norm" stroke="1" extrusionOk="0">
+                    <a:moveTo>
+                      <a:pt x="17365" y="0"/>
+                    </a:moveTo>
+                    <a:lnTo>
+                      <a:pt x="21600" y="4925"/>
+                    </a:lnTo>
+                    <a:lnTo>
+                      <a:pt x="18461" y="11148"/>
+                    </a:lnTo>
+                    <a:lnTo>
+                      <a:pt x="17638" y="9623"/>
+                    </a:lnTo>
+                    <a:lnTo>
+                      <a:pt x="10634" y="21600"/>
+                    </a:lnTo>
+                    <a:lnTo>
+                      <a:pt x="4216" y="9406"/>
+                    </a:lnTo>
+                    <a:lnTo>
+                      <a:pt x="2885" y="11148"/>
+                    </a:lnTo>
+                    <a:lnTo>
+                      <a:pt x="0" y="5658"/>
+                    </a:lnTo>
+                    <a:lnTo>
+                      <a:pt x="4216" y="348"/>
+                    </a:lnTo>
+                    <a:lnTo>
+                      <a:pt x="10742" y="12674"/>
+                    </a:lnTo>
+                    <a:lnTo>
+                      <a:pt x="17365" y="0"/>
+                    </a:lnTo>
+                    <a:close/>
+                  </a:path>
+                </a:pathLst>
+              </a:custGeom>
               <a:solidFill>
-                <a:srgbClr val="000000"/>
+                <a:srgbClr val="0000A3"/>
               </a:solidFill>
-              <a:prstDash val="solid"/>
-              <a:miter lim="400000"/>
-            </a:ln>
-            <a:effectLst/>
-          </p:spPr>
-          <p:txBody>
-            <a:bodyPr wrap="square" lIns="27093" tIns="27093" rIns="27093" bIns="27093" numCol="1" anchor="ctr">
-              <a:noAutofit/>
-            </a:bodyPr>
-            <a:lstStyle/>
-            <a:p>
-              <a:pPr/>
-            </a:p>
-          </p:txBody>
-        </p:sp>
-        <p:sp>
-          <p:nvSpPr>
-            <p:cNvPr id="485" name="eth2"/>
-            <p:cNvSpPr txBox="1"/>
-            <p:nvPr/>
-          </p:nvSpPr>
-          <p:spPr>
-            <a:xfrm>
-              <a:off x="1671816" y="753026"/>
-              <a:ext cx="428313" cy="277098"/>
-            </a:xfrm>
-            <a:prstGeom prst="rect">
-              <a:avLst/>
-            </a:prstGeom>
-            <a:noFill/>
-            <a:ln w="3175" cap="flat">
-              <a:noFill/>
-              <a:miter lim="400000"/>
-            </a:ln>
-            <a:effectLst/>
-            <a:extLst>
-              <a:ext uri="{C572A759-6A51-4108-AA02-DFA0A04FC94B}">
-                <ma14:wrappingTextBoxFlag xmlns:ma14="http://schemas.microsoft.com/office/mac/drawingml/2011/main" val="1"/>
-              </a:ext>
-            </a:extLst>
-          </p:spPr>
-          <p:txBody>
-            <a:bodyPr wrap="none" lIns="27093" tIns="27093" rIns="27093" bIns="27093" numCol="1" anchor="ctr">
-              <a:spAutoFit/>
-            </a:bodyPr>
-            <a:lstStyle/>
-            <a:p>
-              <a:pPr/>
-              <a:r>
-                <a:t>eth</a:t>
-              </a:r>
-              <a:r>
-                <a:rPr baseline="-5999"/>
-                <a:t>2</a:t>
-              </a:r>
-            </a:p>
-          </p:txBody>
-        </p:sp>
-        <p:sp>
-          <p:nvSpPr>
-            <p:cNvPr id="486" name="172.21.4.2"/>
-            <p:cNvSpPr txBox="1"/>
-            <p:nvPr/>
-          </p:nvSpPr>
-          <p:spPr>
-            <a:xfrm>
-              <a:off x="1075315" y="1067820"/>
-              <a:ext cx="1027211" cy="277098"/>
-            </a:xfrm>
-            <a:prstGeom prst="rect">
-              <a:avLst/>
-            </a:prstGeom>
-            <a:noFill/>
-            <a:ln w="3175" cap="flat">
-              <a:noFill/>
-              <a:miter lim="400000"/>
-            </a:ln>
-            <a:effectLst/>
-            <a:extLst>
-              <a:ext uri="{C572A759-6A51-4108-AA02-DFA0A04FC94B}">
-                <ma14:wrappingTextBoxFlag xmlns:ma14="http://schemas.microsoft.com/office/mac/drawingml/2011/main" val="1"/>
-              </a:ext>
-            </a:extLst>
-          </p:spPr>
-          <p:txBody>
-            <a:bodyPr wrap="none" lIns="27093" tIns="27093" rIns="27093" bIns="27093" numCol="1" anchor="ctr">
-              <a:spAutoFit/>
-            </a:bodyPr>
-            <a:lstStyle/>
-            <a:p>
-              <a:pPr/>
-              <a:r>
-                <a:t>172.21.4.2</a:t>
-              </a:r>
-            </a:p>
-          </p:txBody>
-        </p:sp>
-        <p:sp>
-          <p:nvSpPr>
-            <p:cNvPr id="487" name="Line"/>
-            <p:cNvSpPr/>
-            <p:nvPr/>
-          </p:nvSpPr>
-          <p:spPr>
-            <a:xfrm flipV="1">
-              <a:off x="4919070" y="3810762"/>
-              <a:ext cx="1" cy="1082000"/>
-            </a:xfrm>
-            <a:prstGeom prst="line">
-              <a:avLst/>
-            </a:prstGeom>
-            <a:noFill/>
-            <a:ln w="38100" cap="flat">
+              <a:ln w="3175" cap="flat">
+                <a:noFill/>
+                <a:miter lim="400000"/>
+              </a:ln>
+              <a:effectLst/>
+            </p:spPr>
+            <p:txBody>
+              <a:bodyPr wrap="square" lIns="45719" tIns="45719" rIns="45719" bIns="45719" numCol="1" anchor="ctr">
+                <a:noAutofit/>
+              </a:bodyPr>
+              <a:lstStyle/>
+              <a:p>
+                <a:pPr defTabSz="914400">
+                  <a:defRPr sz="1800">
+                    <a:solidFill>
+                      <a:srgbClr val="FFFFFF"/>
+                    </a:solidFill>
+                    <a:latin typeface="Calibri"/>
+                    <a:ea typeface="Calibri"/>
+                    <a:cs typeface="Calibri"/>
+                    <a:sym typeface="Calibri"/>
+                  </a:defRPr>
+                </a:pPr>
+              </a:p>
+            </p:txBody>
+          </p:sp>
+          <p:sp>
+            <p:nvSpPr>
+              <p:cNvPr id="476" name="Freeform 383"/>
+              <p:cNvSpPr/>
+              <p:nvPr/>
+            </p:nvSpPr>
+            <p:spPr>
+              <a:xfrm>
+                <a:off x="735866" y="160236"/>
+                <a:ext cx="401822" cy="161281"/>
+              </a:xfrm>
+              <a:custGeom>
+                <a:avLst/>
+                <a:gdLst/>
+                <a:ahLst/>
+                <a:cxnLst>
+                  <a:cxn ang="0">
+                    <a:pos x="wd2" y="hd2"/>
+                  </a:cxn>
+                  <a:cxn ang="5400000">
+                    <a:pos x="wd2" y="hd2"/>
+                  </a:cxn>
+                  <a:cxn ang="10800000">
+                    <a:pos x="wd2" y="hd2"/>
+                  </a:cxn>
+                  <a:cxn ang="16200000">
+                    <a:pos x="wd2" y="hd2"/>
+                  </a:cxn>
+                </a:cxnLst>
+                <a:rect l="0" t="0" r="r" b="b"/>
+                <a:pathLst>
+                  <a:path w="21600" h="21600" fill="norm" stroke="1" extrusionOk="0">
+                    <a:moveTo>
+                      <a:pt x="260" y="0"/>
+                    </a:moveTo>
+                    <a:lnTo>
+                      <a:pt x="21600" y="16577"/>
+                    </a:lnTo>
+                    <a:lnTo>
+                      <a:pt x="14183" y="21600"/>
+                    </a:lnTo>
+                    <a:lnTo>
+                      <a:pt x="0" y="10800"/>
+                    </a:lnTo>
+                    <a:lnTo>
+                      <a:pt x="260" y="0"/>
+                    </a:lnTo>
+                    <a:close/>
+                  </a:path>
+                </a:pathLst>
+              </a:custGeom>
               <a:solidFill>
-                <a:srgbClr val="000000"/>
+                <a:srgbClr val="0000A3"/>
               </a:solidFill>
-              <a:prstDash val="solid"/>
-              <a:miter lim="400000"/>
-            </a:ln>
-            <a:effectLst/>
-          </p:spPr>
-          <p:txBody>
-            <a:bodyPr wrap="square" lIns="27093" tIns="27093" rIns="27093" bIns="27093" numCol="1" anchor="ctr">
-              <a:noAutofit/>
-            </a:bodyPr>
-            <a:lstStyle/>
-            <a:p>
-              <a:pPr/>
-            </a:p>
-          </p:txBody>
-        </p:sp>
-        <p:sp>
-          <p:nvSpPr>
-            <p:cNvPr id="488" name="HD"/>
-            <p:cNvSpPr txBox="1"/>
-            <p:nvPr/>
-          </p:nvSpPr>
-          <p:spPr>
-            <a:xfrm>
-              <a:off x="4962661" y="4928680"/>
-              <a:ext cx="757656" cy="462761"/>
-            </a:xfrm>
-            <a:prstGeom prst="rect">
-              <a:avLst/>
-            </a:prstGeom>
-            <a:noFill/>
-            <a:ln w="3175" cap="flat">
-              <a:noFill/>
-              <a:miter lim="400000"/>
-            </a:ln>
-            <a:effectLst/>
-            <a:extLst>
-              <a:ext uri="{C572A759-6A51-4108-AA02-DFA0A04FC94B}">
-                <ma14:wrappingTextBoxFlag xmlns:ma14="http://schemas.microsoft.com/office/mac/drawingml/2011/main" val="1"/>
-              </a:ext>
-            </a:extLst>
-          </p:spPr>
-          <p:txBody>
-            <a:bodyPr wrap="square" lIns="27093" tIns="27093" rIns="27093" bIns="27093" numCol="1" anchor="ctr">
-              <a:noAutofit/>
-            </a:bodyPr>
-            <a:lstStyle>
-              <a:lvl1pPr>
-                <a:defRPr b="1" sz="2400"/>
-              </a:lvl1pPr>
-            </a:lstStyle>
-            <a:p>
-              <a:pPr/>
-              <a:r>
-                <a:t>HD</a:t>
-              </a:r>
-            </a:p>
-          </p:txBody>
-        </p:sp>
-        <p:sp>
-          <p:nvSpPr>
-            <p:cNvPr id="489" name="172.21.5.161/27"/>
-            <p:cNvSpPr txBox="1"/>
-            <p:nvPr/>
-          </p:nvSpPr>
-          <p:spPr>
-            <a:xfrm>
-              <a:off x="4169855" y="5403963"/>
-              <a:ext cx="1546793" cy="277098"/>
-            </a:xfrm>
-            <a:prstGeom prst="rect">
-              <a:avLst/>
-            </a:prstGeom>
-            <a:noFill/>
-            <a:ln w="3175" cap="flat">
-              <a:noFill/>
-              <a:miter lim="400000"/>
-            </a:ln>
-            <a:effectLst/>
-            <a:extLst>
-              <a:ext uri="{C572A759-6A51-4108-AA02-DFA0A04FC94B}">
-                <ma14:wrappingTextBoxFlag xmlns:ma14="http://schemas.microsoft.com/office/mac/drawingml/2011/main" val="1"/>
-              </a:ext>
-            </a:extLst>
-          </p:spPr>
-          <p:txBody>
-            <a:bodyPr wrap="none" lIns="27093" tIns="27093" rIns="27093" bIns="27093" numCol="1" anchor="ctr">
-              <a:spAutoFit/>
-            </a:bodyPr>
-            <a:lstStyle/>
-            <a:p>
-              <a:pPr/>
-              <a:r>
-                <a:t>172.21.5.161/27</a:t>
-              </a:r>
-            </a:p>
-          </p:txBody>
-        </p:sp>
-        <p:sp>
-          <p:nvSpPr>
-            <p:cNvPr id="490" name="eth0"/>
-            <p:cNvSpPr txBox="1"/>
-            <p:nvPr/>
-          </p:nvSpPr>
-          <p:spPr>
-            <a:xfrm>
-              <a:off x="4426529" y="3734979"/>
-              <a:ext cx="428313" cy="277098"/>
-            </a:xfrm>
-            <a:prstGeom prst="rect">
-              <a:avLst/>
-            </a:prstGeom>
-            <a:noFill/>
-            <a:ln w="3175" cap="flat">
-              <a:noFill/>
-              <a:miter lim="400000"/>
-            </a:ln>
-            <a:effectLst/>
-            <a:extLst>
-              <a:ext uri="{C572A759-6A51-4108-AA02-DFA0A04FC94B}">
-                <ma14:wrappingTextBoxFlag xmlns:ma14="http://schemas.microsoft.com/office/mac/drawingml/2011/main" val="1"/>
-              </a:ext>
-            </a:extLst>
-          </p:spPr>
-          <p:txBody>
-            <a:bodyPr wrap="none" lIns="27093" tIns="27093" rIns="27093" bIns="27093" numCol="1" anchor="ctr">
-              <a:spAutoFit/>
-            </a:bodyPr>
-            <a:lstStyle/>
-            <a:p>
-              <a:pPr/>
-              <a:r>
-                <a:t>eth</a:t>
-              </a:r>
-              <a:r>
-                <a:rPr baseline="-5999"/>
-                <a:t>0</a:t>
-              </a:r>
-            </a:p>
-          </p:txBody>
-        </p:sp>
-        <p:sp>
-          <p:nvSpPr>
-            <p:cNvPr id="491" name="172.21.5.190/27"/>
-            <p:cNvSpPr txBox="1"/>
-            <p:nvPr/>
-          </p:nvSpPr>
-          <p:spPr>
-            <a:xfrm>
-              <a:off x="3350106" y="3988506"/>
-              <a:ext cx="1546793" cy="277098"/>
-            </a:xfrm>
-            <a:prstGeom prst="rect">
-              <a:avLst/>
-            </a:prstGeom>
-            <a:noFill/>
-            <a:ln w="3175" cap="flat">
-              <a:noFill/>
-              <a:miter lim="400000"/>
-            </a:ln>
-            <a:effectLst/>
-            <a:extLst>
-              <a:ext uri="{C572A759-6A51-4108-AA02-DFA0A04FC94B}">
-                <ma14:wrappingTextBoxFlag xmlns:ma14="http://schemas.microsoft.com/office/mac/drawingml/2011/main" val="1"/>
-              </a:ext>
-            </a:extLst>
-          </p:spPr>
-          <p:txBody>
-            <a:bodyPr wrap="none" lIns="27093" tIns="27093" rIns="27093" bIns="27093" numCol="1" anchor="ctr">
-              <a:spAutoFit/>
-            </a:bodyPr>
-            <a:lstStyle/>
-            <a:p>
-              <a:pPr/>
-              <a:r>
-                <a:t>172.21.5.190/27</a:t>
-              </a:r>
-            </a:p>
-          </p:txBody>
-        </p:sp>
-        <p:sp>
-          <p:nvSpPr>
-            <p:cNvPr id="492" name="HC"/>
-            <p:cNvSpPr txBox="1"/>
-            <p:nvPr/>
-          </p:nvSpPr>
-          <p:spPr>
-            <a:xfrm>
-              <a:off x="7302989" y="3768044"/>
-              <a:ext cx="589477" cy="583718"/>
-            </a:xfrm>
-            <a:prstGeom prst="rect">
-              <a:avLst/>
-            </a:prstGeom>
-            <a:noFill/>
-            <a:ln w="3175" cap="flat">
-              <a:noFill/>
-              <a:miter lim="400000"/>
-            </a:ln>
-            <a:effectLst/>
-            <a:extLst>
-              <a:ext uri="{C572A759-6A51-4108-AA02-DFA0A04FC94B}">
-                <ma14:wrappingTextBoxFlag xmlns:ma14="http://schemas.microsoft.com/office/mac/drawingml/2011/main" val="1"/>
-              </a:ext>
-            </a:extLst>
-          </p:spPr>
-          <p:txBody>
-            <a:bodyPr wrap="square" lIns="27093" tIns="27093" rIns="27093" bIns="27093" numCol="1" anchor="ctr">
-              <a:noAutofit/>
-            </a:bodyPr>
-            <a:lstStyle>
-              <a:lvl1pPr>
-                <a:defRPr b="1" sz="2400"/>
-              </a:lvl1pPr>
-            </a:lstStyle>
-            <a:p>
-              <a:pPr/>
-              <a:r>
-                <a:t>HC</a:t>
-              </a:r>
-            </a:p>
-          </p:txBody>
-        </p:sp>
-        <p:sp>
-          <p:nvSpPr>
-            <p:cNvPr id="493" name="Line"/>
-            <p:cNvSpPr/>
-            <p:nvPr/>
-          </p:nvSpPr>
-          <p:spPr>
-            <a:xfrm>
-              <a:off x="5605071" y="3484809"/>
-              <a:ext cx="1386807" cy="576160"/>
-            </a:xfrm>
-            <a:prstGeom prst="line">
-              <a:avLst/>
-            </a:prstGeom>
-            <a:noFill/>
-            <a:ln w="38100" cap="flat">
+              <a:ln w="3175" cap="flat">
+                <a:noFill/>
+                <a:miter lim="400000"/>
+              </a:ln>
+              <a:effectLst/>
+            </p:spPr>
+            <p:txBody>
+              <a:bodyPr wrap="square" lIns="45719" tIns="45719" rIns="45719" bIns="45719" numCol="1" anchor="ctr">
+                <a:noAutofit/>
+              </a:bodyPr>
+              <a:lstStyle/>
+              <a:p>
+                <a:pPr defTabSz="914400">
+                  <a:defRPr sz="1800">
+                    <a:solidFill>
+                      <a:srgbClr val="FFFFFF"/>
+                    </a:solidFill>
+                    <a:latin typeface="Calibri"/>
+                    <a:ea typeface="Calibri"/>
+                    <a:cs typeface="Calibri"/>
+                    <a:sym typeface="Calibri"/>
+                  </a:defRPr>
+                </a:pPr>
+              </a:p>
+            </p:txBody>
+          </p:sp>
+          <p:sp>
+            <p:nvSpPr>
+              <p:cNvPr id="477" name="Freeform 384"/>
+              <p:cNvSpPr/>
+              <p:nvPr/>
+            </p:nvSpPr>
+            <p:spPr>
+              <a:xfrm>
+                <a:off x="-1" y="160236"/>
+                <a:ext cx="394561" cy="159405"/>
+              </a:xfrm>
+              <a:custGeom>
+                <a:avLst/>
+                <a:gdLst/>
+                <a:ahLst/>
+                <a:cxnLst>
+                  <a:cxn ang="0">
+                    <a:pos x="wd2" y="hd2"/>
+                  </a:cxn>
+                  <a:cxn ang="5400000">
+                    <a:pos x="wd2" y="hd2"/>
+                  </a:cxn>
+                  <a:cxn ang="10800000">
+                    <a:pos x="wd2" y="hd2"/>
+                  </a:cxn>
+                  <a:cxn ang="16200000">
+                    <a:pos x="wd2" y="hd2"/>
+                  </a:cxn>
+                </a:cxnLst>
+                <a:rect l="0" t="0" r="r" b="b"/>
+                <a:pathLst>
+                  <a:path w="21600" h="21600" fill="norm" stroke="1" extrusionOk="0">
+                    <a:moveTo>
+                      <a:pt x="21467" y="0"/>
+                    </a:moveTo>
+                    <a:lnTo>
+                      <a:pt x="21600" y="11435"/>
+                    </a:lnTo>
+                    <a:lnTo>
+                      <a:pt x="7288" y="21600"/>
+                    </a:lnTo>
+                    <a:lnTo>
+                      <a:pt x="0" y="16772"/>
+                    </a:lnTo>
+                    <a:lnTo>
+                      <a:pt x="21467" y="0"/>
+                    </a:lnTo>
+                    <a:close/>
+                  </a:path>
+                </a:pathLst>
+              </a:custGeom>
               <a:solidFill>
-                <a:srgbClr val="000000"/>
+                <a:srgbClr val="0000A8"/>
               </a:solidFill>
-              <a:prstDash val="solid"/>
-              <a:miter lim="400000"/>
-            </a:ln>
-            <a:effectLst/>
-          </p:spPr>
-          <p:txBody>
-            <a:bodyPr wrap="square" lIns="27093" tIns="27093" rIns="27093" bIns="27093" numCol="1" anchor="ctr">
-              <a:noAutofit/>
-            </a:bodyPr>
-            <a:lstStyle/>
-            <a:p>
-              <a:pPr/>
-            </a:p>
-          </p:txBody>
-        </p:sp>
-        <p:sp>
-          <p:nvSpPr>
-            <p:cNvPr id="494" name="Network-3…"/>
-            <p:cNvSpPr txBox="1"/>
-            <p:nvPr/>
-          </p:nvSpPr>
-          <p:spPr>
-            <a:xfrm rot="1260000">
-              <a:off x="5735755" y="3248710"/>
-              <a:ext cx="1320835" cy="505698"/>
-            </a:xfrm>
-            <a:prstGeom prst="rect">
-              <a:avLst/>
-            </a:prstGeom>
-            <a:noFill/>
-            <a:ln w="3175" cap="flat">
-              <a:noFill/>
-              <a:miter lim="400000"/>
-            </a:ln>
-            <a:effectLst/>
-            <a:extLst>
-              <a:ext uri="{C572A759-6A51-4108-AA02-DFA0A04FC94B}">
-                <ma14:wrappingTextBoxFlag xmlns:ma14="http://schemas.microsoft.com/office/mac/drawingml/2011/main" val="1"/>
-              </a:ext>
-            </a:extLst>
-          </p:spPr>
-          <p:txBody>
-            <a:bodyPr wrap="none" lIns="27093" tIns="27093" rIns="27093" bIns="27093" numCol="1" anchor="ctr">
-              <a:spAutoFit/>
-            </a:bodyPr>
-            <a:lstStyle/>
-            <a:p>
-              <a:pPr/>
-              <a:r>
-                <a:t>Network-3</a:t>
-              </a:r>
-            </a:p>
-            <a:p>
-              <a:pPr/>
-              <a:r>
-                <a:t>172.21.6.0/23</a:t>
-              </a:r>
-            </a:p>
-          </p:txBody>
-        </p:sp>
-        <p:sp>
-          <p:nvSpPr>
-            <p:cNvPr id="495" name="172.21.7.254"/>
-            <p:cNvSpPr txBox="1"/>
-            <p:nvPr/>
-          </p:nvSpPr>
-          <p:spPr>
-            <a:xfrm>
-              <a:off x="5206497" y="3776419"/>
-              <a:ext cx="1253170" cy="277098"/>
-            </a:xfrm>
-            <a:prstGeom prst="rect">
-              <a:avLst/>
-            </a:prstGeom>
-            <a:noFill/>
-            <a:ln w="3175" cap="flat">
-              <a:noFill/>
-              <a:miter lim="400000"/>
-            </a:ln>
-            <a:effectLst/>
-            <a:extLst>
-              <a:ext uri="{C572A759-6A51-4108-AA02-DFA0A04FC94B}">
-                <ma14:wrappingTextBoxFlag xmlns:ma14="http://schemas.microsoft.com/office/mac/drawingml/2011/main" val="1"/>
-              </a:ext>
-            </a:extLst>
-          </p:spPr>
-          <p:txBody>
-            <a:bodyPr wrap="none" lIns="27093" tIns="27093" rIns="27093" bIns="27093" numCol="1" anchor="ctr">
-              <a:spAutoFit/>
-            </a:bodyPr>
-            <a:lstStyle/>
-            <a:p>
-              <a:pPr/>
-              <a:r>
-                <a:t>172.21.7.254</a:t>
-              </a:r>
-            </a:p>
-          </p:txBody>
-        </p:sp>
-        <p:sp>
-          <p:nvSpPr>
-            <p:cNvPr id="496" name="eth3"/>
-            <p:cNvSpPr txBox="1"/>
-            <p:nvPr/>
-          </p:nvSpPr>
-          <p:spPr>
-            <a:xfrm>
-              <a:off x="5502492" y="3541247"/>
-              <a:ext cx="428312" cy="277098"/>
-            </a:xfrm>
-            <a:prstGeom prst="rect">
-              <a:avLst/>
-            </a:prstGeom>
-            <a:noFill/>
-            <a:ln w="3175" cap="flat">
-              <a:noFill/>
-              <a:miter lim="400000"/>
-            </a:ln>
-            <a:effectLst/>
-            <a:extLst>
-              <a:ext uri="{C572A759-6A51-4108-AA02-DFA0A04FC94B}">
-                <ma14:wrappingTextBoxFlag xmlns:ma14="http://schemas.microsoft.com/office/mac/drawingml/2011/main" val="1"/>
-              </a:ext>
-            </a:extLst>
-          </p:spPr>
-          <p:txBody>
-            <a:bodyPr wrap="none" lIns="27093" tIns="27093" rIns="27093" bIns="27093" numCol="1" anchor="ctr">
-              <a:spAutoFit/>
-            </a:bodyPr>
-            <a:lstStyle/>
-            <a:p>
-              <a:pPr/>
-              <a:r>
-                <a:t>eth</a:t>
-              </a:r>
-              <a:r>
-                <a:rPr baseline="-5999"/>
-                <a:t>3</a:t>
-              </a:r>
-            </a:p>
-          </p:txBody>
-        </p:sp>
-        <p:sp>
-          <p:nvSpPr>
-            <p:cNvPr id="497" name="172.21.5.5/24"/>
-            <p:cNvSpPr txBox="1"/>
-            <p:nvPr/>
-          </p:nvSpPr>
-          <p:spPr>
-            <a:xfrm>
-              <a:off x="8394390" y="1093013"/>
-              <a:ext cx="1320835" cy="277098"/>
-            </a:xfrm>
-            <a:prstGeom prst="rect">
-              <a:avLst/>
-            </a:prstGeom>
-            <a:noFill/>
-            <a:ln w="3175" cap="flat">
-              <a:noFill/>
-              <a:miter lim="400000"/>
-            </a:ln>
-            <a:effectLst/>
-            <a:extLst>
-              <a:ext uri="{C572A759-6A51-4108-AA02-DFA0A04FC94B}">
-                <ma14:wrappingTextBoxFlag xmlns:ma14="http://schemas.microsoft.com/office/mac/drawingml/2011/main" val="1"/>
-              </a:ext>
-            </a:extLst>
-          </p:spPr>
-          <p:txBody>
-            <a:bodyPr wrap="none" lIns="27093" tIns="27093" rIns="27093" bIns="27093" numCol="1" anchor="ctr">
-              <a:spAutoFit/>
-            </a:bodyPr>
-            <a:lstStyle/>
-            <a:p>
-              <a:pPr/>
-              <a:r>
-                <a:t>172.21.5.5/24</a:t>
-              </a:r>
-            </a:p>
-          </p:txBody>
-        </p:sp>
-        <p:sp>
-          <p:nvSpPr>
-            <p:cNvPr id="498" name="172.21.6.66/23"/>
-            <p:cNvSpPr txBox="1"/>
-            <p:nvPr/>
-          </p:nvSpPr>
-          <p:spPr>
-            <a:xfrm>
-              <a:off x="6494048" y="4351761"/>
-              <a:ext cx="1433814" cy="277098"/>
-            </a:xfrm>
-            <a:prstGeom prst="rect">
-              <a:avLst/>
-            </a:prstGeom>
-            <a:noFill/>
-            <a:ln w="3175" cap="flat">
-              <a:noFill/>
-              <a:miter lim="400000"/>
-            </a:ln>
-            <a:effectLst/>
-            <a:extLst>
-              <a:ext uri="{C572A759-6A51-4108-AA02-DFA0A04FC94B}">
-                <ma14:wrappingTextBoxFlag xmlns:ma14="http://schemas.microsoft.com/office/mac/drawingml/2011/main" val="1"/>
-              </a:ext>
-            </a:extLst>
-          </p:spPr>
-          <p:txBody>
-            <a:bodyPr wrap="none" lIns="27093" tIns="27093" rIns="27093" bIns="27093" numCol="1" anchor="ctr">
-              <a:spAutoFit/>
-            </a:bodyPr>
-            <a:lstStyle/>
-            <a:p>
-              <a:pPr/>
-              <a:r>
-                <a:t>172.21.6.66/23</a:t>
-              </a:r>
-            </a:p>
-          </p:txBody>
-        </p:sp>
-        <p:sp>
-          <p:nvSpPr>
-            <p:cNvPr id="499" name="Line"/>
-            <p:cNvSpPr/>
-            <p:nvPr/>
-          </p:nvSpPr>
-          <p:spPr>
-            <a:xfrm>
-              <a:off x="6475523" y="1401528"/>
-              <a:ext cx="2117160" cy="1768315"/>
-            </a:xfrm>
-            <a:prstGeom prst="line">
-              <a:avLst/>
-            </a:prstGeom>
-            <a:noFill/>
-            <a:ln w="38100" cap="flat">
+              <a:ln w="3175" cap="flat">
+                <a:noFill/>
+                <a:miter lim="400000"/>
+              </a:ln>
+              <a:effectLst/>
+            </p:spPr>
+            <p:txBody>
+              <a:bodyPr wrap="square" lIns="45719" tIns="45719" rIns="45719" bIns="45719" numCol="1" anchor="ctr">
+                <a:noAutofit/>
+              </a:bodyPr>
+              <a:lstStyle/>
+              <a:p>
+                <a:pPr defTabSz="914400">
+                  <a:defRPr sz="1800">
+                    <a:solidFill>
+                      <a:srgbClr val="FFFFFF"/>
+                    </a:solidFill>
+                    <a:latin typeface="Calibri"/>
+                    <a:ea typeface="Calibri"/>
+                    <a:cs typeface="Calibri"/>
+                    <a:sym typeface="Calibri"/>
+                  </a:defRPr>
+                </a:pPr>
+              </a:p>
+            </p:txBody>
+          </p:sp>
+          <p:sp>
+            <p:nvSpPr>
+              <p:cNvPr id="478" name="Freeform 385"/>
+              <p:cNvSpPr/>
+              <p:nvPr/>
+            </p:nvSpPr>
+            <p:spPr>
+              <a:xfrm>
+                <a:off x="136971" y="81473"/>
+                <a:ext cx="857899" cy="253172"/>
+              </a:xfrm>
+              <a:custGeom>
+                <a:avLst/>
+                <a:gdLst/>
+                <a:ahLst/>
+                <a:cxnLst>
+                  <a:cxn ang="0">
+                    <a:pos x="wd2" y="hd2"/>
+                  </a:cxn>
+                  <a:cxn ang="5400000">
+                    <a:pos x="wd2" y="hd2"/>
+                  </a:cxn>
+                  <a:cxn ang="10800000">
+                    <a:pos x="wd2" y="hd2"/>
+                  </a:cxn>
+                  <a:cxn ang="16200000">
+                    <a:pos x="wd2" y="hd2"/>
+                  </a:cxn>
+                </a:cxnLst>
+                <a:rect l="0" t="0" r="r" b="b"/>
+                <a:pathLst>
+                  <a:path w="21600" h="21600" fill="norm" stroke="1" extrusionOk="0">
+                    <a:moveTo>
+                      <a:pt x="939" y="1120"/>
+                    </a:moveTo>
+                    <a:lnTo>
+                      <a:pt x="2585" y="0"/>
+                    </a:lnTo>
+                    <a:lnTo>
+                      <a:pt x="10744" y="9007"/>
+                    </a:lnTo>
+                    <a:lnTo>
+                      <a:pt x="19467" y="0"/>
+                    </a:lnTo>
+                    <a:lnTo>
+                      <a:pt x="20747" y="1120"/>
+                    </a:lnTo>
+                    <a:lnTo>
+                      <a:pt x="15265" y="6833"/>
+                    </a:lnTo>
+                    <a:lnTo>
+                      <a:pt x="15222" y="13740"/>
+                    </a:lnTo>
+                    <a:lnTo>
+                      <a:pt x="21600" y="20480"/>
+                    </a:lnTo>
+                    <a:lnTo>
+                      <a:pt x="19954" y="21440"/>
+                    </a:lnTo>
+                    <a:lnTo>
+                      <a:pt x="10813" y="11360"/>
+                    </a:lnTo>
+                    <a:lnTo>
+                      <a:pt x="1488" y="21600"/>
+                    </a:lnTo>
+                    <a:lnTo>
+                      <a:pt x="0" y="20263"/>
+                    </a:lnTo>
+                    <a:lnTo>
+                      <a:pt x="6457" y="13760"/>
+                    </a:lnTo>
+                    <a:cubicBezTo>
+                      <a:pt x="6457" y="11573"/>
+                      <a:pt x="6392" y="9067"/>
+                      <a:pt x="6392" y="6880"/>
+                    </a:cubicBezTo>
+                    <a:lnTo>
+                      <a:pt x="1061" y="1280"/>
+                    </a:lnTo>
+                    <a:cubicBezTo>
+                      <a:pt x="153" y="320"/>
+                      <a:pt x="980" y="1173"/>
+                      <a:pt x="939" y="1120"/>
+                    </a:cubicBezTo>
+                    <a:close/>
+                  </a:path>
+                </a:pathLst>
+              </a:custGeom>
               <a:solidFill>
-                <a:srgbClr val="000000"/>
+                <a:srgbClr val="8FAADC"/>
               </a:solidFill>
-              <a:prstDash val="solid"/>
-              <a:miter lim="400000"/>
-            </a:ln>
-            <a:effectLst/>
-          </p:spPr>
-          <p:txBody>
-            <a:bodyPr wrap="square" lIns="27093" tIns="27093" rIns="27093" bIns="27093" numCol="1" anchor="ctr">
-              <a:noAutofit/>
-            </a:bodyPr>
-            <a:lstStyle/>
-            <a:p>
-              <a:pPr/>
-            </a:p>
-          </p:txBody>
-        </p:sp>
-        <p:sp>
-          <p:nvSpPr>
-            <p:cNvPr id="500" name="Network-7…"/>
-            <p:cNvSpPr txBox="1"/>
-            <p:nvPr/>
-          </p:nvSpPr>
-          <p:spPr>
-            <a:xfrm rot="2400000">
-              <a:off x="7045690" y="2194663"/>
-              <a:ext cx="1320835" cy="505698"/>
-            </a:xfrm>
-            <a:prstGeom prst="rect">
-              <a:avLst/>
-            </a:prstGeom>
-            <a:noFill/>
-            <a:ln w="3175" cap="flat">
-              <a:noFill/>
-              <a:miter lim="400000"/>
-            </a:ln>
-            <a:effectLst/>
-            <a:extLst>
-              <a:ext uri="{C572A759-6A51-4108-AA02-DFA0A04FC94B}">
-                <ma14:wrappingTextBoxFlag xmlns:ma14="http://schemas.microsoft.com/office/mac/drawingml/2011/main" val="1"/>
-              </a:ext>
-            </a:extLst>
-          </p:spPr>
-          <p:txBody>
-            <a:bodyPr wrap="none" lIns="27093" tIns="27093" rIns="27093" bIns="27093" numCol="1" anchor="ctr">
-              <a:spAutoFit/>
-            </a:bodyPr>
-            <a:lstStyle/>
-            <a:p>
-              <a:pPr/>
-              <a:r>
-                <a:t>Network-7</a:t>
-              </a:r>
-            </a:p>
-            <a:p>
-              <a:pPr/>
-              <a:r>
-                <a:t>172.21.6.0/26</a:t>
-              </a:r>
-            </a:p>
-          </p:txBody>
-        </p:sp>
-        <p:sp>
-          <p:nvSpPr>
-            <p:cNvPr id="501" name="HE"/>
-            <p:cNvSpPr txBox="1"/>
-            <p:nvPr/>
-          </p:nvSpPr>
-          <p:spPr>
-            <a:xfrm>
-              <a:off x="8511743" y="2388662"/>
-              <a:ext cx="640996" cy="583719"/>
-            </a:xfrm>
-            <a:prstGeom prst="rect">
-              <a:avLst/>
-            </a:prstGeom>
-            <a:noFill/>
-            <a:ln w="3175" cap="flat">
-              <a:noFill/>
-              <a:miter lim="400000"/>
-            </a:ln>
-            <a:effectLst/>
-            <a:extLst>
-              <a:ext uri="{C572A759-6A51-4108-AA02-DFA0A04FC94B}">
-                <ma14:wrappingTextBoxFlag xmlns:ma14="http://schemas.microsoft.com/office/mac/drawingml/2011/main" val="1"/>
-              </a:ext>
-            </a:extLst>
-          </p:spPr>
-          <p:txBody>
-            <a:bodyPr wrap="square" lIns="27093" tIns="27093" rIns="27093" bIns="27093" numCol="1" anchor="ctr">
-              <a:noAutofit/>
-            </a:bodyPr>
-            <a:lstStyle>
-              <a:lvl1pPr>
-                <a:defRPr b="1" sz="2400"/>
-              </a:lvl1pPr>
-            </a:lstStyle>
-            <a:p>
-              <a:pPr/>
-              <a:r>
-                <a:t>HE</a:t>
-              </a:r>
-            </a:p>
-          </p:txBody>
-        </p:sp>
-        <p:sp>
-          <p:nvSpPr>
-            <p:cNvPr id="502" name="eth0"/>
-            <p:cNvSpPr txBox="1"/>
-            <p:nvPr/>
-          </p:nvSpPr>
-          <p:spPr>
-            <a:xfrm>
-              <a:off x="6589380" y="1324618"/>
-              <a:ext cx="428313" cy="277098"/>
-            </a:xfrm>
-            <a:prstGeom prst="rect">
-              <a:avLst/>
-            </a:prstGeom>
-            <a:noFill/>
-            <a:ln w="3175" cap="flat">
-              <a:noFill/>
-              <a:miter lim="400000"/>
-            </a:ln>
-            <a:effectLst/>
-            <a:extLst>
-              <a:ext uri="{C572A759-6A51-4108-AA02-DFA0A04FC94B}">
-                <ma14:wrappingTextBoxFlag xmlns:ma14="http://schemas.microsoft.com/office/mac/drawingml/2011/main" val="1"/>
-              </a:ext>
-            </a:extLst>
-          </p:spPr>
-          <p:txBody>
-            <a:bodyPr wrap="none" lIns="27093" tIns="27093" rIns="27093" bIns="27093" numCol="1" anchor="ctr">
-              <a:spAutoFit/>
-            </a:bodyPr>
-            <a:lstStyle/>
-            <a:p>
-              <a:pPr/>
-              <a:r>
-                <a:t>eth</a:t>
-              </a:r>
-              <a:r>
-                <a:rPr baseline="-5999"/>
-                <a:t>0</a:t>
-              </a:r>
-            </a:p>
-          </p:txBody>
-        </p:sp>
-        <p:sp>
-          <p:nvSpPr>
-            <p:cNvPr id="503" name="172.21.6.2/26"/>
-            <p:cNvSpPr txBox="1"/>
-            <p:nvPr/>
-          </p:nvSpPr>
-          <p:spPr>
-            <a:xfrm>
-              <a:off x="6841168" y="1525233"/>
-              <a:ext cx="1320835" cy="277098"/>
-            </a:xfrm>
-            <a:prstGeom prst="rect">
-              <a:avLst/>
-            </a:prstGeom>
-            <a:noFill/>
-            <a:ln w="3175" cap="flat">
-              <a:noFill/>
-              <a:miter lim="400000"/>
-            </a:ln>
-            <a:effectLst/>
-            <a:extLst>
-              <a:ext uri="{C572A759-6A51-4108-AA02-DFA0A04FC94B}">
-                <ma14:wrappingTextBoxFlag xmlns:ma14="http://schemas.microsoft.com/office/mac/drawingml/2011/main" val="1"/>
-              </a:ext>
-            </a:extLst>
-          </p:spPr>
-          <p:txBody>
-            <a:bodyPr wrap="none" lIns="27093" tIns="27093" rIns="27093" bIns="27093" numCol="1" anchor="ctr">
-              <a:spAutoFit/>
-            </a:bodyPr>
-            <a:lstStyle/>
-            <a:p>
-              <a:pPr/>
-              <a:r>
-                <a:t>172.21.6.2/26</a:t>
-              </a:r>
-            </a:p>
-          </p:txBody>
-        </p:sp>
-        <p:sp>
-          <p:nvSpPr>
-            <p:cNvPr id="504" name="172.21.6.5/26"/>
-            <p:cNvSpPr txBox="1"/>
-            <p:nvPr/>
-          </p:nvSpPr>
-          <p:spPr>
-            <a:xfrm>
-              <a:off x="8049922" y="3365310"/>
-              <a:ext cx="1320835" cy="277098"/>
-            </a:xfrm>
-            <a:prstGeom prst="rect">
-              <a:avLst/>
-            </a:prstGeom>
-            <a:noFill/>
-            <a:ln w="3175" cap="flat">
-              <a:noFill/>
-              <a:miter lim="400000"/>
-            </a:ln>
-            <a:effectLst/>
-            <a:extLst>
-              <a:ext uri="{C572A759-6A51-4108-AA02-DFA0A04FC94B}">
-                <ma14:wrappingTextBoxFlag xmlns:ma14="http://schemas.microsoft.com/office/mac/drawingml/2011/main" val="1"/>
-              </a:ext>
-            </a:extLst>
-          </p:spPr>
-          <p:txBody>
-            <a:bodyPr wrap="none" lIns="27093" tIns="27093" rIns="27093" bIns="27093" numCol="1" anchor="ctr">
-              <a:spAutoFit/>
-            </a:bodyPr>
-            <a:lstStyle/>
-            <a:p>
-              <a:pPr/>
-              <a:r>
-                <a:t>172.21.6.5/26</a:t>
-              </a:r>
-            </a:p>
-          </p:txBody>
-        </p:sp>
-        <p:sp>
-          <p:nvSpPr>
-            <p:cNvPr id="505" name="Network-4…"/>
-            <p:cNvSpPr txBox="1"/>
-            <p:nvPr/>
-          </p:nvSpPr>
-          <p:spPr>
-            <a:xfrm rot="3420000">
-              <a:off x="3138300" y="2056460"/>
-              <a:ext cx="1320835" cy="505698"/>
-            </a:xfrm>
-            <a:prstGeom prst="rect">
-              <a:avLst/>
-            </a:prstGeom>
-            <a:noFill/>
-            <a:ln w="3175" cap="flat">
-              <a:noFill/>
-              <a:miter lim="400000"/>
-            </a:ln>
-            <a:effectLst/>
-            <a:extLst>
-              <a:ext uri="{C572A759-6A51-4108-AA02-DFA0A04FC94B}">
-                <ma14:wrappingTextBoxFlag xmlns:ma14="http://schemas.microsoft.com/office/mac/drawingml/2011/main" val="1"/>
-              </a:ext>
-            </a:extLst>
-          </p:spPr>
-          <p:txBody>
-            <a:bodyPr wrap="none" lIns="27093" tIns="27093" rIns="27093" bIns="27093" numCol="1" anchor="ctr">
-              <a:spAutoFit/>
-            </a:bodyPr>
-            <a:lstStyle/>
-            <a:p>
-              <a:pPr/>
-              <a:r>
-                <a:t>Network-4</a:t>
-              </a:r>
-            </a:p>
-            <a:p>
-              <a:pPr/>
-              <a:r>
-                <a:t>172.21.1.0/29</a:t>
-              </a:r>
-            </a:p>
-          </p:txBody>
-        </p:sp>
-        <p:sp>
-          <p:nvSpPr>
-            <p:cNvPr id="506" name="Line"/>
-            <p:cNvSpPr/>
-            <p:nvPr/>
-          </p:nvSpPr>
-          <p:spPr>
-            <a:xfrm flipV="1">
-              <a:off x="5124823" y="1355330"/>
-              <a:ext cx="836583" cy="1747374"/>
-            </a:xfrm>
-            <a:prstGeom prst="line">
-              <a:avLst/>
-            </a:prstGeom>
-            <a:noFill/>
-            <a:ln w="38100" cap="flat">
-              <a:solidFill>
-                <a:srgbClr val="000000"/>
-              </a:solidFill>
-              <a:prstDash val="solid"/>
-              <a:miter lim="400000"/>
-            </a:ln>
-            <a:effectLst/>
-          </p:spPr>
-          <p:txBody>
-            <a:bodyPr wrap="square" lIns="27093" tIns="27093" rIns="27093" bIns="27093" numCol="1" anchor="ctr">
-              <a:noAutofit/>
-            </a:bodyPr>
-            <a:lstStyle/>
-            <a:p>
-              <a:pPr/>
-            </a:p>
-          </p:txBody>
-        </p:sp>
-        <p:sp>
-          <p:nvSpPr>
-            <p:cNvPr id="507" name="eth1"/>
-            <p:cNvSpPr txBox="1"/>
-            <p:nvPr/>
-          </p:nvSpPr>
-          <p:spPr>
-            <a:xfrm>
-              <a:off x="5457314" y="1251992"/>
-              <a:ext cx="428312" cy="277098"/>
-            </a:xfrm>
-            <a:prstGeom prst="rect">
-              <a:avLst/>
-            </a:prstGeom>
-            <a:noFill/>
-            <a:ln w="3175" cap="flat">
-              <a:noFill/>
-              <a:miter lim="400000"/>
-            </a:ln>
-            <a:effectLst/>
-            <a:extLst>
-              <a:ext uri="{C572A759-6A51-4108-AA02-DFA0A04FC94B}">
-                <ma14:wrappingTextBoxFlag xmlns:ma14="http://schemas.microsoft.com/office/mac/drawingml/2011/main" val="1"/>
-              </a:ext>
-            </a:extLst>
-          </p:spPr>
-          <p:txBody>
-            <a:bodyPr wrap="none" lIns="27093" tIns="27093" rIns="27093" bIns="27093" numCol="1" anchor="ctr">
-              <a:spAutoFit/>
-            </a:bodyPr>
-            <a:lstStyle/>
-            <a:p>
-              <a:pPr/>
-              <a:r>
-                <a:t>eth</a:t>
-              </a:r>
-              <a:r>
-                <a:rPr baseline="-5999"/>
-                <a:t>1</a:t>
-              </a:r>
-            </a:p>
-          </p:txBody>
-        </p:sp>
-        <p:sp>
-          <p:nvSpPr>
-            <p:cNvPr id="508" name="Network-6…"/>
-            <p:cNvSpPr txBox="1"/>
-            <p:nvPr/>
-          </p:nvSpPr>
-          <p:spPr>
-            <a:xfrm rot="17700000">
-              <a:off x="4510321" y="2098713"/>
-              <a:ext cx="1348381" cy="480653"/>
-            </a:xfrm>
-            <a:prstGeom prst="rect">
-              <a:avLst/>
-            </a:prstGeom>
-            <a:noFill/>
-            <a:ln w="3175" cap="flat">
-              <a:noFill/>
-              <a:miter lim="400000"/>
-            </a:ln>
-            <a:effectLst/>
-            <a:extLst>
-              <a:ext uri="{C572A759-6A51-4108-AA02-DFA0A04FC94B}">
-                <ma14:wrappingTextBoxFlag xmlns:ma14="http://schemas.microsoft.com/office/mac/drawingml/2011/main" val="1"/>
-              </a:ext>
-            </a:extLst>
-          </p:spPr>
-          <p:txBody>
-            <a:bodyPr wrap="none" lIns="27093" tIns="27093" rIns="27093" bIns="27093" numCol="1" anchor="ctr">
-              <a:spAutoFit/>
-            </a:bodyPr>
-            <a:lstStyle/>
-            <a:p>
-              <a:pPr>
-                <a:defRPr sz="1500"/>
-              </a:pPr>
-              <a:r>
-                <a:t>Network-6</a:t>
-              </a:r>
-            </a:p>
-            <a:p>
-              <a:pPr>
-                <a:defRPr sz="1500"/>
-              </a:pPr>
-              <a:r>
-                <a:t>172.21.1.16/29</a:t>
-              </a:r>
-            </a:p>
-          </p:txBody>
-        </p:sp>
-        <p:sp>
-          <p:nvSpPr>
-            <p:cNvPr id="509" name="172.21.1.18"/>
-            <p:cNvSpPr txBox="1"/>
-            <p:nvPr/>
-          </p:nvSpPr>
-          <p:spPr>
-            <a:xfrm>
-              <a:off x="5315531" y="1479177"/>
-              <a:ext cx="1140190" cy="277098"/>
-            </a:xfrm>
-            <a:prstGeom prst="rect">
-              <a:avLst/>
-            </a:prstGeom>
-            <a:noFill/>
-            <a:ln w="3175" cap="flat">
-              <a:noFill/>
-              <a:miter lim="400000"/>
-            </a:ln>
-            <a:effectLst/>
-            <a:extLst>
-              <a:ext uri="{C572A759-6A51-4108-AA02-DFA0A04FC94B}">
-                <ma14:wrappingTextBoxFlag xmlns:ma14="http://schemas.microsoft.com/office/mac/drawingml/2011/main" val="1"/>
-              </a:ext>
-            </a:extLst>
-          </p:spPr>
-          <p:txBody>
-            <a:bodyPr wrap="none" lIns="27093" tIns="27093" rIns="27093" bIns="27093" numCol="1" anchor="ctr">
-              <a:spAutoFit/>
-            </a:bodyPr>
-            <a:lstStyle/>
-            <a:p>
-              <a:pPr/>
-              <a:r>
-                <a:t>172.21.1.18</a:t>
-              </a:r>
-            </a:p>
-          </p:txBody>
-        </p:sp>
-        <p:sp>
-          <p:nvSpPr>
-            <p:cNvPr id="510" name="eth2"/>
-            <p:cNvSpPr txBox="1"/>
-            <p:nvPr/>
-          </p:nvSpPr>
-          <p:spPr>
-            <a:xfrm>
-              <a:off x="5243158" y="2833832"/>
-              <a:ext cx="428313" cy="277098"/>
-            </a:xfrm>
-            <a:prstGeom prst="rect">
-              <a:avLst/>
-            </a:prstGeom>
-            <a:noFill/>
-            <a:ln w="3175" cap="flat">
-              <a:noFill/>
-              <a:miter lim="400000"/>
-            </a:ln>
-            <a:effectLst/>
-            <a:extLst>
-              <a:ext uri="{C572A759-6A51-4108-AA02-DFA0A04FC94B}">
-                <ma14:wrappingTextBoxFlag xmlns:ma14="http://schemas.microsoft.com/office/mac/drawingml/2011/main" val="1"/>
-              </a:ext>
-            </a:extLst>
-          </p:spPr>
-          <p:txBody>
-            <a:bodyPr wrap="none" lIns="27093" tIns="27093" rIns="27093" bIns="27093" numCol="1" anchor="ctr">
-              <a:spAutoFit/>
-            </a:bodyPr>
-            <a:lstStyle/>
-            <a:p>
-              <a:pPr/>
-              <a:r>
-                <a:t>eth</a:t>
-              </a:r>
-              <a:r>
-                <a:rPr baseline="-5999"/>
-                <a:t>2</a:t>
-              </a:r>
-            </a:p>
-          </p:txBody>
-        </p:sp>
-        <p:sp>
-          <p:nvSpPr>
-            <p:cNvPr id="511" name="172.21.1.22"/>
-            <p:cNvSpPr txBox="1"/>
-            <p:nvPr/>
-          </p:nvSpPr>
-          <p:spPr>
-            <a:xfrm>
-              <a:off x="5262987" y="2674185"/>
-              <a:ext cx="1140190" cy="277099"/>
-            </a:xfrm>
-            <a:prstGeom prst="rect">
-              <a:avLst/>
-            </a:prstGeom>
-            <a:noFill/>
-            <a:ln w="3175" cap="flat">
-              <a:noFill/>
-              <a:miter lim="400000"/>
-            </a:ln>
-            <a:effectLst/>
-            <a:extLst>
-              <a:ext uri="{C572A759-6A51-4108-AA02-DFA0A04FC94B}">
-                <ma14:wrappingTextBoxFlag xmlns:ma14="http://schemas.microsoft.com/office/mac/drawingml/2011/main" val="1"/>
-              </a:ext>
-            </a:extLst>
-          </p:spPr>
-          <p:txBody>
-            <a:bodyPr wrap="none" lIns="27093" tIns="27093" rIns="27093" bIns="27093" numCol="1" anchor="ctr">
-              <a:spAutoFit/>
-            </a:bodyPr>
-            <a:lstStyle/>
-            <a:p>
-              <a:pPr/>
-              <a:r>
-                <a:t>172.21.1.22</a:t>
-              </a:r>
-            </a:p>
-          </p:txBody>
-        </p:sp>
-        <p:pic>
-          <p:nvPicPr>
-            <p:cNvPr id="512" name="Picture 97" descr="Picture 97"/>
-            <p:cNvPicPr>
-              <a:picLocks noChangeAspect="1"/>
-            </p:cNvPicPr>
-            <p:nvPr/>
-          </p:nvPicPr>
-          <p:blipFill>
-            <a:blip r:embed="rId2">
-              <a:extLst/>
-            </a:blip>
-            <a:stretch>
-              <a:fillRect/>
-            </a:stretch>
-          </p:blipFill>
-          <p:spPr>
-            <a:xfrm>
-              <a:off x="0" y="726690"/>
-              <a:ext cx="779463" cy="679451"/>
-            </a:xfrm>
-            <a:prstGeom prst="rect">
-              <a:avLst/>
-            </a:prstGeom>
-            <a:ln w="3175" cap="flat">
-              <a:noFill/>
-              <a:miter lim="400000"/>
-            </a:ln>
-            <a:effectLst/>
-          </p:spPr>
-        </p:pic>
-        <p:pic>
-          <p:nvPicPr>
-            <p:cNvPr id="513" name="Picture 97" descr="Picture 97"/>
-            <p:cNvPicPr>
-              <a:picLocks noChangeAspect="1"/>
-            </p:cNvPicPr>
-            <p:nvPr/>
-          </p:nvPicPr>
-          <p:blipFill>
-            <a:blip r:embed="rId2">
-              <a:extLst/>
-            </a:blip>
-            <a:stretch>
-              <a:fillRect/>
-            </a:stretch>
-          </p:blipFill>
-          <p:spPr>
-            <a:xfrm flipH="1">
-              <a:off x="8659955" y="482005"/>
-              <a:ext cx="779464" cy="679451"/>
-            </a:xfrm>
-            <a:prstGeom prst="rect">
-              <a:avLst/>
-            </a:prstGeom>
-            <a:ln w="3175" cap="flat">
-              <a:noFill/>
-              <a:miter lim="400000"/>
-            </a:ln>
-            <a:effectLst/>
-          </p:spPr>
-        </p:pic>
-        <p:pic>
-          <p:nvPicPr>
-            <p:cNvPr id="514" name="Picture 97" descr="Picture 97"/>
-            <p:cNvPicPr>
-              <a:picLocks noChangeAspect="1"/>
-            </p:cNvPicPr>
-            <p:nvPr/>
-          </p:nvPicPr>
-          <p:blipFill>
-            <a:blip r:embed="rId2">
-              <a:extLst/>
-            </a:blip>
-            <a:stretch>
-              <a:fillRect/>
-            </a:stretch>
-          </p:blipFill>
-          <p:spPr>
-            <a:xfrm flipH="1">
-              <a:off x="8172524" y="2770713"/>
-              <a:ext cx="779464" cy="679451"/>
-            </a:xfrm>
-            <a:prstGeom prst="rect">
-              <a:avLst/>
-            </a:prstGeom>
-            <a:ln w="3175" cap="flat">
-              <a:noFill/>
-              <a:miter lim="400000"/>
-            </a:ln>
-            <a:effectLst/>
-          </p:spPr>
-        </p:pic>
-        <p:pic>
-          <p:nvPicPr>
-            <p:cNvPr id="515" name="Picture 97" descr="Picture 97"/>
-            <p:cNvPicPr>
-              <a:picLocks noChangeAspect="1"/>
-            </p:cNvPicPr>
-            <p:nvPr/>
-          </p:nvPicPr>
-          <p:blipFill>
-            <a:blip r:embed="rId2">
-              <a:extLst/>
-            </a:blip>
-            <a:stretch>
-              <a:fillRect/>
-            </a:stretch>
-          </p:blipFill>
-          <p:spPr>
-            <a:xfrm flipH="1">
-              <a:off x="6627961" y="3774310"/>
-              <a:ext cx="779464" cy="679451"/>
-            </a:xfrm>
-            <a:prstGeom prst="rect">
-              <a:avLst/>
-            </a:prstGeom>
-            <a:ln w="3175" cap="flat">
-              <a:noFill/>
-              <a:miter lim="400000"/>
-            </a:ln>
-            <a:effectLst/>
-          </p:spPr>
-        </p:pic>
-        <p:pic>
-          <p:nvPicPr>
-            <p:cNvPr id="516" name="Picture 97" descr="Picture 97"/>
-            <p:cNvPicPr>
-              <a:picLocks noChangeAspect="1"/>
-            </p:cNvPicPr>
-            <p:nvPr/>
-          </p:nvPicPr>
-          <p:blipFill>
-            <a:blip r:embed="rId2">
-              <a:extLst/>
-            </a:blip>
-            <a:stretch>
-              <a:fillRect/>
-            </a:stretch>
-          </p:blipFill>
-          <p:spPr>
-            <a:xfrm flipH="1">
-              <a:off x="4367090" y="4838744"/>
-              <a:ext cx="779464" cy="679451"/>
-            </a:xfrm>
-            <a:prstGeom prst="rect">
-              <a:avLst/>
-            </a:prstGeom>
-            <a:ln w="3175" cap="flat">
-              <a:noFill/>
-              <a:miter lim="400000"/>
-            </a:ln>
-            <a:effectLst/>
-          </p:spPr>
-        </p:pic>
-        <p:sp>
-          <p:nvSpPr>
-            <p:cNvPr id="517" name="Network-8"/>
-            <p:cNvSpPr txBox="1"/>
-            <p:nvPr/>
-          </p:nvSpPr>
-          <p:spPr>
-            <a:xfrm>
-              <a:off x="4523782" y="4453760"/>
-              <a:ext cx="1022537" cy="505698"/>
-            </a:xfrm>
-            <a:prstGeom prst="rect">
-              <a:avLst/>
-            </a:prstGeom>
-            <a:noFill/>
-            <a:ln w="3175" cap="flat">
-              <a:noFill/>
-              <a:miter lim="400000"/>
-            </a:ln>
-            <a:effectLst/>
-            <a:extLst>
-              <a:ext uri="{C572A759-6A51-4108-AA02-DFA0A04FC94B}">
-                <ma14:wrappingTextBoxFlag xmlns:ma14="http://schemas.microsoft.com/office/mac/drawingml/2011/main" val="1"/>
-              </a:ext>
-            </a:extLst>
-          </p:spPr>
-          <p:txBody>
-            <a:bodyPr wrap="none" lIns="27093" tIns="27093" rIns="27093" bIns="27093" numCol="1" anchor="ctr">
-              <a:spAutoFit/>
-            </a:bodyPr>
-            <a:lstStyle/>
-            <a:p>
-              <a:pPr/>
-              <a:r>
-                <a:t>Network-8</a:t>
-              </a:r>
-            </a:p>
-          </p:txBody>
-        </p:sp>
+              <a:ln w="3175" cap="flat">
+                <a:noFill/>
+                <a:miter lim="400000"/>
+              </a:ln>
+              <a:effectLst/>
+            </p:spPr>
+            <p:txBody>
+              <a:bodyPr wrap="square" lIns="45719" tIns="45719" rIns="45719" bIns="45719" numCol="1" anchor="ctr">
+                <a:noAutofit/>
+              </a:bodyPr>
+              <a:lstStyle/>
+              <a:p>
+                <a:pPr defTabSz="914400">
+                  <a:defRPr sz="1800">
+                    <a:solidFill>
+                      <a:srgbClr val="FFFFFF"/>
+                    </a:solidFill>
+                    <a:latin typeface="Calibri"/>
+                    <a:ea typeface="Calibri"/>
+                    <a:cs typeface="Calibri"/>
+                    <a:sym typeface="Calibri"/>
+                  </a:defRPr>
+                </a:pPr>
+              </a:p>
+            </p:txBody>
+          </p:sp>
+        </p:grpSp>
       </p:grpSp>
+      <p:sp>
+        <p:nvSpPr>
+          <p:cNvPr id="481" name="R3"/>
+          <p:cNvSpPr txBox="1"/>
+          <p:nvPr/>
+        </p:nvSpPr>
+        <p:spPr>
+          <a:xfrm>
+            <a:off x="6195444" y="4944814"/>
+            <a:ext cx="564367" cy="583719"/>
+          </a:xfrm>
+          <a:prstGeom prst="rect">
+            <a:avLst/>
+          </a:prstGeom>
+          <a:ln w="3175">
+            <a:miter lim="400000"/>
+          </a:ln>
+          <a:extLst>
+            <a:ext uri="{C572A759-6A51-4108-AA02-DFA0A04FC94B}">
+              <ma14:wrappingTextBoxFlag xmlns:ma14="http://schemas.microsoft.com/office/mac/drawingml/2011/main" val="1"/>
+            </a:ext>
+          </a:extLst>
+        </p:spPr>
+        <p:txBody>
+          <a:bodyPr lIns="27093" tIns="27093" rIns="27093" bIns="27093" anchor="ctr"/>
+          <a:lstStyle/>
+          <a:p>
+            <a:pPr>
+              <a:defRPr b="1" sz="2400"/>
+            </a:pPr>
+            <a:r>
+              <a:t>R</a:t>
+            </a:r>
+            <a:r>
+              <a:rPr baseline="-5999"/>
+              <a:t>3</a:t>
+            </a:r>
+          </a:p>
+        </p:txBody>
+      </p:sp>
+      <p:sp>
+        <p:nvSpPr>
+          <p:cNvPr id="482" name="172.21.1.6"/>
+          <p:cNvSpPr txBox="1"/>
+          <p:nvPr/>
+        </p:nvSpPr>
+        <p:spPr>
+          <a:xfrm>
+            <a:off x="4607656" y="4966619"/>
+            <a:ext cx="1027211" cy="277098"/>
+          </a:xfrm>
+          <a:prstGeom prst="rect">
+            <a:avLst/>
+          </a:prstGeom>
+          <a:ln w="3175">
+            <a:miter lim="400000"/>
+          </a:ln>
+          <a:extLst>
+            <a:ext uri="{C572A759-6A51-4108-AA02-DFA0A04FC94B}">
+              <ma14:wrappingTextBoxFlag xmlns:ma14="http://schemas.microsoft.com/office/mac/drawingml/2011/main" val="1"/>
+            </a:ext>
+          </a:extLst>
+        </p:spPr>
+        <p:txBody>
+          <a:bodyPr wrap="none" lIns="27093" tIns="27093" rIns="27093" bIns="27093" anchor="ctr">
+            <a:spAutoFit/>
+          </a:bodyPr>
+          <a:lstStyle/>
+          <a:p>
+            <a:pPr/>
+            <a:r>
+              <a:t>172.21.1.6</a:t>
+            </a:r>
+          </a:p>
+        </p:txBody>
+      </p:sp>
+      <p:sp>
+        <p:nvSpPr>
+          <p:cNvPr id="483" name="eth0"/>
+          <p:cNvSpPr txBox="1"/>
+          <p:nvPr/>
+        </p:nvSpPr>
+        <p:spPr>
+          <a:xfrm>
+            <a:off x="5180413" y="4756308"/>
+            <a:ext cx="428313" cy="277098"/>
+          </a:xfrm>
+          <a:prstGeom prst="rect">
+            <a:avLst/>
+          </a:prstGeom>
+          <a:ln w="3175">
+            <a:miter lim="400000"/>
+          </a:ln>
+          <a:extLst>
+            <a:ext uri="{C572A759-6A51-4108-AA02-DFA0A04FC94B}">
+              <ma14:wrappingTextBoxFlag xmlns:ma14="http://schemas.microsoft.com/office/mac/drawingml/2011/main" val="1"/>
+            </a:ext>
+          </a:extLst>
+        </p:spPr>
+        <p:txBody>
+          <a:bodyPr wrap="none" lIns="27093" tIns="27093" rIns="27093" bIns="27093" anchor="ctr">
+            <a:spAutoFit/>
+          </a:bodyPr>
+          <a:lstStyle/>
+          <a:p>
+            <a:pPr/>
+            <a:r>
+              <a:t>eth</a:t>
+            </a:r>
+            <a:r>
+              <a:rPr baseline="-5999"/>
+              <a:t>0</a:t>
+            </a:r>
+          </a:p>
+        </p:txBody>
+      </p:sp>
+      <p:sp>
+        <p:nvSpPr>
+          <p:cNvPr id="484" name="Line"/>
+          <p:cNvSpPr/>
+          <p:nvPr/>
+        </p:nvSpPr>
+        <p:spPr>
+          <a:xfrm flipH="1" flipV="1">
+            <a:off x="4462088" y="3035528"/>
+            <a:ext cx="1276845" cy="1956073"/>
+          </a:xfrm>
+          <a:prstGeom prst="line">
+            <a:avLst/>
+          </a:prstGeom>
+          <a:ln w="38100">
+            <a:solidFill>
+              <a:srgbClr val="000000"/>
+            </a:solidFill>
+            <a:miter lim="400000"/>
+          </a:ln>
+        </p:spPr>
+        <p:txBody>
+          <a:bodyPr lIns="27093" tIns="27093" rIns="27093" bIns="27093" anchor="ctr"/>
+          <a:lstStyle/>
+          <a:p>
+            <a:pPr/>
+          </a:p>
+        </p:txBody>
+      </p:sp>
+      <p:sp>
+        <p:nvSpPr>
+          <p:cNvPr id="485" name="eth2"/>
+          <p:cNvSpPr txBox="1"/>
+          <p:nvPr/>
+        </p:nvSpPr>
+        <p:spPr>
+          <a:xfrm>
+            <a:off x="3303198" y="2408031"/>
+            <a:ext cx="428313" cy="277098"/>
+          </a:xfrm>
+          <a:prstGeom prst="rect">
+            <a:avLst/>
+          </a:prstGeom>
+          <a:ln w="3175">
+            <a:miter lim="400000"/>
+          </a:ln>
+          <a:extLst>
+            <a:ext uri="{C572A759-6A51-4108-AA02-DFA0A04FC94B}">
+              <ma14:wrappingTextBoxFlag xmlns:ma14="http://schemas.microsoft.com/office/mac/drawingml/2011/main" val="1"/>
+            </a:ext>
+          </a:extLst>
+        </p:spPr>
+        <p:txBody>
+          <a:bodyPr wrap="none" lIns="27093" tIns="27093" rIns="27093" bIns="27093" anchor="ctr">
+            <a:spAutoFit/>
+          </a:bodyPr>
+          <a:lstStyle/>
+          <a:p>
+            <a:pPr/>
+            <a:r>
+              <a:t>eth</a:t>
+            </a:r>
+            <a:r>
+              <a:rPr baseline="-5999"/>
+              <a:t>2</a:t>
+            </a:r>
+          </a:p>
+        </p:txBody>
+      </p:sp>
+      <p:sp>
+        <p:nvSpPr>
+          <p:cNvPr id="486" name="172.21.4.2"/>
+          <p:cNvSpPr txBox="1"/>
+          <p:nvPr/>
+        </p:nvSpPr>
+        <p:spPr>
+          <a:xfrm>
+            <a:off x="2706697" y="2722824"/>
+            <a:ext cx="1027211" cy="277098"/>
+          </a:xfrm>
+          <a:prstGeom prst="rect">
+            <a:avLst/>
+          </a:prstGeom>
+          <a:ln w="3175">
+            <a:miter lim="400000"/>
+          </a:ln>
+          <a:extLst>
+            <a:ext uri="{C572A759-6A51-4108-AA02-DFA0A04FC94B}">
+              <ma14:wrappingTextBoxFlag xmlns:ma14="http://schemas.microsoft.com/office/mac/drawingml/2011/main" val="1"/>
+            </a:ext>
+          </a:extLst>
+        </p:spPr>
+        <p:txBody>
+          <a:bodyPr wrap="none" lIns="27093" tIns="27093" rIns="27093" bIns="27093" anchor="ctr">
+            <a:spAutoFit/>
+          </a:bodyPr>
+          <a:lstStyle/>
+          <a:p>
+            <a:pPr/>
+            <a:r>
+              <a:t>172.21.4.2</a:t>
+            </a:r>
+          </a:p>
+        </p:txBody>
+      </p:sp>
+      <p:sp>
+        <p:nvSpPr>
+          <p:cNvPr id="487" name="Line"/>
+          <p:cNvSpPr/>
+          <p:nvPr/>
+        </p:nvSpPr>
+        <p:spPr>
+          <a:xfrm flipV="1">
+            <a:off x="6550452" y="5465767"/>
+            <a:ext cx="1" cy="1081999"/>
+          </a:xfrm>
+          <a:prstGeom prst="line">
+            <a:avLst/>
+          </a:prstGeom>
+          <a:ln w="38100">
+            <a:solidFill>
+              <a:srgbClr val="000000"/>
+            </a:solidFill>
+            <a:miter lim="400000"/>
+          </a:ln>
+        </p:spPr>
+        <p:txBody>
+          <a:bodyPr lIns="27093" tIns="27093" rIns="27093" bIns="27093" anchor="ctr"/>
+          <a:lstStyle/>
+          <a:p>
+            <a:pPr/>
+          </a:p>
+        </p:txBody>
+      </p:sp>
+      <p:sp>
+        <p:nvSpPr>
+          <p:cNvPr id="488" name="HD"/>
+          <p:cNvSpPr txBox="1"/>
+          <p:nvPr/>
+        </p:nvSpPr>
+        <p:spPr>
+          <a:xfrm>
+            <a:off x="6594043" y="6583685"/>
+            <a:ext cx="757656" cy="462761"/>
+          </a:xfrm>
+          <a:prstGeom prst="rect">
+            <a:avLst/>
+          </a:prstGeom>
+          <a:ln w="3175">
+            <a:miter lim="400000"/>
+          </a:ln>
+          <a:extLst>
+            <a:ext uri="{C572A759-6A51-4108-AA02-DFA0A04FC94B}">
+              <ma14:wrappingTextBoxFlag xmlns:ma14="http://schemas.microsoft.com/office/mac/drawingml/2011/main" val="1"/>
+            </a:ext>
+          </a:extLst>
+        </p:spPr>
+        <p:txBody>
+          <a:bodyPr lIns="27093" tIns="27093" rIns="27093" bIns="27093" anchor="ctr"/>
+          <a:lstStyle>
+            <a:lvl1pPr>
+              <a:defRPr b="1" sz="2400"/>
+            </a:lvl1pPr>
+          </a:lstStyle>
+          <a:p>
+            <a:pPr/>
+            <a:r>
+              <a:t>HD</a:t>
+            </a:r>
+          </a:p>
+        </p:txBody>
+      </p:sp>
+      <p:sp>
+        <p:nvSpPr>
+          <p:cNvPr id="489" name="172.21.5.161/27"/>
+          <p:cNvSpPr txBox="1"/>
+          <p:nvPr/>
+        </p:nvSpPr>
+        <p:spPr>
+          <a:xfrm>
+            <a:off x="5801237" y="7058967"/>
+            <a:ext cx="1546793" cy="277099"/>
+          </a:xfrm>
+          <a:prstGeom prst="rect">
+            <a:avLst/>
+          </a:prstGeom>
+          <a:ln w="3175">
+            <a:miter lim="400000"/>
+          </a:ln>
+          <a:extLst>
+            <a:ext uri="{C572A759-6A51-4108-AA02-DFA0A04FC94B}">
+              <ma14:wrappingTextBoxFlag xmlns:ma14="http://schemas.microsoft.com/office/mac/drawingml/2011/main" val="1"/>
+            </a:ext>
+          </a:extLst>
+        </p:spPr>
+        <p:txBody>
+          <a:bodyPr wrap="none" lIns="27093" tIns="27093" rIns="27093" bIns="27093" anchor="ctr">
+            <a:spAutoFit/>
+          </a:bodyPr>
+          <a:lstStyle/>
+          <a:p>
+            <a:pPr/>
+            <a:r>
+              <a:t>172.21.5.161/27</a:t>
+            </a:r>
+          </a:p>
+        </p:txBody>
+      </p:sp>
+      <p:sp>
+        <p:nvSpPr>
+          <p:cNvPr id="490" name="eth3"/>
+          <p:cNvSpPr txBox="1"/>
+          <p:nvPr/>
+        </p:nvSpPr>
+        <p:spPr>
+          <a:xfrm>
+            <a:off x="6057911" y="5389984"/>
+            <a:ext cx="428313" cy="277098"/>
+          </a:xfrm>
+          <a:prstGeom prst="rect">
+            <a:avLst/>
+          </a:prstGeom>
+          <a:ln w="3175">
+            <a:miter lim="400000"/>
+          </a:ln>
+          <a:extLst>
+            <a:ext uri="{C572A759-6A51-4108-AA02-DFA0A04FC94B}">
+              <ma14:wrappingTextBoxFlag xmlns:ma14="http://schemas.microsoft.com/office/mac/drawingml/2011/main" val="1"/>
+            </a:ext>
+          </a:extLst>
+        </p:spPr>
+        <p:txBody>
+          <a:bodyPr wrap="none" lIns="27093" tIns="27093" rIns="27093" bIns="27093" anchor="ctr">
+            <a:spAutoFit/>
+          </a:bodyPr>
+          <a:lstStyle/>
+          <a:p>
+            <a:pPr/>
+            <a:r>
+              <a:t>eth</a:t>
+            </a:r>
+            <a:r>
+              <a:rPr baseline="-5999"/>
+              <a:t>3</a:t>
+            </a:r>
+          </a:p>
+        </p:txBody>
+      </p:sp>
+      <p:sp>
+        <p:nvSpPr>
+          <p:cNvPr id="491" name="172.21.5.190/27"/>
+          <p:cNvSpPr txBox="1"/>
+          <p:nvPr/>
+        </p:nvSpPr>
+        <p:spPr>
+          <a:xfrm>
+            <a:off x="4981488" y="5643511"/>
+            <a:ext cx="1546793" cy="277098"/>
+          </a:xfrm>
+          <a:prstGeom prst="rect">
+            <a:avLst/>
+          </a:prstGeom>
+          <a:ln w="3175">
+            <a:miter lim="400000"/>
+          </a:ln>
+          <a:extLst>
+            <a:ext uri="{C572A759-6A51-4108-AA02-DFA0A04FC94B}">
+              <ma14:wrappingTextBoxFlag xmlns:ma14="http://schemas.microsoft.com/office/mac/drawingml/2011/main" val="1"/>
+            </a:ext>
+          </a:extLst>
+        </p:spPr>
+        <p:txBody>
+          <a:bodyPr wrap="none" lIns="27093" tIns="27093" rIns="27093" bIns="27093" anchor="ctr">
+            <a:spAutoFit/>
+          </a:bodyPr>
+          <a:lstStyle/>
+          <a:p>
+            <a:pPr/>
+            <a:r>
+              <a:t>172.21.5.190/27</a:t>
+            </a:r>
+          </a:p>
+        </p:txBody>
+      </p:sp>
+      <p:sp>
+        <p:nvSpPr>
+          <p:cNvPr id="492" name="HC"/>
+          <p:cNvSpPr txBox="1"/>
+          <p:nvPr/>
+        </p:nvSpPr>
+        <p:spPr>
+          <a:xfrm>
+            <a:off x="9688568" y="5398546"/>
+            <a:ext cx="589477" cy="583719"/>
+          </a:xfrm>
+          <a:prstGeom prst="rect">
+            <a:avLst/>
+          </a:prstGeom>
+          <a:ln w="3175">
+            <a:miter lim="400000"/>
+          </a:ln>
+          <a:extLst>
+            <a:ext uri="{C572A759-6A51-4108-AA02-DFA0A04FC94B}">
+              <ma14:wrappingTextBoxFlag xmlns:ma14="http://schemas.microsoft.com/office/mac/drawingml/2011/main" val="1"/>
+            </a:ext>
+          </a:extLst>
+        </p:spPr>
+        <p:txBody>
+          <a:bodyPr lIns="27093" tIns="27093" rIns="27093" bIns="27093" anchor="ctr"/>
+          <a:lstStyle>
+            <a:lvl1pPr>
+              <a:defRPr b="1" sz="2400"/>
+            </a:lvl1pPr>
+          </a:lstStyle>
+          <a:p>
+            <a:pPr/>
+            <a:r>
+              <a:t>HC</a:t>
+            </a:r>
+          </a:p>
+        </p:txBody>
+      </p:sp>
+      <p:sp>
+        <p:nvSpPr>
+          <p:cNvPr id="493" name="Line"/>
+          <p:cNvSpPr/>
+          <p:nvPr/>
+        </p:nvSpPr>
+        <p:spPr>
+          <a:xfrm>
+            <a:off x="7236453" y="5139813"/>
+            <a:ext cx="1386807" cy="576161"/>
+          </a:xfrm>
+          <a:prstGeom prst="line">
+            <a:avLst/>
+          </a:prstGeom>
+          <a:ln w="38100">
+            <a:solidFill>
+              <a:srgbClr val="000000"/>
+            </a:solidFill>
+            <a:miter lim="400000"/>
+          </a:ln>
+        </p:spPr>
+        <p:txBody>
+          <a:bodyPr lIns="27093" tIns="27093" rIns="27093" bIns="27093" anchor="ctr"/>
+          <a:lstStyle/>
+          <a:p>
+            <a:pPr/>
+          </a:p>
+        </p:txBody>
+      </p:sp>
+      <p:sp>
+        <p:nvSpPr>
+          <p:cNvPr id="494" name="Network-3…"/>
+          <p:cNvSpPr txBox="1"/>
+          <p:nvPr/>
+        </p:nvSpPr>
+        <p:spPr>
+          <a:xfrm rot="1260000">
+            <a:off x="7367137" y="4903715"/>
+            <a:ext cx="1320835" cy="505698"/>
+          </a:xfrm>
+          <a:prstGeom prst="rect">
+            <a:avLst/>
+          </a:prstGeom>
+          <a:ln w="3175">
+            <a:miter lim="400000"/>
+          </a:ln>
+          <a:extLst>
+            <a:ext uri="{C572A759-6A51-4108-AA02-DFA0A04FC94B}">
+              <ma14:wrappingTextBoxFlag xmlns:ma14="http://schemas.microsoft.com/office/mac/drawingml/2011/main" val="1"/>
+            </a:ext>
+          </a:extLst>
+        </p:spPr>
+        <p:txBody>
+          <a:bodyPr wrap="none" lIns="27093" tIns="27093" rIns="27093" bIns="27093" anchor="ctr">
+            <a:spAutoFit/>
+          </a:bodyPr>
+          <a:lstStyle/>
+          <a:p>
+            <a:pPr/>
+            <a:r>
+              <a:t>Network-3</a:t>
+            </a:r>
+          </a:p>
+          <a:p>
+            <a:pPr/>
+            <a:r>
+              <a:t>172.21.6.0/23</a:t>
+            </a:r>
+          </a:p>
+        </p:txBody>
+      </p:sp>
+      <p:sp>
+        <p:nvSpPr>
+          <p:cNvPr id="495" name="172.21.6.2"/>
+          <p:cNvSpPr txBox="1"/>
+          <p:nvPr/>
+        </p:nvSpPr>
+        <p:spPr>
+          <a:xfrm>
+            <a:off x="6950859" y="5431424"/>
+            <a:ext cx="1027210" cy="277098"/>
+          </a:xfrm>
+          <a:prstGeom prst="rect">
+            <a:avLst/>
+          </a:prstGeom>
+          <a:ln w="3175">
+            <a:miter lim="400000"/>
+          </a:ln>
+          <a:extLst>
+            <a:ext uri="{C572A759-6A51-4108-AA02-DFA0A04FC94B}">
+              <ma14:wrappingTextBoxFlag xmlns:ma14="http://schemas.microsoft.com/office/mac/drawingml/2011/main" val="1"/>
+            </a:ext>
+          </a:extLst>
+        </p:spPr>
+        <p:txBody>
+          <a:bodyPr wrap="none" lIns="27093" tIns="27093" rIns="27093" bIns="27093" anchor="ctr">
+            <a:spAutoFit/>
+          </a:bodyPr>
+          <a:lstStyle/>
+          <a:p>
+            <a:pPr/>
+            <a:r>
+              <a:t>172.21.6.2</a:t>
+            </a:r>
+          </a:p>
+        </p:txBody>
+      </p:sp>
+      <p:sp>
+        <p:nvSpPr>
+          <p:cNvPr id="496" name="eth2"/>
+          <p:cNvSpPr txBox="1"/>
+          <p:nvPr/>
+        </p:nvSpPr>
+        <p:spPr>
+          <a:xfrm>
+            <a:off x="7133874" y="5196252"/>
+            <a:ext cx="428312" cy="277098"/>
+          </a:xfrm>
+          <a:prstGeom prst="rect">
+            <a:avLst/>
+          </a:prstGeom>
+          <a:ln w="3175">
+            <a:miter lim="400000"/>
+          </a:ln>
+          <a:extLst>
+            <a:ext uri="{C572A759-6A51-4108-AA02-DFA0A04FC94B}">
+              <ma14:wrappingTextBoxFlag xmlns:ma14="http://schemas.microsoft.com/office/mac/drawingml/2011/main" val="1"/>
+            </a:ext>
+          </a:extLst>
+        </p:spPr>
+        <p:txBody>
+          <a:bodyPr wrap="none" lIns="27093" tIns="27093" rIns="27093" bIns="27093" anchor="ctr">
+            <a:spAutoFit/>
+          </a:bodyPr>
+          <a:lstStyle/>
+          <a:p>
+            <a:pPr/>
+            <a:r>
+              <a:t>eth</a:t>
+            </a:r>
+            <a:r>
+              <a:rPr baseline="-5999"/>
+              <a:t>2</a:t>
+            </a:r>
+          </a:p>
+        </p:txBody>
+      </p:sp>
+      <p:sp>
+        <p:nvSpPr>
+          <p:cNvPr id="497" name="172.21.5.5/24"/>
+          <p:cNvSpPr txBox="1"/>
+          <p:nvPr/>
+        </p:nvSpPr>
+        <p:spPr>
+          <a:xfrm>
+            <a:off x="10025772" y="2748018"/>
+            <a:ext cx="1320835" cy="277098"/>
+          </a:xfrm>
+          <a:prstGeom prst="rect">
+            <a:avLst/>
+          </a:prstGeom>
+          <a:ln w="3175">
+            <a:miter lim="400000"/>
+          </a:ln>
+          <a:extLst>
+            <a:ext uri="{C572A759-6A51-4108-AA02-DFA0A04FC94B}">
+              <ma14:wrappingTextBoxFlag xmlns:ma14="http://schemas.microsoft.com/office/mac/drawingml/2011/main" val="1"/>
+            </a:ext>
+          </a:extLst>
+        </p:spPr>
+        <p:txBody>
+          <a:bodyPr wrap="none" lIns="27093" tIns="27093" rIns="27093" bIns="27093" anchor="ctr">
+            <a:spAutoFit/>
+          </a:bodyPr>
+          <a:lstStyle/>
+          <a:p>
+            <a:pPr/>
+            <a:r>
+              <a:t>172.21.5.5/24</a:t>
+            </a:r>
+          </a:p>
+        </p:txBody>
+      </p:sp>
+      <p:sp>
+        <p:nvSpPr>
+          <p:cNvPr id="498" name="172.21.6.5/23"/>
+          <p:cNvSpPr txBox="1"/>
+          <p:nvPr/>
+        </p:nvSpPr>
+        <p:spPr>
+          <a:xfrm>
+            <a:off x="9262262" y="5920608"/>
+            <a:ext cx="1320834" cy="277098"/>
+          </a:xfrm>
+          <a:prstGeom prst="rect">
+            <a:avLst/>
+          </a:prstGeom>
+          <a:ln w="3175">
+            <a:miter lim="400000"/>
+          </a:ln>
+          <a:extLst>
+            <a:ext uri="{C572A759-6A51-4108-AA02-DFA0A04FC94B}">
+              <ma14:wrappingTextBoxFlag xmlns:ma14="http://schemas.microsoft.com/office/mac/drawingml/2011/main" val="1"/>
+            </a:ext>
+          </a:extLst>
+        </p:spPr>
+        <p:txBody>
+          <a:bodyPr wrap="none" lIns="27093" tIns="27093" rIns="27093" bIns="27093" anchor="ctr">
+            <a:spAutoFit/>
+          </a:bodyPr>
+          <a:lstStyle/>
+          <a:p>
+            <a:pPr/>
+            <a:r>
+              <a:t>172.21.6.5/23</a:t>
+            </a:r>
+          </a:p>
+        </p:txBody>
+      </p:sp>
+      <p:sp>
+        <p:nvSpPr>
+          <p:cNvPr id="499" name="Line"/>
+          <p:cNvSpPr/>
+          <p:nvPr/>
+        </p:nvSpPr>
+        <p:spPr>
+          <a:xfrm>
+            <a:off x="8106905" y="3056533"/>
+            <a:ext cx="2117160" cy="1768315"/>
+          </a:xfrm>
+          <a:prstGeom prst="line">
+            <a:avLst/>
+          </a:prstGeom>
+          <a:ln w="38100">
+            <a:solidFill>
+              <a:srgbClr val="000000"/>
+            </a:solidFill>
+            <a:miter lim="400000"/>
+          </a:ln>
+        </p:spPr>
+        <p:txBody>
+          <a:bodyPr lIns="27093" tIns="27093" rIns="27093" bIns="27093" anchor="ctr"/>
+          <a:lstStyle/>
+          <a:p>
+            <a:pPr/>
+          </a:p>
+        </p:txBody>
+      </p:sp>
+      <p:sp>
+        <p:nvSpPr>
+          <p:cNvPr id="500" name="Network-7…"/>
+          <p:cNvSpPr txBox="1"/>
+          <p:nvPr/>
+        </p:nvSpPr>
+        <p:spPr>
+          <a:xfrm rot="2400000">
+            <a:off x="8677072" y="3849668"/>
+            <a:ext cx="1320835" cy="505698"/>
+          </a:xfrm>
+          <a:prstGeom prst="rect">
+            <a:avLst/>
+          </a:prstGeom>
+          <a:ln w="3175">
+            <a:miter lim="400000"/>
+          </a:ln>
+          <a:extLst>
+            <a:ext uri="{C572A759-6A51-4108-AA02-DFA0A04FC94B}">
+              <ma14:wrappingTextBoxFlag xmlns:ma14="http://schemas.microsoft.com/office/mac/drawingml/2011/main" val="1"/>
+            </a:ext>
+          </a:extLst>
+        </p:spPr>
+        <p:txBody>
+          <a:bodyPr wrap="none" lIns="27093" tIns="27093" rIns="27093" bIns="27093" anchor="ctr">
+            <a:spAutoFit/>
+          </a:bodyPr>
+          <a:lstStyle/>
+          <a:p>
+            <a:pPr/>
+            <a:r>
+              <a:t>Network-7</a:t>
+            </a:r>
+          </a:p>
+          <a:p>
+            <a:pPr/>
+            <a:r>
+              <a:t>172.21.7.0/26</a:t>
+            </a:r>
+          </a:p>
+        </p:txBody>
+      </p:sp>
+      <p:sp>
+        <p:nvSpPr>
+          <p:cNvPr id="501" name="HE"/>
+          <p:cNvSpPr txBox="1"/>
+          <p:nvPr/>
+        </p:nvSpPr>
+        <p:spPr>
+          <a:xfrm>
+            <a:off x="10143125" y="4043667"/>
+            <a:ext cx="640996" cy="583719"/>
+          </a:xfrm>
+          <a:prstGeom prst="rect">
+            <a:avLst/>
+          </a:prstGeom>
+          <a:ln w="3175">
+            <a:miter lim="400000"/>
+          </a:ln>
+          <a:extLst>
+            <a:ext uri="{C572A759-6A51-4108-AA02-DFA0A04FC94B}">
+              <ma14:wrappingTextBoxFlag xmlns:ma14="http://schemas.microsoft.com/office/mac/drawingml/2011/main" val="1"/>
+            </a:ext>
+          </a:extLst>
+        </p:spPr>
+        <p:txBody>
+          <a:bodyPr lIns="27093" tIns="27093" rIns="27093" bIns="27093" anchor="ctr"/>
+          <a:lstStyle>
+            <a:lvl1pPr>
+              <a:defRPr b="1" sz="2400"/>
+            </a:lvl1pPr>
+          </a:lstStyle>
+          <a:p>
+            <a:pPr/>
+            <a:r>
+              <a:t>HE</a:t>
+            </a:r>
+          </a:p>
+        </p:txBody>
+      </p:sp>
+      <p:sp>
+        <p:nvSpPr>
+          <p:cNvPr id="502" name="eth3"/>
+          <p:cNvSpPr txBox="1"/>
+          <p:nvPr/>
+        </p:nvSpPr>
+        <p:spPr>
+          <a:xfrm>
+            <a:off x="8220762" y="2979623"/>
+            <a:ext cx="428313" cy="277098"/>
+          </a:xfrm>
+          <a:prstGeom prst="rect">
+            <a:avLst/>
+          </a:prstGeom>
+          <a:ln w="3175">
+            <a:miter lim="400000"/>
+          </a:ln>
+          <a:extLst>
+            <a:ext uri="{C572A759-6A51-4108-AA02-DFA0A04FC94B}">
+              <ma14:wrappingTextBoxFlag xmlns:ma14="http://schemas.microsoft.com/office/mac/drawingml/2011/main" val="1"/>
+            </a:ext>
+          </a:extLst>
+        </p:spPr>
+        <p:txBody>
+          <a:bodyPr wrap="none" lIns="27093" tIns="27093" rIns="27093" bIns="27093" anchor="ctr">
+            <a:spAutoFit/>
+          </a:bodyPr>
+          <a:lstStyle/>
+          <a:p>
+            <a:pPr/>
+            <a:r>
+              <a:t>eth</a:t>
+            </a:r>
+            <a:r>
+              <a:rPr baseline="-5999"/>
+              <a:t>3</a:t>
+            </a:r>
+          </a:p>
+        </p:txBody>
+      </p:sp>
+      <p:sp>
+        <p:nvSpPr>
+          <p:cNvPr id="503" name="172.21.7.2/26"/>
+          <p:cNvSpPr txBox="1"/>
+          <p:nvPr/>
+        </p:nvSpPr>
+        <p:spPr>
+          <a:xfrm>
+            <a:off x="8472550" y="3180238"/>
+            <a:ext cx="1320835" cy="277098"/>
+          </a:xfrm>
+          <a:prstGeom prst="rect">
+            <a:avLst/>
+          </a:prstGeom>
+          <a:ln w="3175">
+            <a:miter lim="400000"/>
+          </a:ln>
+          <a:extLst>
+            <a:ext uri="{C572A759-6A51-4108-AA02-DFA0A04FC94B}">
+              <ma14:wrappingTextBoxFlag xmlns:ma14="http://schemas.microsoft.com/office/mac/drawingml/2011/main" val="1"/>
+            </a:ext>
+          </a:extLst>
+        </p:spPr>
+        <p:txBody>
+          <a:bodyPr wrap="none" lIns="27093" tIns="27093" rIns="27093" bIns="27093" anchor="ctr">
+            <a:spAutoFit/>
+          </a:bodyPr>
+          <a:lstStyle/>
+          <a:p>
+            <a:pPr/>
+            <a:r>
+              <a:t>172.21.7.2/26</a:t>
+            </a:r>
+          </a:p>
+        </p:txBody>
+      </p:sp>
+      <p:sp>
+        <p:nvSpPr>
+          <p:cNvPr id="504" name="172.21.7.5/26"/>
+          <p:cNvSpPr txBox="1"/>
+          <p:nvPr/>
+        </p:nvSpPr>
+        <p:spPr>
+          <a:xfrm>
+            <a:off x="9681304" y="5020315"/>
+            <a:ext cx="1320835" cy="277098"/>
+          </a:xfrm>
+          <a:prstGeom prst="rect">
+            <a:avLst/>
+          </a:prstGeom>
+          <a:ln w="3175">
+            <a:miter lim="400000"/>
+          </a:ln>
+          <a:extLst>
+            <a:ext uri="{C572A759-6A51-4108-AA02-DFA0A04FC94B}">
+              <ma14:wrappingTextBoxFlag xmlns:ma14="http://schemas.microsoft.com/office/mac/drawingml/2011/main" val="1"/>
+            </a:ext>
+          </a:extLst>
+        </p:spPr>
+        <p:txBody>
+          <a:bodyPr wrap="none" lIns="27093" tIns="27093" rIns="27093" bIns="27093" anchor="ctr">
+            <a:spAutoFit/>
+          </a:bodyPr>
+          <a:lstStyle/>
+          <a:p>
+            <a:pPr/>
+            <a:r>
+              <a:t>172.21.7.5/26</a:t>
+            </a:r>
+          </a:p>
+        </p:txBody>
+      </p:sp>
+      <p:sp>
+        <p:nvSpPr>
+          <p:cNvPr id="505" name="Network-4…"/>
+          <p:cNvSpPr txBox="1"/>
+          <p:nvPr/>
+        </p:nvSpPr>
+        <p:spPr>
+          <a:xfrm rot="3420000">
+            <a:off x="4769682" y="3711465"/>
+            <a:ext cx="1320835" cy="505698"/>
+          </a:xfrm>
+          <a:prstGeom prst="rect">
+            <a:avLst/>
+          </a:prstGeom>
+          <a:ln w="3175">
+            <a:miter lim="400000"/>
+          </a:ln>
+          <a:extLst>
+            <a:ext uri="{C572A759-6A51-4108-AA02-DFA0A04FC94B}">
+              <ma14:wrappingTextBoxFlag xmlns:ma14="http://schemas.microsoft.com/office/mac/drawingml/2011/main" val="1"/>
+            </a:ext>
+          </a:extLst>
+        </p:spPr>
+        <p:txBody>
+          <a:bodyPr wrap="none" lIns="27093" tIns="27093" rIns="27093" bIns="27093" anchor="ctr">
+            <a:spAutoFit/>
+          </a:bodyPr>
+          <a:lstStyle/>
+          <a:p>
+            <a:pPr/>
+            <a:r>
+              <a:t>Network-4</a:t>
+            </a:r>
+          </a:p>
+          <a:p>
+            <a:pPr/>
+            <a:r>
+              <a:t>172.21.1.0/29</a:t>
+            </a:r>
+          </a:p>
+        </p:txBody>
+      </p:sp>
+      <p:sp>
+        <p:nvSpPr>
+          <p:cNvPr id="506" name="Line"/>
+          <p:cNvSpPr/>
+          <p:nvPr/>
+        </p:nvSpPr>
+        <p:spPr>
+          <a:xfrm flipV="1">
+            <a:off x="6756205" y="3010334"/>
+            <a:ext cx="836583" cy="1747374"/>
+          </a:xfrm>
+          <a:prstGeom prst="line">
+            <a:avLst/>
+          </a:prstGeom>
+          <a:ln w="38100">
+            <a:solidFill>
+              <a:srgbClr val="000000"/>
+            </a:solidFill>
+            <a:miter lim="400000"/>
+          </a:ln>
+        </p:spPr>
+        <p:txBody>
+          <a:bodyPr lIns="27093" tIns="27093" rIns="27093" bIns="27093" anchor="ctr"/>
+          <a:lstStyle/>
+          <a:p>
+            <a:pPr/>
+          </a:p>
+        </p:txBody>
+      </p:sp>
+      <p:sp>
+        <p:nvSpPr>
+          <p:cNvPr id="507" name="eth0"/>
+          <p:cNvSpPr txBox="1"/>
+          <p:nvPr/>
+        </p:nvSpPr>
+        <p:spPr>
+          <a:xfrm>
+            <a:off x="7088696" y="2906996"/>
+            <a:ext cx="428312" cy="277099"/>
+          </a:xfrm>
+          <a:prstGeom prst="rect">
+            <a:avLst/>
+          </a:prstGeom>
+          <a:ln w="3175">
+            <a:miter lim="400000"/>
+          </a:ln>
+          <a:extLst>
+            <a:ext uri="{C572A759-6A51-4108-AA02-DFA0A04FC94B}">
+              <ma14:wrappingTextBoxFlag xmlns:ma14="http://schemas.microsoft.com/office/mac/drawingml/2011/main" val="1"/>
+            </a:ext>
+          </a:extLst>
+        </p:spPr>
+        <p:txBody>
+          <a:bodyPr wrap="none" lIns="27093" tIns="27093" rIns="27093" bIns="27093" anchor="ctr">
+            <a:spAutoFit/>
+          </a:bodyPr>
+          <a:lstStyle/>
+          <a:p>
+            <a:pPr/>
+            <a:r>
+              <a:t>eth</a:t>
+            </a:r>
+            <a:r>
+              <a:rPr baseline="-5999"/>
+              <a:t>0</a:t>
+            </a:r>
+          </a:p>
+        </p:txBody>
+      </p:sp>
+      <p:sp>
+        <p:nvSpPr>
+          <p:cNvPr id="508" name="Network-6…"/>
+          <p:cNvSpPr txBox="1"/>
+          <p:nvPr/>
+        </p:nvSpPr>
+        <p:spPr>
+          <a:xfrm rot="17700000">
+            <a:off x="6141703" y="3753717"/>
+            <a:ext cx="1348381" cy="480654"/>
+          </a:xfrm>
+          <a:prstGeom prst="rect">
+            <a:avLst/>
+          </a:prstGeom>
+          <a:ln w="3175">
+            <a:miter lim="400000"/>
+          </a:ln>
+          <a:extLst>
+            <a:ext uri="{C572A759-6A51-4108-AA02-DFA0A04FC94B}">
+              <ma14:wrappingTextBoxFlag xmlns:ma14="http://schemas.microsoft.com/office/mac/drawingml/2011/main" val="1"/>
+            </a:ext>
+          </a:extLst>
+        </p:spPr>
+        <p:txBody>
+          <a:bodyPr wrap="none" lIns="27093" tIns="27093" rIns="27093" bIns="27093" anchor="ctr">
+            <a:spAutoFit/>
+          </a:bodyPr>
+          <a:lstStyle/>
+          <a:p>
+            <a:pPr>
+              <a:defRPr sz="1500"/>
+            </a:pPr>
+            <a:r>
+              <a:t>Network-6</a:t>
+            </a:r>
+          </a:p>
+          <a:p>
+            <a:pPr>
+              <a:defRPr sz="1500"/>
+            </a:pPr>
+            <a:r>
+              <a:t>172.21.1.16/29</a:t>
+            </a:r>
+          </a:p>
+        </p:txBody>
+      </p:sp>
+      <p:sp>
+        <p:nvSpPr>
+          <p:cNvPr id="509" name="172.21.1.18"/>
+          <p:cNvSpPr txBox="1"/>
+          <p:nvPr/>
+        </p:nvSpPr>
+        <p:spPr>
+          <a:xfrm>
+            <a:off x="6946913" y="3134181"/>
+            <a:ext cx="1140190" cy="277099"/>
+          </a:xfrm>
+          <a:prstGeom prst="rect">
+            <a:avLst/>
+          </a:prstGeom>
+          <a:ln w="3175">
+            <a:miter lim="400000"/>
+          </a:ln>
+          <a:extLst>
+            <a:ext uri="{C572A759-6A51-4108-AA02-DFA0A04FC94B}">
+              <ma14:wrappingTextBoxFlag xmlns:ma14="http://schemas.microsoft.com/office/mac/drawingml/2011/main" val="1"/>
+            </a:ext>
+          </a:extLst>
+        </p:spPr>
+        <p:txBody>
+          <a:bodyPr wrap="none" lIns="27093" tIns="27093" rIns="27093" bIns="27093" anchor="ctr">
+            <a:spAutoFit/>
+          </a:bodyPr>
+          <a:lstStyle/>
+          <a:p>
+            <a:pPr/>
+            <a:r>
+              <a:t>172.21.1.18</a:t>
+            </a:r>
+          </a:p>
+        </p:txBody>
+      </p:sp>
+      <p:sp>
+        <p:nvSpPr>
+          <p:cNvPr id="510" name="eth1"/>
+          <p:cNvSpPr txBox="1"/>
+          <p:nvPr/>
+        </p:nvSpPr>
+        <p:spPr>
+          <a:xfrm>
+            <a:off x="6874540" y="4488836"/>
+            <a:ext cx="428313" cy="277098"/>
+          </a:xfrm>
+          <a:prstGeom prst="rect">
+            <a:avLst/>
+          </a:prstGeom>
+          <a:ln w="3175">
+            <a:miter lim="400000"/>
+          </a:ln>
+          <a:extLst>
+            <a:ext uri="{C572A759-6A51-4108-AA02-DFA0A04FC94B}">
+              <ma14:wrappingTextBoxFlag xmlns:ma14="http://schemas.microsoft.com/office/mac/drawingml/2011/main" val="1"/>
+            </a:ext>
+          </a:extLst>
+        </p:spPr>
+        <p:txBody>
+          <a:bodyPr wrap="none" lIns="27093" tIns="27093" rIns="27093" bIns="27093" anchor="ctr">
+            <a:spAutoFit/>
+          </a:bodyPr>
+          <a:lstStyle/>
+          <a:p>
+            <a:pPr/>
+            <a:r>
+              <a:t>eth</a:t>
+            </a:r>
+            <a:r>
+              <a:rPr baseline="-5999"/>
+              <a:t>1</a:t>
+            </a:r>
+          </a:p>
+        </p:txBody>
+      </p:sp>
+      <p:sp>
+        <p:nvSpPr>
+          <p:cNvPr id="511" name="172.21.1.22"/>
+          <p:cNvSpPr txBox="1"/>
+          <p:nvPr/>
+        </p:nvSpPr>
+        <p:spPr>
+          <a:xfrm>
+            <a:off x="6894369" y="4329190"/>
+            <a:ext cx="1140190" cy="277098"/>
+          </a:xfrm>
+          <a:prstGeom prst="rect">
+            <a:avLst/>
+          </a:prstGeom>
+          <a:ln w="3175">
+            <a:miter lim="400000"/>
+          </a:ln>
+          <a:extLst>
+            <a:ext uri="{C572A759-6A51-4108-AA02-DFA0A04FC94B}">
+              <ma14:wrappingTextBoxFlag xmlns:ma14="http://schemas.microsoft.com/office/mac/drawingml/2011/main" val="1"/>
+            </a:ext>
+          </a:extLst>
+        </p:spPr>
+        <p:txBody>
+          <a:bodyPr wrap="none" lIns="27093" tIns="27093" rIns="27093" bIns="27093" anchor="ctr">
+            <a:spAutoFit/>
+          </a:bodyPr>
+          <a:lstStyle/>
+          <a:p>
+            <a:pPr/>
+            <a:r>
+              <a:t>172.21.1.22</a:t>
+            </a:r>
+          </a:p>
+        </p:txBody>
+      </p:sp>
+      <p:pic>
+        <p:nvPicPr>
+          <p:cNvPr id="512" name="Picture 97" descr="Picture 97"/>
+          <p:cNvPicPr>
+            <a:picLocks noChangeAspect="1"/>
+          </p:cNvPicPr>
+          <p:nvPr/>
+        </p:nvPicPr>
+        <p:blipFill>
+          <a:blip r:embed="rId2">
+            <a:extLst/>
+          </a:blip>
+          <a:stretch>
+            <a:fillRect/>
+          </a:stretch>
+        </p:blipFill>
+        <p:spPr>
+          <a:xfrm>
+            <a:off x="1631382" y="2381695"/>
+            <a:ext cx="779463" cy="679451"/>
+          </a:xfrm>
+          <a:prstGeom prst="rect">
+            <a:avLst/>
+          </a:prstGeom>
+          <a:ln w="3175">
+            <a:miter lim="400000"/>
+          </a:ln>
+        </p:spPr>
+      </p:pic>
+      <p:pic>
+        <p:nvPicPr>
+          <p:cNvPr id="513" name="Picture 97" descr="Picture 97"/>
+          <p:cNvPicPr>
+            <a:picLocks noChangeAspect="1"/>
+          </p:cNvPicPr>
+          <p:nvPr/>
+        </p:nvPicPr>
+        <p:blipFill>
+          <a:blip r:embed="rId2">
+            <a:extLst/>
+          </a:blip>
+          <a:stretch>
+            <a:fillRect/>
+          </a:stretch>
+        </p:blipFill>
+        <p:spPr>
+          <a:xfrm flipH="1">
+            <a:off x="10291337" y="2137009"/>
+            <a:ext cx="779464" cy="679451"/>
+          </a:xfrm>
+          <a:prstGeom prst="rect">
+            <a:avLst/>
+          </a:prstGeom>
+          <a:ln w="3175">
+            <a:miter lim="400000"/>
+          </a:ln>
+        </p:spPr>
+      </p:pic>
+      <p:pic>
+        <p:nvPicPr>
+          <p:cNvPr id="514" name="Picture 97" descr="Picture 97"/>
+          <p:cNvPicPr>
+            <a:picLocks noChangeAspect="1"/>
+          </p:cNvPicPr>
+          <p:nvPr/>
+        </p:nvPicPr>
+        <p:blipFill>
+          <a:blip r:embed="rId2">
+            <a:extLst/>
+          </a:blip>
+          <a:stretch>
+            <a:fillRect/>
+          </a:stretch>
+        </p:blipFill>
+        <p:spPr>
+          <a:xfrm flipH="1">
+            <a:off x="9803906" y="4425718"/>
+            <a:ext cx="779464" cy="679451"/>
+          </a:xfrm>
+          <a:prstGeom prst="rect">
+            <a:avLst/>
+          </a:prstGeom>
+          <a:ln w="3175">
+            <a:miter lim="400000"/>
+          </a:ln>
+        </p:spPr>
+      </p:pic>
+      <p:pic>
+        <p:nvPicPr>
+          <p:cNvPr id="515" name="Picture 97" descr="Picture 97"/>
+          <p:cNvPicPr>
+            <a:picLocks noChangeAspect="1"/>
+          </p:cNvPicPr>
+          <p:nvPr/>
+        </p:nvPicPr>
+        <p:blipFill>
+          <a:blip r:embed="rId2">
+            <a:extLst/>
+          </a:blip>
+          <a:stretch>
+            <a:fillRect/>
+          </a:stretch>
+        </p:blipFill>
+        <p:spPr>
+          <a:xfrm flipH="1">
+            <a:off x="9061193" y="5327356"/>
+            <a:ext cx="779464" cy="679451"/>
+          </a:xfrm>
+          <a:prstGeom prst="rect">
+            <a:avLst/>
+          </a:prstGeom>
+          <a:ln w="3175">
+            <a:miter lim="400000"/>
+          </a:ln>
+        </p:spPr>
+      </p:pic>
+      <p:pic>
+        <p:nvPicPr>
+          <p:cNvPr id="516" name="Picture 97" descr="Picture 97"/>
+          <p:cNvPicPr>
+            <a:picLocks noChangeAspect="1"/>
+          </p:cNvPicPr>
+          <p:nvPr/>
+        </p:nvPicPr>
+        <p:blipFill>
+          <a:blip r:embed="rId2">
+            <a:extLst/>
+          </a:blip>
+          <a:stretch>
+            <a:fillRect/>
+          </a:stretch>
+        </p:blipFill>
+        <p:spPr>
+          <a:xfrm flipH="1">
+            <a:off x="5998472" y="6493749"/>
+            <a:ext cx="779464" cy="679451"/>
+          </a:xfrm>
+          <a:prstGeom prst="rect">
+            <a:avLst/>
+          </a:prstGeom>
+          <a:ln w="3175">
+            <a:miter lim="400000"/>
+          </a:ln>
+        </p:spPr>
+      </p:pic>
+      <p:sp>
+        <p:nvSpPr>
+          <p:cNvPr id="517" name="Network-8"/>
+          <p:cNvSpPr txBox="1"/>
+          <p:nvPr/>
+        </p:nvSpPr>
+        <p:spPr>
+          <a:xfrm>
+            <a:off x="6155164" y="6108765"/>
+            <a:ext cx="1022537" cy="505698"/>
+          </a:xfrm>
+          <a:prstGeom prst="rect">
+            <a:avLst/>
+          </a:prstGeom>
+          <a:ln w="3175">
+            <a:miter lim="400000"/>
+          </a:ln>
+          <a:extLst>
+            <a:ext uri="{C572A759-6A51-4108-AA02-DFA0A04FC94B}">
+              <ma14:wrappingTextBoxFlag xmlns:ma14="http://schemas.microsoft.com/office/mac/drawingml/2011/main" val="1"/>
+            </a:ext>
+          </a:extLst>
+        </p:spPr>
+        <p:txBody>
+          <a:bodyPr wrap="none" lIns="27093" tIns="27093" rIns="27093" bIns="27093" anchor="ctr">
+            <a:spAutoFit/>
+          </a:bodyPr>
+          <a:lstStyle/>
+          <a:p>
+            <a:pPr/>
+            <a:r>
+              <a:t>Network-8</a:t>
+            </a:r>
+          </a:p>
+        </p:txBody>
+      </p:sp>
+      <p:sp>
+        <p:nvSpPr>
+          <p:cNvPr id="518" name="Line"/>
+          <p:cNvSpPr/>
+          <p:nvPr/>
+        </p:nvSpPr>
+        <p:spPr>
+          <a:xfrm flipV="1">
+            <a:off x="8303128" y="5041538"/>
+            <a:ext cx="637235" cy="1362761"/>
+          </a:xfrm>
+          <a:prstGeom prst="line">
+            <a:avLst/>
+          </a:prstGeom>
+          <a:ln w="38100">
+            <a:solidFill>
+              <a:srgbClr val="000000"/>
+            </a:solidFill>
+            <a:miter lim="400000"/>
+          </a:ln>
+        </p:spPr>
+        <p:txBody>
+          <a:bodyPr lIns="27093" tIns="27093" rIns="27093" bIns="27093" anchor="ctr"/>
+          <a:lstStyle/>
+          <a:p>
+            <a:pPr/>
+          </a:p>
+        </p:txBody>
+      </p:sp>
+      <p:sp>
+        <p:nvSpPr>
+          <p:cNvPr id="519" name="Line"/>
+          <p:cNvSpPr/>
+          <p:nvPr/>
+        </p:nvSpPr>
+        <p:spPr>
+          <a:xfrm>
+            <a:off x="8812081" y="5294011"/>
+            <a:ext cx="546304" cy="242366"/>
+          </a:xfrm>
+          <a:prstGeom prst="line">
+            <a:avLst/>
+          </a:prstGeom>
+          <a:ln w="38100">
+            <a:solidFill>
+              <a:srgbClr val="000000"/>
+            </a:solidFill>
+            <a:miter lim="400000"/>
+          </a:ln>
+        </p:spPr>
+        <p:txBody>
+          <a:bodyPr lIns="27093" tIns="27093" rIns="27093" bIns="27093" anchor="ctr"/>
+          <a:lstStyle/>
+          <a:p>
+            <a:pPr/>
+          </a:p>
+        </p:txBody>
+      </p:sp>
+      <p:sp>
+        <p:nvSpPr>
+          <p:cNvPr id="520" name="Line"/>
+          <p:cNvSpPr/>
+          <p:nvPr/>
+        </p:nvSpPr>
+        <p:spPr>
+          <a:xfrm>
+            <a:off x="8442643" y="6152940"/>
+            <a:ext cx="546305" cy="242366"/>
+          </a:xfrm>
+          <a:prstGeom prst="line">
+            <a:avLst/>
+          </a:prstGeom>
+          <a:ln w="38100">
+            <a:solidFill>
+              <a:srgbClr val="000000"/>
+            </a:solidFill>
+            <a:miter lim="400000"/>
+          </a:ln>
+        </p:spPr>
+        <p:txBody>
+          <a:bodyPr lIns="27093" tIns="27093" rIns="27093" bIns="27093" anchor="ctr"/>
+          <a:lstStyle/>
+          <a:p>
+            <a:pPr/>
+          </a:p>
+        </p:txBody>
+      </p:sp>
+      <p:sp>
+        <p:nvSpPr>
+          <p:cNvPr id="521" name="HF"/>
+          <p:cNvSpPr txBox="1"/>
+          <p:nvPr/>
+        </p:nvSpPr>
+        <p:spPr>
+          <a:xfrm>
+            <a:off x="9296427" y="6206717"/>
+            <a:ext cx="589477" cy="583718"/>
+          </a:xfrm>
+          <a:prstGeom prst="rect">
+            <a:avLst/>
+          </a:prstGeom>
+          <a:ln w="3175">
+            <a:miter lim="400000"/>
+          </a:ln>
+          <a:extLst>
+            <a:ext uri="{C572A759-6A51-4108-AA02-DFA0A04FC94B}">
+              <ma14:wrappingTextBoxFlag xmlns:ma14="http://schemas.microsoft.com/office/mac/drawingml/2011/main" val="1"/>
+            </a:ext>
+          </a:extLst>
+        </p:spPr>
+        <p:txBody>
+          <a:bodyPr lIns="27093" tIns="27093" rIns="27093" bIns="27093" anchor="ctr"/>
+          <a:lstStyle>
+            <a:lvl1pPr>
+              <a:defRPr b="1" sz="2400"/>
+            </a:lvl1pPr>
+          </a:lstStyle>
+          <a:p>
+            <a:pPr/>
+            <a:r>
+              <a:t>HF</a:t>
+            </a:r>
+          </a:p>
+        </p:txBody>
+      </p:sp>
+      <p:sp>
+        <p:nvSpPr>
+          <p:cNvPr id="522" name="172.21.7.66/23"/>
+          <p:cNvSpPr txBox="1"/>
+          <p:nvPr/>
+        </p:nvSpPr>
+        <p:spPr>
+          <a:xfrm>
+            <a:off x="8813631" y="6728779"/>
+            <a:ext cx="1433814" cy="277098"/>
+          </a:xfrm>
+          <a:prstGeom prst="rect">
+            <a:avLst/>
+          </a:prstGeom>
+          <a:ln w="3175">
+            <a:miter lim="400000"/>
+          </a:ln>
+          <a:extLst>
+            <a:ext uri="{C572A759-6A51-4108-AA02-DFA0A04FC94B}">
+              <ma14:wrappingTextBoxFlag xmlns:ma14="http://schemas.microsoft.com/office/mac/drawingml/2011/main" val="1"/>
+            </a:ext>
+          </a:extLst>
+        </p:spPr>
+        <p:txBody>
+          <a:bodyPr wrap="none" lIns="27093" tIns="27093" rIns="27093" bIns="27093" anchor="ctr">
+            <a:spAutoFit/>
+          </a:bodyPr>
+          <a:lstStyle/>
+          <a:p>
+            <a:pPr/>
+            <a:r>
+              <a:t>172.21.7.66/23</a:t>
+            </a:r>
+          </a:p>
+        </p:txBody>
+      </p:sp>
+      <p:pic>
+        <p:nvPicPr>
+          <p:cNvPr id="523" name="Picture 97" descr="Picture 97"/>
+          <p:cNvPicPr>
+            <a:picLocks noChangeAspect="1"/>
+          </p:cNvPicPr>
+          <p:nvPr/>
+        </p:nvPicPr>
+        <p:blipFill>
+          <a:blip r:embed="rId2">
+            <a:extLst/>
+          </a:blip>
+          <a:stretch>
+            <a:fillRect/>
+          </a:stretch>
+        </p:blipFill>
+        <p:spPr>
+          <a:xfrm flipH="1">
+            <a:off x="8669052" y="6135527"/>
+            <a:ext cx="779464" cy="679451"/>
+          </a:xfrm>
+          <a:prstGeom prst="rect">
+            <a:avLst/>
+          </a:prstGeom>
+          <a:ln w="3175">
+            <a:miter lim="400000"/>
+          </a:ln>
+        </p:spPr>
+      </p:pic>
     </p:spTree>
   </p:cSld>
   <p:clrMapOvr>
